--- a/presentations/Session_3_Polyglot_Persist.pptx
+++ b/presentations/Session_3_Polyglot_Persist.pptx
@@ -8,14 +8,29 @@
     <p:sldMasterId id="2147483724" r:id="rId4"/>
   </p:sldMasterIdLst>
   <p:notesMasterIdLst>
-    <p:notesMasterId r:id="rId7"/>
+    <p:notesMasterId r:id="rId22"/>
   </p:notesMasterIdLst>
   <p:handoutMasterIdLst>
-    <p:handoutMasterId r:id="rId8"/>
+    <p:handoutMasterId r:id="rId23"/>
   </p:handoutMasterIdLst>
   <p:sldIdLst>
     <p:sldId id="353" r:id="rId5"/>
     <p:sldId id="259" r:id="rId6"/>
+    <p:sldId id="355" r:id="rId7"/>
+    <p:sldId id="356" r:id="rId8"/>
+    <p:sldId id="357" r:id="rId9"/>
+    <p:sldId id="358" r:id="rId10"/>
+    <p:sldId id="359" r:id="rId11"/>
+    <p:sldId id="360" r:id="rId12"/>
+    <p:sldId id="363" r:id="rId13"/>
+    <p:sldId id="362" r:id="rId14"/>
+    <p:sldId id="365" r:id="rId15"/>
+    <p:sldId id="366" r:id="rId16"/>
+    <p:sldId id="367" r:id="rId17"/>
+    <p:sldId id="364" r:id="rId18"/>
+    <p:sldId id="361" r:id="rId19"/>
+    <p:sldId id="368" r:id="rId20"/>
+    <p:sldId id="354" r:id="rId21"/>
   </p:sldIdLst>
   <p:sldSz cx="9144000" cy="5143500" type="screen16x9"/>
   <p:notesSz cx="6858000" cy="9144000"/>
@@ -121,6 +136,29 @@
           <p14:sldIdLst>
             <p14:sldId id="353"/>
             <p14:sldId id="259"/>
+            <p14:sldId id="355"/>
+            <p14:sldId id="356"/>
+            <p14:sldId id="357"/>
+            <p14:sldId id="358"/>
+            <p14:sldId id="359"/>
+            <p14:sldId id="360"/>
+          </p14:sldIdLst>
+        </p14:section>
+        <p14:section name="Spring Data REST" id="{FE1D1771-E7BF-5F4F-B5C1-01E163D15910}">
+          <p14:sldIdLst>
+            <p14:sldId id="363"/>
+            <p14:sldId id="362"/>
+            <p14:sldId id="365"/>
+            <p14:sldId id="366"/>
+            <p14:sldId id="367"/>
+          </p14:sldIdLst>
+        </p14:section>
+        <p14:section name="Polygot Persistence" id="{1E2DD7CB-3067-034D-B31E-50D24724DD85}">
+          <p14:sldIdLst>
+            <p14:sldId id="364"/>
+            <p14:sldId id="361"/>
+            <p14:sldId id="368"/>
+            <p14:sldId id="354"/>
           </p14:sldIdLst>
         </p14:section>
       </p14:sectionLst>
@@ -211,7 +249,7 @@
           <a:p>
             <a:fld id="{372E5B6B-8713-8747-AE5B-F1241B2BF5F0}" type="datetimeFigureOut">
               <a:rPr lang="en-US" smtClean="0"/>
-              <a:t>3/2/16</a:t>
+              <a:t>3/26/16</a:t>
             </a:fld>
             <a:endParaRPr lang="en-US"/>
           </a:p>
@@ -377,7 +415,7 @@
           <a:p>
             <a:fld id="{7E7B7340-DDD5-1B49-81AA-25BC4050C073}" type="datetimeFigureOut">
               <a:rPr lang="en-US" smtClean="0"/>
-              <a:t>3/2/16</a:t>
+              <a:t>3/26/16</a:t>
             </a:fld>
             <a:endParaRPr lang="en-US"/>
           </a:p>
@@ -738,7 +776,1125 @@
 </p:notes>
 </file>
 
+<file path=ppt/notesSlides/notesSlide10.xml><?xml version="1.0" encoding="utf-8"?>
+<p:notes xmlns:a="http://schemas.openxmlformats.org/drawingml/2006/main" xmlns:r="http://schemas.openxmlformats.org/officeDocument/2006/relationships" xmlns:p="http://schemas.openxmlformats.org/presentationml/2006/main" showMasterSp="0" showMasterPhAnim="0">
+  <p:cSld>
+    <p:spTree>
+      <p:nvGrpSpPr>
+        <p:cNvPr id="1" name="Shape 197"/>
+        <p:cNvGrpSpPr/>
+        <p:nvPr/>
+      </p:nvGrpSpPr>
+      <p:grpSpPr>
+        <a:xfrm>
+          <a:off x="0" y="0"/>
+          <a:ext cx="0" cy="0"/>
+          <a:chOff x="0" y="0"/>
+          <a:chExt cx="0" cy="0"/>
+        </a:xfrm>
+      </p:grpSpPr>
+      <p:sp>
+        <p:nvSpPr>
+          <p:cNvPr id="198" name="Shape 198"/>
+          <p:cNvSpPr txBox="1">
+            <a:spLocks noGrp="1"/>
+          </p:cNvSpPr>
+          <p:nvPr>
+            <p:ph type="body" idx="1"/>
+          </p:nvPr>
+        </p:nvSpPr>
+        <p:spPr>
+          <a:xfrm>
+            <a:off x="295171" y="2972430"/>
+            <a:ext cx="6267659" cy="5793719"/>
+          </a:xfrm>
+          <a:prstGeom prst="rect">
+            <a:avLst/>
+          </a:prstGeom>
+        </p:spPr>
+        <p:txBody>
+          <a:bodyPr lIns="90556" tIns="90556" rIns="90556" bIns="90556" anchor="t" anchorCtr="0">
+            <a:noAutofit/>
+          </a:bodyPr>
+          <a:lstStyle/>
+          <a:p>
+            <a:endParaRPr dirty="0"/>
+          </a:p>
+        </p:txBody>
+      </p:sp>
+      <p:sp>
+        <p:nvSpPr>
+          <p:cNvPr id="199" name="Shape 199"/>
+          <p:cNvSpPr>
+            <a:spLocks noGrp="1" noRot="1" noChangeAspect="1"/>
+          </p:cNvSpPr>
+          <p:nvPr>
+            <p:ph type="sldImg" idx="2"/>
+          </p:nvPr>
+        </p:nvSpPr>
+        <p:spPr>
+          <a:xfrm>
+            <a:off x="1606550" y="685800"/>
+            <a:ext cx="3702050" cy="2082800"/>
+          </a:xfrm>
+          <a:custGeom>
+            <a:avLst/>
+            <a:gdLst/>
+            <a:ahLst/>
+            <a:cxnLst/>
+            <a:rect l="0" t="0" r="0" b="0"/>
+            <a:pathLst>
+              <a:path w="120000" h="120000" extrusionOk="0">
+                <a:moveTo>
+                  <a:pt x="0" y="0"/>
+                </a:moveTo>
+                <a:lnTo>
+                  <a:pt x="120000" y="0"/>
+                </a:lnTo>
+                <a:lnTo>
+                  <a:pt x="120000" y="120000"/>
+                </a:lnTo>
+                <a:lnTo>
+                  <a:pt x="0" y="120000"/>
+                </a:lnTo>
+                <a:close/>
+              </a:path>
+            </a:pathLst>
+          </a:custGeom>
+          <a:noFill/>
+          <a:ln w="9525" cap="flat" cmpd="sng">
+            <a:solidFill>
+              <a:srgbClr val="000000"/>
+            </a:solidFill>
+            <a:prstDash val="solid"/>
+            <a:round/>
+            <a:headEnd type="none" w="med" len="med"/>
+            <a:tailEnd type="none" w="med" len="med"/>
+          </a:ln>
+        </p:spPr>
+      </p:sp>
+    </p:spTree>
+  </p:cSld>
+  <p:clrMapOvr>
+    <a:masterClrMapping/>
+  </p:clrMapOvr>
+</p:notes>
+</file>
+
+<file path=ppt/notesSlides/notesSlide11.xml><?xml version="1.0" encoding="utf-8"?>
+<p:notes xmlns:a="http://schemas.openxmlformats.org/drawingml/2006/main" xmlns:r="http://schemas.openxmlformats.org/officeDocument/2006/relationships" xmlns:p="http://schemas.openxmlformats.org/presentationml/2006/main" showMasterSp="0" showMasterPhAnim="0">
+  <p:cSld>
+    <p:spTree>
+      <p:nvGrpSpPr>
+        <p:cNvPr id="1" name="Shape 197"/>
+        <p:cNvGrpSpPr/>
+        <p:nvPr/>
+      </p:nvGrpSpPr>
+      <p:grpSpPr>
+        <a:xfrm>
+          <a:off x="0" y="0"/>
+          <a:ext cx="0" cy="0"/>
+          <a:chOff x="0" y="0"/>
+          <a:chExt cx="0" cy="0"/>
+        </a:xfrm>
+      </p:grpSpPr>
+      <p:sp>
+        <p:nvSpPr>
+          <p:cNvPr id="198" name="Shape 198"/>
+          <p:cNvSpPr txBox="1">
+            <a:spLocks noGrp="1"/>
+          </p:cNvSpPr>
+          <p:nvPr>
+            <p:ph type="body" idx="1"/>
+          </p:nvPr>
+        </p:nvSpPr>
+        <p:spPr>
+          <a:xfrm>
+            <a:off x="295171" y="2972430"/>
+            <a:ext cx="6267659" cy="5793719"/>
+          </a:xfrm>
+          <a:prstGeom prst="rect">
+            <a:avLst/>
+          </a:prstGeom>
+        </p:spPr>
+        <p:txBody>
+          <a:bodyPr lIns="90556" tIns="90556" rIns="90556" bIns="90556" anchor="t" anchorCtr="0">
+            <a:noAutofit/>
+          </a:bodyPr>
+          <a:lstStyle/>
+          <a:p>
+            <a:endParaRPr dirty="0"/>
+          </a:p>
+        </p:txBody>
+      </p:sp>
+      <p:sp>
+        <p:nvSpPr>
+          <p:cNvPr id="199" name="Shape 199"/>
+          <p:cNvSpPr>
+            <a:spLocks noGrp="1" noRot="1" noChangeAspect="1"/>
+          </p:cNvSpPr>
+          <p:nvPr>
+            <p:ph type="sldImg" idx="2"/>
+          </p:nvPr>
+        </p:nvSpPr>
+        <p:spPr>
+          <a:xfrm>
+            <a:off x="1606550" y="685800"/>
+            <a:ext cx="3702050" cy="2082800"/>
+          </a:xfrm>
+          <a:custGeom>
+            <a:avLst/>
+            <a:gdLst/>
+            <a:ahLst/>
+            <a:cxnLst/>
+            <a:rect l="0" t="0" r="0" b="0"/>
+            <a:pathLst>
+              <a:path w="120000" h="120000" extrusionOk="0">
+                <a:moveTo>
+                  <a:pt x="0" y="0"/>
+                </a:moveTo>
+                <a:lnTo>
+                  <a:pt x="120000" y="0"/>
+                </a:lnTo>
+                <a:lnTo>
+                  <a:pt x="120000" y="120000"/>
+                </a:lnTo>
+                <a:lnTo>
+                  <a:pt x="0" y="120000"/>
+                </a:lnTo>
+                <a:close/>
+              </a:path>
+            </a:pathLst>
+          </a:custGeom>
+          <a:noFill/>
+          <a:ln w="9525" cap="flat" cmpd="sng">
+            <a:solidFill>
+              <a:srgbClr val="000000"/>
+            </a:solidFill>
+            <a:prstDash val="solid"/>
+            <a:round/>
+            <a:headEnd type="none" w="med" len="med"/>
+            <a:tailEnd type="none" w="med" len="med"/>
+          </a:ln>
+        </p:spPr>
+      </p:sp>
+    </p:spTree>
+  </p:cSld>
+  <p:clrMapOvr>
+    <a:masterClrMapping/>
+  </p:clrMapOvr>
+</p:notes>
+</file>
+
+<file path=ppt/notesSlides/notesSlide12.xml><?xml version="1.0" encoding="utf-8"?>
+<p:notes xmlns:a="http://schemas.openxmlformats.org/drawingml/2006/main" xmlns:r="http://schemas.openxmlformats.org/officeDocument/2006/relationships" xmlns:p="http://schemas.openxmlformats.org/presentationml/2006/main" showMasterSp="0" showMasterPhAnim="0">
+  <p:cSld>
+    <p:spTree>
+      <p:nvGrpSpPr>
+        <p:cNvPr id="1" name="Shape 197"/>
+        <p:cNvGrpSpPr/>
+        <p:nvPr/>
+      </p:nvGrpSpPr>
+      <p:grpSpPr>
+        <a:xfrm>
+          <a:off x="0" y="0"/>
+          <a:ext cx="0" cy="0"/>
+          <a:chOff x="0" y="0"/>
+          <a:chExt cx="0" cy="0"/>
+        </a:xfrm>
+      </p:grpSpPr>
+      <p:sp>
+        <p:nvSpPr>
+          <p:cNvPr id="198" name="Shape 198"/>
+          <p:cNvSpPr txBox="1">
+            <a:spLocks noGrp="1"/>
+          </p:cNvSpPr>
+          <p:nvPr>
+            <p:ph type="body" idx="1"/>
+          </p:nvPr>
+        </p:nvSpPr>
+        <p:spPr>
+          <a:xfrm>
+            <a:off x="295171" y="2972430"/>
+            <a:ext cx="6267659" cy="5793719"/>
+          </a:xfrm>
+          <a:prstGeom prst="rect">
+            <a:avLst/>
+          </a:prstGeom>
+        </p:spPr>
+        <p:txBody>
+          <a:bodyPr lIns="90556" tIns="90556" rIns="90556" bIns="90556" anchor="t" anchorCtr="0">
+            <a:noAutofit/>
+          </a:bodyPr>
+          <a:lstStyle/>
+          <a:p>
+            <a:endParaRPr dirty="0"/>
+          </a:p>
+        </p:txBody>
+      </p:sp>
+      <p:sp>
+        <p:nvSpPr>
+          <p:cNvPr id="199" name="Shape 199"/>
+          <p:cNvSpPr>
+            <a:spLocks noGrp="1" noRot="1" noChangeAspect="1"/>
+          </p:cNvSpPr>
+          <p:nvPr>
+            <p:ph type="sldImg" idx="2"/>
+          </p:nvPr>
+        </p:nvSpPr>
+        <p:spPr>
+          <a:xfrm>
+            <a:off x="1606550" y="685800"/>
+            <a:ext cx="3702050" cy="2082800"/>
+          </a:xfrm>
+          <a:custGeom>
+            <a:avLst/>
+            <a:gdLst/>
+            <a:ahLst/>
+            <a:cxnLst/>
+            <a:rect l="0" t="0" r="0" b="0"/>
+            <a:pathLst>
+              <a:path w="120000" h="120000" extrusionOk="0">
+                <a:moveTo>
+                  <a:pt x="0" y="0"/>
+                </a:moveTo>
+                <a:lnTo>
+                  <a:pt x="120000" y="0"/>
+                </a:lnTo>
+                <a:lnTo>
+                  <a:pt x="120000" y="120000"/>
+                </a:lnTo>
+                <a:lnTo>
+                  <a:pt x="0" y="120000"/>
+                </a:lnTo>
+                <a:close/>
+              </a:path>
+            </a:pathLst>
+          </a:custGeom>
+          <a:noFill/>
+          <a:ln w="9525" cap="flat" cmpd="sng">
+            <a:solidFill>
+              <a:srgbClr val="000000"/>
+            </a:solidFill>
+            <a:prstDash val="solid"/>
+            <a:round/>
+            <a:headEnd type="none" w="med" len="med"/>
+            <a:tailEnd type="none" w="med" len="med"/>
+          </a:ln>
+        </p:spPr>
+      </p:sp>
+    </p:spTree>
+  </p:cSld>
+  <p:clrMapOvr>
+    <a:masterClrMapping/>
+  </p:clrMapOvr>
+</p:notes>
+</file>
+
+<file path=ppt/notesSlides/notesSlide13.xml><?xml version="1.0" encoding="utf-8"?>
+<p:notes xmlns:a="http://schemas.openxmlformats.org/drawingml/2006/main" xmlns:r="http://schemas.openxmlformats.org/officeDocument/2006/relationships" xmlns:p="http://schemas.openxmlformats.org/presentationml/2006/main">
+  <p:cSld>
+    <p:spTree>
+      <p:nvGrpSpPr>
+        <p:cNvPr id="1" name=""/>
+        <p:cNvGrpSpPr/>
+        <p:nvPr/>
+      </p:nvGrpSpPr>
+      <p:grpSpPr>
+        <a:xfrm>
+          <a:off x="0" y="0"/>
+          <a:ext cx="0" cy="0"/>
+          <a:chOff x="0" y="0"/>
+          <a:chExt cx="0" cy="0"/>
+        </a:xfrm>
+      </p:grpSpPr>
+      <p:sp>
+        <p:nvSpPr>
+          <p:cNvPr id="2" name="Slide Image Placeholder 1"/>
+          <p:cNvSpPr>
+            <a:spLocks noGrp="1" noRot="1" noChangeAspect="1"/>
+          </p:cNvSpPr>
+          <p:nvPr>
+            <p:ph type="sldImg"/>
+          </p:nvPr>
+        </p:nvSpPr>
+        <p:spPr>
+          <a:xfrm>
+            <a:off x="381000" y="685800"/>
+            <a:ext cx="6096000" cy="3429000"/>
+          </a:xfrm>
+        </p:spPr>
+      </p:sp>
+      <p:sp>
+        <p:nvSpPr>
+          <p:cNvPr id="3" name="Notes Placeholder 2"/>
+          <p:cNvSpPr>
+            <a:spLocks noGrp="1"/>
+          </p:cNvSpPr>
+          <p:nvPr>
+            <p:ph type="body" idx="1"/>
+          </p:nvPr>
+        </p:nvSpPr>
+        <p:spPr/>
+        <p:txBody>
+          <a:bodyPr lIns="90571" tIns="45286" rIns="90571" bIns="45286">
+            <a:normAutofit/>
+          </a:bodyPr>
+          <a:lstStyle/>
+          <a:p>
+            <a:endParaRPr lang="en-US" dirty="0"/>
+          </a:p>
+        </p:txBody>
+      </p:sp>
+    </p:spTree>
+    <p:extLst>
+      <p:ext uri="{BB962C8B-B14F-4D97-AF65-F5344CB8AC3E}">
+        <p14:creationId xmlns:p14="http://schemas.microsoft.com/office/powerpoint/2010/main" val="2318069329"/>
+      </p:ext>
+    </p:extLst>
+  </p:cSld>
+  <p:clrMapOvr>
+    <a:masterClrMapping/>
+  </p:clrMapOvr>
+</p:notes>
+</file>
+
 <file path=ppt/notesSlides/notesSlide2.xml><?xml version="1.0" encoding="utf-8"?>
+<p:notes xmlns:a="http://schemas.openxmlformats.org/drawingml/2006/main" xmlns:r="http://schemas.openxmlformats.org/officeDocument/2006/relationships" xmlns:p="http://schemas.openxmlformats.org/presentationml/2006/main" showMasterSp="0" showMasterPhAnim="0">
+  <p:cSld>
+    <p:spTree>
+      <p:nvGrpSpPr>
+        <p:cNvPr id="1" name="Shape 197"/>
+        <p:cNvGrpSpPr/>
+        <p:nvPr/>
+      </p:nvGrpSpPr>
+      <p:grpSpPr>
+        <a:xfrm>
+          <a:off x="0" y="0"/>
+          <a:ext cx="0" cy="0"/>
+          <a:chOff x="0" y="0"/>
+          <a:chExt cx="0" cy="0"/>
+        </a:xfrm>
+      </p:grpSpPr>
+      <p:sp>
+        <p:nvSpPr>
+          <p:cNvPr id="198" name="Shape 198"/>
+          <p:cNvSpPr txBox="1">
+            <a:spLocks noGrp="1"/>
+          </p:cNvSpPr>
+          <p:nvPr>
+            <p:ph type="body" idx="1"/>
+          </p:nvPr>
+        </p:nvSpPr>
+        <p:spPr>
+          <a:xfrm>
+            <a:off x="295171" y="2972430"/>
+            <a:ext cx="6267659" cy="5793719"/>
+          </a:xfrm>
+          <a:prstGeom prst="rect">
+            <a:avLst/>
+          </a:prstGeom>
+        </p:spPr>
+        <p:txBody>
+          <a:bodyPr lIns="90556" tIns="90556" rIns="90556" bIns="90556" anchor="t" anchorCtr="0">
+            <a:noAutofit/>
+          </a:bodyPr>
+          <a:lstStyle/>
+          <a:p>
+            <a:endParaRPr dirty="0"/>
+          </a:p>
+        </p:txBody>
+      </p:sp>
+      <p:sp>
+        <p:nvSpPr>
+          <p:cNvPr id="199" name="Shape 199"/>
+          <p:cNvSpPr>
+            <a:spLocks noGrp="1" noRot="1" noChangeAspect="1"/>
+          </p:cNvSpPr>
+          <p:nvPr>
+            <p:ph type="sldImg" idx="2"/>
+          </p:nvPr>
+        </p:nvSpPr>
+        <p:spPr>
+          <a:xfrm>
+            <a:off x="1606550" y="685800"/>
+            <a:ext cx="3702050" cy="2082800"/>
+          </a:xfrm>
+          <a:custGeom>
+            <a:avLst/>
+            <a:gdLst/>
+            <a:ahLst/>
+            <a:cxnLst/>
+            <a:rect l="0" t="0" r="0" b="0"/>
+            <a:pathLst>
+              <a:path w="120000" h="120000" extrusionOk="0">
+                <a:moveTo>
+                  <a:pt x="0" y="0"/>
+                </a:moveTo>
+                <a:lnTo>
+                  <a:pt x="120000" y="0"/>
+                </a:lnTo>
+                <a:lnTo>
+                  <a:pt x="120000" y="120000"/>
+                </a:lnTo>
+                <a:lnTo>
+                  <a:pt x="0" y="120000"/>
+                </a:lnTo>
+                <a:close/>
+              </a:path>
+            </a:pathLst>
+          </a:custGeom>
+          <a:noFill/>
+          <a:ln w="9525" cap="flat" cmpd="sng">
+            <a:solidFill>
+              <a:srgbClr val="000000"/>
+            </a:solidFill>
+            <a:prstDash val="solid"/>
+            <a:round/>
+            <a:headEnd type="none" w="med" len="med"/>
+            <a:tailEnd type="none" w="med" len="med"/>
+          </a:ln>
+        </p:spPr>
+      </p:sp>
+    </p:spTree>
+  </p:cSld>
+  <p:clrMapOvr>
+    <a:masterClrMapping/>
+  </p:clrMapOvr>
+</p:notes>
+</file>
+
+<file path=ppt/notesSlides/notesSlide3.xml><?xml version="1.0" encoding="utf-8"?>
+<p:notes xmlns:a="http://schemas.openxmlformats.org/drawingml/2006/main" xmlns:r="http://schemas.openxmlformats.org/officeDocument/2006/relationships" xmlns:p="http://schemas.openxmlformats.org/presentationml/2006/main" showMasterSp="0" showMasterPhAnim="0">
+  <p:cSld>
+    <p:spTree>
+      <p:nvGrpSpPr>
+        <p:cNvPr id="1" name="Shape 197"/>
+        <p:cNvGrpSpPr/>
+        <p:nvPr/>
+      </p:nvGrpSpPr>
+      <p:grpSpPr>
+        <a:xfrm>
+          <a:off x="0" y="0"/>
+          <a:ext cx="0" cy="0"/>
+          <a:chOff x="0" y="0"/>
+          <a:chExt cx="0" cy="0"/>
+        </a:xfrm>
+      </p:grpSpPr>
+      <p:sp>
+        <p:nvSpPr>
+          <p:cNvPr id="198" name="Shape 198"/>
+          <p:cNvSpPr txBox="1">
+            <a:spLocks noGrp="1"/>
+          </p:cNvSpPr>
+          <p:nvPr>
+            <p:ph type="body" idx="1"/>
+          </p:nvPr>
+        </p:nvSpPr>
+        <p:spPr>
+          <a:xfrm>
+            <a:off x="295171" y="2972430"/>
+            <a:ext cx="6267659" cy="5793719"/>
+          </a:xfrm>
+          <a:prstGeom prst="rect">
+            <a:avLst/>
+          </a:prstGeom>
+        </p:spPr>
+        <p:txBody>
+          <a:bodyPr lIns="90556" tIns="90556" rIns="90556" bIns="90556" anchor="t" anchorCtr="0">
+            <a:noAutofit/>
+          </a:bodyPr>
+          <a:lstStyle/>
+          <a:p>
+            <a:endParaRPr dirty="0"/>
+          </a:p>
+        </p:txBody>
+      </p:sp>
+      <p:sp>
+        <p:nvSpPr>
+          <p:cNvPr id="199" name="Shape 199"/>
+          <p:cNvSpPr>
+            <a:spLocks noGrp="1" noRot="1" noChangeAspect="1"/>
+          </p:cNvSpPr>
+          <p:nvPr>
+            <p:ph type="sldImg" idx="2"/>
+          </p:nvPr>
+        </p:nvSpPr>
+        <p:spPr>
+          <a:xfrm>
+            <a:off x="1606550" y="685800"/>
+            <a:ext cx="3702050" cy="2082800"/>
+          </a:xfrm>
+          <a:custGeom>
+            <a:avLst/>
+            <a:gdLst/>
+            <a:ahLst/>
+            <a:cxnLst/>
+            <a:rect l="0" t="0" r="0" b="0"/>
+            <a:pathLst>
+              <a:path w="120000" h="120000" extrusionOk="0">
+                <a:moveTo>
+                  <a:pt x="0" y="0"/>
+                </a:moveTo>
+                <a:lnTo>
+                  <a:pt x="120000" y="0"/>
+                </a:lnTo>
+                <a:lnTo>
+                  <a:pt x="120000" y="120000"/>
+                </a:lnTo>
+                <a:lnTo>
+                  <a:pt x="0" y="120000"/>
+                </a:lnTo>
+                <a:close/>
+              </a:path>
+            </a:pathLst>
+          </a:custGeom>
+          <a:noFill/>
+          <a:ln w="9525" cap="flat" cmpd="sng">
+            <a:solidFill>
+              <a:srgbClr val="000000"/>
+            </a:solidFill>
+            <a:prstDash val="solid"/>
+            <a:round/>
+            <a:headEnd type="none" w="med" len="med"/>
+            <a:tailEnd type="none" w="med" len="med"/>
+          </a:ln>
+        </p:spPr>
+      </p:sp>
+    </p:spTree>
+  </p:cSld>
+  <p:clrMapOvr>
+    <a:masterClrMapping/>
+  </p:clrMapOvr>
+</p:notes>
+</file>
+
+<file path=ppt/notesSlides/notesSlide4.xml><?xml version="1.0" encoding="utf-8"?>
+<p:notes xmlns:a="http://schemas.openxmlformats.org/drawingml/2006/main" xmlns:r="http://schemas.openxmlformats.org/officeDocument/2006/relationships" xmlns:p="http://schemas.openxmlformats.org/presentationml/2006/main" showMasterSp="0" showMasterPhAnim="0">
+  <p:cSld>
+    <p:spTree>
+      <p:nvGrpSpPr>
+        <p:cNvPr id="1" name="Shape 197"/>
+        <p:cNvGrpSpPr/>
+        <p:nvPr/>
+      </p:nvGrpSpPr>
+      <p:grpSpPr>
+        <a:xfrm>
+          <a:off x="0" y="0"/>
+          <a:ext cx="0" cy="0"/>
+          <a:chOff x="0" y="0"/>
+          <a:chExt cx="0" cy="0"/>
+        </a:xfrm>
+      </p:grpSpPr>
+      <p:sp>
+        <p:nvSpPr>
+          <p:cNvPr id="198" name="Shape 198"/>
+          <p:cNvSpPr txBox="1">
+            <a:spLocks noGrp="1"/>
+          </p:cNvSpPr>
+          <p:nvPr>
+            <p:ph type="body" idx="1"/>
+          </p:nvPr>
+        </p:nvSpPr>
+        <p:spPr>
+          <a:xfrm>
+            <a:off x="295171" y="2972430"/>
+            <a:ext cx="6267659" cy="5793719"/>
+          </a:xfrm>
+          <a:prstGeom prst="rect">
+            <a:avLst/>
+          </a:prstGeom>
+        </p:spPr>
+        <p:txBody>
+          <a:bodyPr lIns="90556" tIns="90556" rIns="90556" bIns="90556" anchor="t" anchorCtr="0">
+            <a:noAutofit/>
+          </a:bodyPr>
+          <a:lstStyle/>
+          <a:p>
+            <a:endParaRPr dirty="0"/>
+          </a:p>
+        </p:txBody>
+      </p:sp>
+      <p:sp>
+        <p:nvSpPr>
+          <p:cNvPr id="199" name="Shape 199"/>
+          <p:cNvSpPr>
+            <a:spLocks noGrp="1" noRot="1" noChangeAspect="1"/>
+          </p:cNvSpPr>
+          <p:nvPr>
+            <p:ph type="sldImg" idx="2"/>
+          </p:nvPr>
+        </p:nvSpPr>
+        <p:spPr>
+          <a:xfrm>
+            <a:off x="1606550" y="685800"/>
+            <a:ext cx="3702050" cy="2082800"/>
+          </a:xfrm>
+          <a:custGeom>
+            <a:avLst/>
+            <a:gdLst/>
+            <a:ahLst/>
+            <a:cxnLst/>
+            <a:rect l="0" t="0" r="0" b="0"/>
+            <a:pathLst>
+              <a:path w="120000" h="120000" extrusionOk="0">
+                <a:moveTo>
+                  <a:pt x="0" y="0"/>
+                </a:moveTo>
+                <a:lnTo>
+                  <a:pt x="120000" y="0"/>
+                </a:lnTo>
+                <a:lnTo>
+                  <a:pt x="120000" y="120000"/>
+                </a:lnTo>
+                <a:lnTo>
+                  <a:pt x="0" y="120000"/>
+                </a:lnTo>
+                <a:close/>
+              </a:path>
+            </a:pathLst>
+          </a:custGeom>
+          <a:noFill/>
+          <a:ln w="9525" cap="flat" cmpd="sng">
+            <a:solidFill>
+              <a:srgbClr val="000000"/>
+            </a:solidFill>
+            <a:prstDash val="solid"/>
+            <a:round/>
+            <a:headEnd type="none" w="med" len="med"/>
+            <a:tailEnd type="none" w="med" len="med"/>
+          </a:ln>
+        </p:spPr>
+      </p:sp>
+    </p:spTree>
+  </p:cSld>
+  <p:clrMapOvr>
+    <a:masterClrMapping/>
+  </p:clrMapOvr>
+</p:notes>
+</file>
+
+<file path=ppt/notesSlides/notesSlide5.xml><?xml version="1.0" encoding="utf-8"?>
+<p:notes xmlns:a="http://schemas.openxmlformats.org/drawingml/2006/main" xmlns:r="http://schemas.openxmlformats.org/officeDocument/2006/relationships" xmlns:p="http://schemas.openxmlformats.org/presentationml/2006/main" showMasterSp="0" showMasterPhAnim="0">
+  <p:cSld>
+    <p:spTree>
+      <p:nvGrpSpPr>
+        <p:cNvPr id="1" name="Shape 197"/>
+        <p:cNvGrpSpPr/>
+        <p:nvPr/>
+      </p:nvGrpSpPr>
+      <p:grpSpPr>
+        <a:xfrm>
+          <a:off x="0" y="0"/>
+          <a:ext cx="0" cy="0"/>
+          <a:chOff x="0" y="0"/>
+          <a:chExt cx="0" cy="0"/>
+        </a:xfrm>
+      </p:grpSpPr>
+      <p:sp>
+        <p:nvSpPr>
+          <p:cNvPr id="198" name="Shape 198"/>
+          <p:cNvSpPr txBox="1">
+            <a:spLocks noGrp="1"/>
+          </p:cNvSpPr>
+          <p:nvPr>
+            <p:ph type="body" idx="1"/>
+          </p:nvPr>
+        </p:nvSpPr>
+        <p:spPr>
+          <a:xfrm>
+            <a:off x="295171" y="2972430"/>
+            <a:ext cx="6267659" cy="5793719"/>
+          </a:xfrm>
+          <a:prstGeom prst="rect">
+            <a:avLst/>
+          </a:prstGeom>
+        </p:spPr>
+        <p:txBody>
+          <a:bodyPr lIns="90556" tIns="90556" rIns="90556" bIns="90556" anchor="t" anchorCtr="0">
+            <a:noAutofit/>
+          </a:bodyPr>
+          <a:lstStyle/>
+          <a:p>
+            <a:endParaRPr dirty="0"/>
+          </a:p>
+        </p:txBody>
+      </p:sp>
+      <p:sp>
+        <p:nvSpPr>
+          <p:cNvPr id="199" name="Shape 199"/>
+          <p:cNvSpPr>
+            <a:spLocks noGrp="1" noRot="1" noChangeAspect="1"/>
+          </p:cNvSpPr>
+          <p:nvPr>
+            <p:ph type="sldImg" idx="2"/>
+          </p:nvPr>
+        </p:nvSpPr>
+        <p:spPr>
+          <a:xfrm>
+            <a:off x="1606550" y="685800"/>
+            <a:ext cx="3702050" cy="2082800"/>
+          </a:xfrm>
+          <a:custGeom>
+            <a:avLst/>
+            <a:gdLst/>
+            <a:ahLst/>
+            <a:cxnLst/>
+            <a:rect l="0" t="0" r="0" b="0"/>
+            <a:pathLst>
+              <a:path w="120000" h="120000" extrusionOk="0">
+                <a:moveTo>
+                  <a:pt x="0" y="0"/>
+                </a:moveTo>
+                <a:lnTo>
+                  <a:pt x="120000" y="0"/>
+                </a:lnTo>
+                <a:lnTo>
+                  <a:pt x="120000" y="120000"/>
+                </a:lnTo>
+                <a:lnTo>
+                  <a:pt x="0" y="120000"/>
+                </a:lnTo>
+                <a:close/>
+              </a:path>
+            </a:pathLst>
+          </a:custGeom>
+          <a:noFill/>
+          <a:ln w="9525" cap="flat" cmpd="sng">
+            <a:solidFill>
+              <a:srgbClr val="000000"/>
+            </a:solidFill>
+            <a:prstDash val="solid"/>
+            <a:round/>
+            <a:headEnd type="none" w="med" len="med"/>
+            <a:tailEnd type="none" w="med" len="med"/>
+          </a:ln>
+        </p:spPr>
+      </p:sp>
+    </p:spTree>
+  </p:cSld>
+  <p:clrMapOvr>
+    <a:masterClrMapping/>
+  </p:clrMapOvr>
+</p:notes>
+</file>
+
+<file path=ppt/notesSlides/notesSlide6.xml><?xml version="1.0" encoding="utf-8"?>
+<p:notes xmlns:a="http://schemas.openxmlformats.org/drawingml/2006/main" xmlns:r="http://schemas.openxmlformats.org/officeDocument/2006/relationships" xmlns:p="http://schemas.openxmlformats.org/presentationml/2006/main" showMasterSp="0" showMasterPhAnim="0">
+  <p:cSld>
+    <p:spTree>
+      <p:nvGrpSpPr>
+        <p:cNvPr id="1" name="Shape 197"/>
+        <p:cNvGrpSpPr/>
+        <p:nvPr/>
+      </p:nvGrpSpPr>
+      <p:grpSpPr>
+        <a:xfrm>
+          <a:off x="0" y="0"/>
+          <a:ext cx="0" cy="0"/>
+          <a:chOff x="0" y="0"/>
+          <a:chExt cx="0" cy="0"/>
+        </a:xfrm>
+      </p:grpSpPr>
+      <p:sp>
+        <p:nvSpPr>
+          <p:cNvPr id="198" name="Shape 198"/>
+          <p:cNvSpPr txBox="1">
+            <a:spLocks noGrp="1"/>
+          </p:cNvSpPr>
+          <p:nvPr>
+            <p:ph type="body" idx="1"/>
+          </p:nvPr>
+        </p:nvSpPr>
+        <p:spPr>
+          <a:xfrm>
+            <a:off x="295171" y="2972430"/>
+            <a:ext cx="6267659" cy="5793719"/>
+          </a:xfrm>
+          <a:prstGeom prst="rect">
+            <a:avLst/>
+          </a:prstGeom>
+        </p:spPr>
+        <p:txBody>
+          <a:bodyPr lIns="90556" tIns="90556" rIns="90556" bIns="90556" anchor="t" anchorCtr="0">
+            <a:noAutofit/>
+          </a:bodyPr>
+          <a:lstStyle/>
+          <a:p>
+            <a:endParaRPr dirty="0"/>
+          </a:p>
+        </p:txBody>
+      </p:sp>
+      <p:sp>
+        <p:nvSpPr>
+          <p:cNvPr id="199" name="Shape 199"/>
+          <p:cNvSpPr>
+            <a:spLocks noGrp="1" noRot="1" noChangeAspect="1"/>
+          </p:cNvSpPr>
+          <p:nvPr>
+            <p:ph type="sldImg" idx="2"/>
+          </p:nvPr>
+        </p:nvSpPr>
+        <p:spPr>
+          <a:xfrm>
+            <a:off x="1606550" y="685800"/>
+            <a:ext cx="3702050" cy="2082800"/>
+          </a:xfrm>
+          <a:custGeom>
+            <a:avLst/>
+            <a:gdLst/>
+            <a:ahLst/>
+            <a:cxnLst/>
+            <a:rect l="0" t="0" r="0" b="0"/>
+            <a:pathLst>
+              <a:path w="120000" h="120000" extrusionOk="0">
+                <a:moveTo>
+                  <a:pt x="0" y="0"/>
+                </a:moveTo>
+                <a:lnTo>
+                  <a:pt x="120000" y="0"/>
+                </a:lnTo>
+                <a:lnTo>
+                  <a:pt x="120000" y="120000"/>
+                </a:lnTo>
+                <a:lnTo>
+                  <a:pt x="0" y="120000"/>
+                </a:lnTo>
+                <a:close/>
+              </a:path>
+            </a:pathLst>
+          </a:custGeom>
+          <a:noFill/>
+          <a:ln w="9525" cap="flat" cmpd="sng">
+            <a:solidFill>
+              <a:srgbClr val="000000"/>
+            </a:solidFill>
+            <a:prstDash val="solid"/>
+            <a:round/>
+            <a:headEnd type="none" w="med" len="med"/>
+            <a:tailEnd type="none" w="med" len="med"/>
+          </a:ln>
+        </p:spPr>
+      </p:sp>
+    </p:spTree>
+  </p:cSld>
+  <p:clrMapOvr>
+    <a:masterClrMapping/>
+  </p:clrMapOvr>
+</p:notes>
+</file>
+
+<file path=ppt/notesSlides/notesSlide7.xml><?xml version="1.0" encoding="utf-8"?>
+<p:notes xmlns:a="http://schemas.openxmlformats.org/drawingml/2006/main" xmlns:r="http://schemas.openxmlformats.org/officeDocument/2006/relationships" xmlns:p="http://schemas.openxmlformats.org/presentationml/2006/main" showMasterSp="0" showMasterPhAnim="0">
+  <p:cSld>
+    <p:spTree>
+      <p:nvGrpSpPr>
+        <p:cNvPr id="1" name="Shape 197"/>
+        <p:cNvGrpSpPr/>
+        <p:nvPr/>
+      </p:nvGrpSpPr>
+      <p:grpSpPr>
+        <a:xfrm>
+          <a:off x="0" y="0"/>
+          <a:ext cx="0" cy="0"/>
+          <a:chOff x="0" y="0"/>
+          <a:chExt cx="0" cy="0"/>
+        </a:xfrm>
+      </p:grpSpPr>
+      <p:sp>
+        <p:nvSpPr>
+          <p:cNvPr id="198" name="Shape 198"/>
+          <p:cNvSpPr txBox="1">
+            <a:spLocks noGrp="1"/>
+          </p:cNvSpPr>
+          <p:nvPr>
+            <p:ph type="body" idx="1"/>
+          </p:nvPr>
+        </p:nvSpPr>
+        <p:spPr>
+          <a:xfrm>
+            <a:off x="295171" y="2972430"/>
+            <a:ext cx="6267659" cy="5793719"/>
+          </a:xfrm>
+          <a:prstGeom prst="rect">
+            <a:avLst/>
+          </a:prstGeom>
+        </p:spPr>
+        <p:txBody>
+          <a:bodyPr lIns="90556" tIns="90556" rIns="90556" bIns="90556" anchor="t" anchorCtr="0">
+            <a:noAutofit/>
+          </a:bodyPr>
+          <a:lstStyle/>
+          <a:p>
+            <a:endParaRPr dirty="0"/>
+          </a:p>
+        </p:txBody>
+      </p:sp>
+      <p:sp>
+        <p:nvSpPr>
+          <p:cNvPr id="199" name="Shape 199"/>
+          <p:cNvSpPr>
+            <a:spLocks noGrp="1" noRot="1" noChangeAspect="1"/>
+          </p:cNvSpPr>
+          <p:nvPr>
+            <p:ph type="sldImg" idx="2"/>
+          </p:nvPr>
+        </p:nvSpPr>
+        <p:spPr>
+          <a:xfrm>
+            <a:off x="1606550" y="685800"/>
+            <a:ext cx="3702050" cy="2082800"/>
+          </a:xfrm>
+          <a:custGeom>
+            <a:avLst/>
+            <a:gdLst/>
+            <a:ahLst/>
+            <a:cxnLst/>
+            <a:rect l="0" t="0" r="0" b="0"/>
+            <a:pathLst>
+              <a:path w="120000" h="120000" extrusionOk="0">
+                <a:moveTo>
+                  <a:pt x="0" y="0"/>
+                </a:moveTo>
+                <a:lnTo>
+                  <a:pt x="120000" y="0"/>
+                </a:lnTo>
+                <a:lnTo>
+                  <a:pt x="120000" y="120000"/>
+                </a:lnTo>
+                <a:lnTo>
+                  <a:pt x="0" y="120000"/>
+                </a:lnTo>
+                <a:close/>
+              </a:path>
+            </a:pathLst>
+          </a:custGeom>
+          <a:noFill/>
+          <a:ln w="9525" cap="flat" cmpd="sng">
+            <a:solidFill>
+              <a:srgbClr val="000000"/>
+            </a:solidFill>
+            <a:prstDash val="solid"/>
+            <a:round/>
+            <a:headEnd type="none" w="med" len="med"/>
+            <a:tailEnd type="none" w="med" len="med"/>
+          </a:ln>
+        </p:spPr>
+      </p:sp>
+    </p:spTree>
+  </p:cSld>
+  <p:clrMapOvr>
+    <a:masterClrMapping/>
+  </p:clrMapOvr>
+</p:notes>
+</file>
+
+<file path=ppt/notesSlides/notesSlide8.xml><?xml version="1.0" encoding="utf-8"?>
+<p:notes xmlns:a="http://schemas.openxmlformats.org/drawingml/2006/main" xmlns:r="http://schemas.openxmlformats.org/officeDocument/2006/relationships" xmlns:p="http://schemas.openxmlformats.org/presentationml/2006/main" showMasterSp="0" showMasterPhAnim="0">
+  <p:cSld>
+    <p:spTree>
+      <p:nvGrpSpPr>
+        <p:cNvPr id="1" name="Shape 197"/>
+        <p:cNvGrpSpPr/>
+        <p:nvPr/>
+      </p:nvGrpSpPr>
+      <p:grpSpPr>
+        <a:xfrm>
+          <a:off x="0" y="0"/>
+          <a:ext cx="0" cy="0"/>
+          <a:chOff x="0" y="0"/>
+          <a:chExt cx="0" cy="0"/>
+        </a:xfrm>
+      </p:grpSpPr>
+      <p:sp>
+        <p:nvSpPr>
+          <p:cNvPr id="198" name="Shape 198"/>
+          <p:cNvSpPr txBox="1">
+            <a:spLocks noGrp="1"/>
+          </p:cNvSpPr>
+          <p:nvPr>
+            <p:ph type="body" idx="1"/>
+          </p:nvPr>
+        </p:nvSpPr>
+        <p:spPr>
+          <a:xfrm>
+            <a:off x="295171" y="2972430"/>
+            <a:ext cx="6267659" cy="5793719"/>
+          </a:xfrm>
+          <a:prstGeom prst="rect">
+            <a:avLst/>
+          </a:prstGeom>
+        </p:spPr>
+        <p:txBody>
+          <a:bodyPr lIns="90556" tIns="90556" rIns="90556" bIns="90556" anchor="t" anchorCtr="0">
+            <a:noAutofit/>
+          </a:bodyPr>
+          <a:lstStyle/>
+          <a:p>
+            <a:endParaRPr dirty="0"/>
+          </a:p>
+        </p:txBody>
+      </p:sp>
+      <p:sp>
+        <p:nvSpPr>
+          <p:cNvPr id="199" name="Shape 199"/>
+          <p:cNvSpPr>
+            <a:spLocks noGrp="1" noRot="1" noChangeAspect="1"/>
+          </p:cNvSpPr>
+          <p:nvPr>
+            <p:ph type="sldImg" idx="2"/>
+          </p:nvPr>
+        </p:nvSpPr>
+        <p:spPr>
+          <a:xfrm>
+            <a:off x="1606550" y="685800"/>
+            <a:ext cx="3702050" cy="2082800"/>
+          </a:xfrm>
+          <a:custGeom>
+            <a:avLst/>
+            <a:gdLst/>
+            <a:ahLst/>
+            <a:cxnLst/>
+            <a:rect l="0" t="0" r="0" b="0"/>
+            <a:pathLst>
+              <a:path w="120000" h="120000" extrusionOk="0">
+                <a:moveTo>
+                  <a:pt x="0" y="0"/>
+                </a:moveTo>
+                <a:lnTo>
+                  <a:pt x="120000" y="0"/>
+                </a:lnTo>
+                <a:lnTo>
+                  <a:pt x="120000" y="120000"/>
+                </a:lnTo>
+                <a:lnTo>
+                  <a:pt x="0" y="120000"/>
+                </a:lnTo>
+                <a:close/>
+              </a:path>
+            </a:pathLst>
+          </a:custGeom>
+          <a:noFill/>
+          <a:ln w="9525" cap="flat" cmpd="sng">
+            <a:solidFill>
+              <a:srgbClr val="000000"/>
+            </a:solidFill>
+            <a:prstDash val="solid"/>
+            <a:round/>
+            <a:headEnd type="none" w="med" len="med"/>
+            <a:tailEnd type="none" w="med" len="med"/>
+          </a:ln>
+        </p:spPr>
+      </p:sp>
+    </p:spTree>
+  </p:cSld>
+  <p:clrMapOvr>
+    <a:masterClrMapping/>
+  </p:clrMapOvr>
+</p:notes>
+</file>
+
+<file path=ppt/notesSlides/notesSlide9.xml><?xml version="1.0" encoding="utf-8"?>
 <p:notes xmlns:a="http://schemas.openxmlformats.org/drawingml/2006/main" xmlns:r="http://schemas.openxmlformats.org/officeDocument/2006/relationships" xmlns:p="http://schemas.openxmlformats.org/presentationml/2006/main" showMasterSp="0" showMasterPhAnim="0">
   <p:cSld>
     <p:spTree>
@@ -989,6 +2145,183 @@
 
 <file path=ppt/slideLayouts/slideLayout10.xml><?xml version="1.0" encoding="utf-8"?>
 <p:sldLayout xmlns:a="http://schemas.openxmlformats.org/drawingml/2006/main" xmlns:r="http://schemas.openxmlformats.org/officeDocument/2006/relationships" xmlns:p="http://schemas.openxmlformats.org/presentationml/2006/main" preserve="1" userDrawn="1">
+  <p:cSld name="Main Page">
+    <p:spTree>
+      <p:nvGrpSpPr>
+        <p:cNvPr id="1" name=""/>
+        <p:cNvGrpSpPr/>
+        <p:nvPr/>
+      </p:nvGrpSpPr>
+      <p:grpSpPr>
+        <a:xfrm>
+          <a:off x="0" y="0"/>
+          <a:ext cx="0" cy="0"/>
+          <a:chOff x="0" y="0"/>
+          <a:chExt cx="0" cy="0"/>
+        </a:xfrm>
+      </p:grpSpPr>
+      <p:sp>
+        <p:nvSpPr>
+          <p:cNvPr id="2" name="Title 1"/>
+          <p:cNvSpPr>
+            <a:spLocks noGrp="1"/>
+          </p:cNvSpPr>
+          <p:nvPr>
+            <p:ph type="title"/>
+          </p:nvPr>
+        </p:nvSpPr>
+        <p:spPr>
+          <a:xfrm>
+            <a:off x="113722" y="149918"/>
+            <a:ext cx="8796928" cy="474445"/>
+          </a:xfrm>
+          <a:prstGeom prst="rect">
+            <a:avLst/>
+          </a:prstGeom>
+        </p:spPr>
+        <p:txBody>
+          <a:bodyPr/>
+          <a:lstStyle>
+            <a:lvl1pPr algn="l">
+              <a:defRPr sz="2800" b="1">
+                <a:solidFill>
+                  <a:srgbClr val="008774"/>
+                </a:solidFill>
+                <a:latin typeface="Arial"/>
+                <a:cs typeface="Arial"/>
+              </a:defRPr>
+            </a:lvl1pPr>
+          </a:lstStyle>
+          <a:p>
+            <a:r>
+              <a:rPr lang="en-US" dirty="0" smtClean="0"/>
+              <a:t>Click to edit Master title style</a:t>
+            </a:r>
+            <a:endParaRPr lang="en-US" dirty="0"/>
+          </a:p>
+        </p:txBody>
+      </p:sp>
+      <p:sp>
+        <p:nvSpPr>
+          <p:cNvPr id="6" name="Slide Number Placeholder 5"/>
+          <p:cNvSpPr>
+            <a:spLocks noGrp="1"/>
+          </p:cNvSpPr>
+          <p:nvPr>
+            <p:ph type="sldNum" sz="quarter" idx="12"/>
+          </p:nvPr>
+        </p:nvSpPr>
+        <p:spPr>
+          <a:xfrm>
+            <a:off x="48247" y="4861463"/>
+            <a:ext cx="373338" cy="273844"/>
+          </a:xfrm>
+          <a:prstGeom prst="rect">
+            <a:avLst/>
+          </a:prstGeom>
+        </p:spPr>
+        <p:txBody>
+          <a:bodyPr/>
+          <a:lstStyle>
+            <a:lvl1pPr>
+              <a:defRPr sz="900">
+                <a:solidFill>
+                  <a:schemeClr val="bg1">
+                    <a:lumMod val="65000"/>
+                  </a:schemeClr>
+                </a:solidFill>
+              </a:defRPr>
+            </a:lvl1pPr>
+          </a:lstStyle>
+          <a:p>
+            <a:fld id="{ADA07C09-8A41-3B46-A636-3955072BBB4F}" type="slidenum">
+              <a:rPr lang="en-US" smtClean="0">
+                <a:solidFill>
+                  <a:srgbClr val="FFFFFF">
+                    <a:lumMod val="65000"/>
+                  </a:srgbClr>
+                </a:solidFill>
+                <a:latin typeface="Arial"/>
+              </a:rPr>
+              <a:pPr/>
+              <a:t>‹#›</a:t>
+            </a:fld>
+            <a:endParaRPr lang="en-US">
+              <a:solidFill>
+                <a:srgbClr val="FFFFFF">
+                  <a:lumMod val="65000"/>
+                </a:srgbClr>
+              </a:solidFill>
+              <a:latin typeface="Arial"/>
+            </a:endParaRPr>
+          </a:p>
+        </p:txBody>
+      </p:sp>
+      <p:sp>
+        <p:nvSpPr>
+          <p:cNvPr id="13" name="Text Placeholder 12"/>
+          <p:cNvSpPr>
+            <a:spLocks noGrp="1"/>
+          </p:cNvSpPr>
+          <p:nvPr>
+            <p:ph type="body" sz="quarter" idx="13"/>
+          </p:nvPr>
+        </p:nvSpPr>
+        <p:spPr>
+          <a:xfrm>
+            <a:off x="114300" y="624363"/>
+            <a:ext cx="8796338" cy="288565"/>
+          </a:xfrm>
+          <a:prstGeom prst="rect">
+            <a:avLst/>
+          </a:prstGeom>
+        </p:spPr>
+        <p:txBody>
+          <a:bodyPr vert="horz"/>
+          <a:lstStyle>
+            <a:lvl1pPr marL="0" indent="0">
+              <a:buNone/>
+              <a:defRPr sz="1800">
+                <a:solidFill>
+                  <a:srgbClr val="7F7F7F"/>
+                </a:solidFill>
+                <a:latin typeface="Arial"/>
+                <a:cs typeface="Arial"/>
+              </a:defRPr>
+            </a:lvl1pPr>
+          </a:lstStyle>
+          <a:p>
+            <a:pPr lvl="0"/>
+            <a:r>
+              <a:rPr lang="en-US" dirty="0" smtClean="0"/>
+              <a:t>Click to edit Master</a:t>
+            </a:r>
+            <a:endParaRPr lang="en-US" dirty="0"/>
+          </a:p>
+        </p:txBody>
+      </p:sp>
+    </p:spTree>
+    <p:extLst>
+      <p:ext uri="{BB962C8B-B14F-4D97-AF65-F5344CB8AC3E}">
+        <p14:creationId xmlns:p14="http://schemas.microsoft.com/office/powerpoint/2010/main" val="3116951951"/>
+      </p:ext>
+    </p:extLst>
+  </p:cSld>
+  <p:clrMapOvr>
+    <a:masterClrMapping/>
+  </p:clrMapOvr>
+  <p:timing>
+    <p:tnLst>
+      <p:par>
+        <p:cTn xmlns:p14="http://schemas.microsoft.com/office/powerpoint/2010/main" id="1" dur="indefinite" restart="never" nodeType="tmRoot"/>
+      </p:par>
+    </p:tnLst>
+  </p:timing>
+</p:sldLayout>
+</file>
+
+<file path=ppt/slideLayouts/slideLayout11.xml><?xml version="1.0" encoding="utf-8"?>
+<p:sldLayout xmlns:a="http://schemas.openxmlformats.org/drawingml/2006/main" xmlns:r="http://schemas.openxmlformats.org/officeDocument/2006/relationships" xmlns:p="http://schemas.openxmlformats.org/presentationml/2006/main" preserve="1" userDrawn="1">
   <p:cSld name="Split">
     <p:spTree>
       <p:nvGrpSpPr>
@@ -1165,7 +2498,7 @@
 </p:sldLayout>
 </file>
 
-<file path=ppt/slideLayouts/slideLayout11.xml><?xml version="1.0" encoding="utf-8"?>
+<file path=ppt/slideLayouts/slideLayout12.xml><?xml version="1.0" encoding="utf-8"?>
 <p:sldLayout xmlns:a="http://schemas.openxmlformats.org/drawingml/2006/main" xmlns:r="http://schemas.openxmlformats.org/officeDocument/2006/relationships" xmlns:p="http://schemas.openxmlformats.org/presentationml/2006/main" preserve="1" userDrawn="1">
   <p:cSld name=" Blank logo">
     <p:spTree>
@@ -1258,7 +2591,7 @@
 </p:sldLayout>
 </file>
 
-<file path=ppt/slideLayouts/slideLayout12.xml><?xml version="1.0" encoding="utf-8"?>
+<file path=ppt/slideLayouts/slideLayout13.xml><?xml version="1.0" encoding="utf-8"?>
 <p:sldLayout xmlns:a="http://schemas.openxmlformats.org/drawingml/2006/main" xmlns:r="http://schemas.openxmlformats.org/officeDocument/2006/relationships" xmlns:p="http://schemas.openxmlformats.org/presentationml/2006/main" userDrawn="1">
   <p:cSld name="Title Only">
     <p:spTree>
@@ -1343,7 +2676,7 @@
 </p:sldLayout>
 </file>
 
-<file path=ppt/slideLayouts/slideLayout13.xml><?xml version="1.0" encoding="utf-8"?>
+<file path=ppt/slideLayouts/slideLayout14.xml><?xml version="1.0" encoding="utf-8"?>
 <p:sldLayout xmlns:a="http://schemas.openxmlformats.org/drawingml/2006/main" xmlns:r="http://schemas.openxmlformats.org/officeDocument/2006/relationships" xmlns:p="http://schemas.openxmlformats.org/presentationml/2006/main" userDrawn="1">
   <p:cSld name="Blank">
     <p:spTree>
@@ -1429,7 +2762,7 @@
 </p:sldLayout>
 </file>
 
-<file path=ppt/slideLayouts/slideLayout14.xml><?xml version="1.0" encoding="utf-8"?>
+<file path=ppt/slideLayouts/slideLayout15.xml><?xml version="1.0" encoding="utf-8"?>
 <p:sldLayout xmlns:a="http://schemas.openxmlformats.org/drawingml/2006/main" xmlns:r="http://schemas.openxmlformats.org/officeDocument/2006/relationships" xmlns:p="http://schemas.openxmlformats.org/presentationml/2006/main" type="tx">
   <p:cSld name="Title - Top">
     <p:spTree>
@@ -1493,7 +2826,7 @@
 </p:sldLayout>
 </file>
 
-<file path=ppt/slideLayouts/slideLayout15.xml><?xml version="1.0" encoding="utf-8"?>
+<file path=ppt/slideLayouts/slideLayout16.xml><?xml version="1.0" encoding="utf-8"?>
 <p:sldLayout xmlns:a="http://schemas.openxmlformats.org/drawingml/2006/main" xmlns:r="http://schemas.openxmlformats.org/officeDocument/2006/relationships" xmlns:p="http://schemas.openxmlformats.org/presentationml/2006/main" userDrawn="1">
   <p:cSld name="12_Custom Layout">
     <p:spTree>
@@ -1658,7 +2991,7 @@
 </p:sldLayout>
 </file>
 
-<file path=ppt/slideLayouts/slideLayout16.xml><?xml version="1.0" encoding="utf-8"?>
+<file path=ppt/slideLayouts/slideLayout17.xml><?xml version="1.0" encoding="utf-8"?>
 <p:sldLayout xmlns:a="http://schemas.openxmlformats.org/drawingml/2006/main" xmlns:r="http://schemas.openxmlformats.org/officeDocument/2006/relationships" xmlns:p="http://schemas.openxmlformats.org/presentationml/2006/main" preserve="1" userDrawn="1">
   <p:cSld name="Main Page">
     <p:spTree>
@@ -1885,7 +3218,7 @@
 </p:sldLayout>
 </file>
 
-<file path=ppt/slideLayouts/slideLayout17.xml><?xml version="1.0" encoding="utf-8"?>
+<file path=ppt/slideLayouts/slideLayout18.xml><?xml version="1.0" encoding="utf-8"?>
 <p:sldLayout xmlns:a="http://schemas.openxmlformats.org/drawingml/2006/main" xmlns:r="http://schemas.openxmlformats.org/officeDocument/2006/relationships" xmlns:p="http://schemas.openxmlformats.org/presentationml/2006/main" preserve="1" userDrawn="1">
   <p:cSld name="Split">
     <p:spTree>
@@ -2063,7 +3396,7 @@
 </p:sldLayout>
 </file>
 
-<file path=ppt/slideLayouts/slideLayout18.xml><?xml version="1.0" encoding="utf-8"?>
+<file path=ppt/slideLayouts/slideLayout19.xml><?xml version="1.0" encoding="utf-8"?>
 <p:sldLayout xmlns:a="http://schemas.openxmlformats.org/drawingml/2006/main" xmlns:r="http://schemas.openxmlformats.org/officeDocument/2006/relationships" xmlns:p="http://schemas.openxmlformats.org/presentationml/2006/main" preserve="1" userDrawn="1">
   <p:cSld name=" Blank logo">
     <p:spTree>
@@ -2156,7 +3489,67 @@
 </p:sldLayout>
 </file>
 
-<file path=ppt/slideLayouts/slideLayout19.xml><?xml version="1.0" encoding="utf-8"?>
+<file path=ppt/slideLayouts/slideLayout2.xml><?xml version="1.0" encoding="utf-8"?>
+<p:sldLayout xmlns:a="http://schemas.openxmlformats.org/drawingml/2006/main" xmlns:r="http://schemas.openxmlformats.org/officeDocument/2006/relationships" xmlns:p="http://schemas.openxmlformats.org/presentationml/2006/main" preserve="1" userDrawn="1">
+  <p:cSld name="1_Title and Content">
+    <p:spTree>
+      <p:nvGrpSpPr>
+        <p:cNvPr id="1" name=""/>
+        <p:cNvGrpSpPr/>
+        <p:nvPr/>
+      </p:nvGrpSpPr>
+      <p:grpSpPr>
+        <a:xfrm>
+          <a:off x="0" y="0"/>
+          <a:ext cx="0" cy="0"/>
+          <a:chOff x="0" y="0"/>
+          <a:chExt cx="0" cy="0"/>
+        </a:xfrm>
+      </p:grpSpPr>
+      <p:sp>
+        <p:nvSpPr>
+          <p:cNvPr id="6" name="Slide Number Placeholder 5"/>
+          <p:cNvSpPr>
+            <a:spLocks noGrp="1"/>
+          </p:cNvSpPr>
+          <p:nvPr>
+            <p:ph type="sldNum" sz="quarter" idx="12"/>
+          </p:nvPr>
+        </p:nvSpPr>
+        <p:spPr/>
+        <p:txBody>
+          <a:bodyPr/>
+          <a:lstStyle/>
+          <a:p>
+            <a:fld id="{ADA07C09-8A41-3B46-A636-3955072BBB4F}" type="slidenum">
+              <a:rPr lang="en-US" smtClean="0"/>
+              <a:t>‹#›</a:t>
+            </a:fld>
+            <a:endParaRPr lang="en-US"/>
+          </a:p>
+        </p:txBody>
+      </p:sp>
+    </p:spTree>
+    <p:extLst>
+      <p:ext uri="{BB962C8B-B14F-4D97-AF65-F5344CB8AC3E}">
+        <p14:creationId xmlns:p14="http://schemas.microsoft.com/office/powerpoint/2010/main" val="3839756889"/>
+      </p:ext>
+    </p:extLst>
+  </p:cSld>
+  <p:clrMapOvr>
+    <a:masterClrMapping/>
+  </p:clrMapOvr>
+  <p:timing>
+    <p:tnLst>
+      <p:par>
+        <p:cTn xmlns:p14="http://schemas.microsoft.com/office/powerpoint/2010/main" id="1" dur="indefinite" restart="never" nodeType="tmRoot"/>
+      </p:par>
+    </p:tnLst>
+  </p:timing>
+</p:sldLayout>
+</file>
+
+<file path=ppt/slideLayouts/slideLayout20.xml><?xml version="1.0" encoding="utf-8"?>
 <p:sldLayout xmlns:a="http://schemas.openxmlformats.org/drawingml/2006/main" xmlns:r="http://schemas.openxmlformats.org/officeDocument/2006/relationships" xmlns:p="http://schemas.openxmlformats.org/presentationml/2006/main" userDrawn="1">
   <p:cSld name="Title Only">
     <p:spTree>
@@ -2241,67 +3634,7 @@
 </p:sldLayout>
 </file>
 
-<file path=ppt/slideLayouts/slideLayout2.xml><?xml version="1.0" encoding="utf-8"?>
-<p:sldLayout xmlns:a="http://schemas.openxmlformats.org/drawingml/2006/main" xmlns:r="http://schemas.openxmlformats.org/officeDocument/2006/relationships" xmlns:p="http://schemas.openxmlformats.org/presentationml/2006/main" preserve="1" userDrawn="1">
-  <p:cSld name="1_Title and Content">
-    <p:spTree>
-      <p:nvGrpSpPr>
-        <p:cNvPr id="1" name=""/>
-        <p:cNvGrpSpPr/>
-        <p:nvPr/>
-      </p:nvGrpSpPr>
-      <p:grpSpPr>
-        <a:xfrm>
-          <a:off x="0" y="0"/>
-          <a:ext cx="0" cy="0"/>
-          <a:chOff x="0" y="0"/>
-          <a:chExt cx="0" cy="0"/>
-        </a:xfrm>
-      </p:grpSpPr>
-      <p:sp>
-        <p:nvSpPr>
-          <p:cNvPr id="6" name="Slide Number Placeholder 5"/>
-          <p:cNvSpPr>
-            <a:spLocks noGrp="1"/>
-          </p:cNvSpPr>
-          <p:nvPr>
-            <p:ph type="sldNum" sz="quarter" idx="12"/>
-          </p:nvPr>
-        </p:nvSpPr>
-        <p:spPr/>
-        <p:txBody>
-          <a:bodyPr/>
-          <a:lstStyle/>
-          <a:p>
-            <a:fld id="{ADA07C09-8A41-3B46-A636-3955072BBB4F}" type="slidenum">
-              <a:rPr lang="en-US" smtClean="0"/>
-              <a:t>‹#›</a:t>
-            </a:fld>
-            <a:endParaRPr lang="en-US"/>
-          </a:p>
-        </p:txBody>
-      </p:sp>
-    </p:spTree>
-    <p:extLst>
-      <p:ext uri="{BB962C8B-B14F-4D97-AF65-F5344CB8AC3E}">
-        <p14:creationId xmlns:p14="http://schemas.microsoft.com/office/powerpoint/2010/main" val="3839756889"/>
-      </p:ext>
-    </p:extLst>
-  </p:cSld>
-  <p:clrMapOvr>
-    <a:masterClrMapping/>
-  </p:clrMapOvr>
-  <p:timing>
-    <p:tnLst>
-      <p:par>
-        <p:cTn xmlns:p14="http://schemas.microsoft.com/office/powerpoint/2010/main" id="1" dur="indefinite" restart="never" nodeType="tmRoot"/>
-      </p:par>
-    </p:tnLst>
-  </p:timing>
-</p:sldLayout>
-</file>
-
-<file path=ppt/slideLayouts/slideLayout20.xml><?xml version="1.0" encoding="utf-8"?>
+<file path=ppt/slideLayouts/slideLayout21.xml><?xml version="1.0" encoding="utf-8"?>
 <p:sldLayout xmlns:a="http://schemas.openxmlformats.org/drawingml/2006/main" xmlns:r="http://schemas.openxmlformats.org/officeDocument/2006/relationships" xmlns:p="http://schemas.openxmlformats.org/presentationml/2006/main" userDrawn="1">
   <p:cSld name="Blank">
     <p:spTree>
@@ -2387,7 +3720,7 @@
 </p:sldLayout>
 </file>
 
-<file path=ppt/slideLayouts/slideLayout21.xml><?xml version="1.0" encoding="utf-8"?>
+<file path=ppt/slideLayouts/slideLayout22.xml><?xml version="1.0" encoding="utf-8"?>
 <p:sldLayout xmlns:a="http://schemas.openxmlformats.org/drawingml/2006/main" xmlns:r="http://schemas.openxmlformats.org/officeDocument/2006/relationships" xmlns:p="http://schemas.openxmlformats.org/presentationml/2006/main" type="tx">
   <p:cSld name="Title - Top">
     <p:spTree>
@@ -2451,7 +3784,7 @@
 </p:sldLayout>
 </file>
 
-<file path=ppt/slideLayouts/slideLayout22.xml><?xml version="1.0" encoding="utf-8"?>
+<file path=ppt/slideLayouts/slideLayout23.xml><?xml version="1.0" encoding="utf-8"?>
 <p:sldLayout xmlns:a="http://schemas.openxmlformats.org/drawingml/2006/main" xmlns:r="http://schemas.openxmlformats.org/officeDocument/2006/relationships" xmlns:p="http://schemas.openxmlformats.org/presentationml/2006/main" userDrawn="1">
   <p:cSld name="12_Custom Layout">
     <p:spTree>
@@ -2719,6 +4052,307 @@
 
 <file path=ppt/slideLayouts/slideLayout4.xml><?xml version="1.0" encoding="utf-8"?>
 <p:sldLayout xmlns:a="http://schemas.openxmlformats.org/drawingml/2006/main" xmlns:r="http://schemas.openxmlformats.org/officeDocument/2006/relationships" xmlns:p="http://schemas.openxmlformats.org/presentationml/2006/main">
+  <p:cSld name="black background">
+    <p:spTree>
+      <p:nvGrpSpPr>
+        <p:cNvPr id="1" name="Shape 61"/>
+        <p:cNvGrpSpPr/>
+        <p:nvPr/>
+      </p:nvGrpSpPr>
+      <p:grpSpPr>
+        <a:xfrm>
+          <a:off x="0" y="0"/>
+          <a:ext cx="0" cy="0"/>
+          <a:chOff x="0" y="0"/>
+          <a:chExt cx="0" cy="0"/>
+        </a:xfrm>
+      </p:grpSpPr>
+      <p:sp>
+        <p:nvSpPr>
+          <p:cNvPr id="62" name="Shape 62"/>
+          <p:cNvSpPr/>
+          <p:nvPr/>
+        </p:nvSpPr>
+        <p:spPr>
+          <a:xfrm>
+            <a:off x="0" y="0"/>
+            <a:ext cx="9144000" cy="5143499"/>
+          </a:xfrm>
+          <a:prstGeom prst="rect">
+            <a:avLst/>
+          </a:prstGeom>
+          <a:solidFill>
+            <a:srgbClr val="000000"/>
+          </a:solidFill>
+          <a:ln w="12700" cap="flat">
+            <a:solidFill>
+              <a:schemeClr val="lt2"/>
+            </a:solidFill>
+            <a:prstDash val="solid"/>
+            <a:round/>
+            <a:headEnd type="none" w="med" len="med"/>
+            <a:tailEnd type="none" w="med" len="med"/>
+          </a:ln>
+        </p:spPr>
+        <p:txBody>
+          <a:bodyPr lIns="91425" tIns="45700" rIns="91425" bIns="45700" anchor="ctr" anchorCtr="0">
+            <a:noAutofit/>
+          </a:bodyPr>
+          <a:lstStyle/>
+          <a:p>
+            <a:pPr marL="0" marR="0" lvl="0" indent="0" algn="ctr" rtl="0">
+              <a:lnSpc>
+                <a:spcPct val="100000"/>
+              </a:lnSpc>
+              <a:spcBef>
+                <a:spcPts val="0"/>
+              </a:spcBef>
+              <a:spcAft>
+                <a:spcPts val="0"/>
+              </a:spcAft>
+              <a:buClr>
+                <a:schemeClr val="lt1"/>
+              </a:buClr>
+              <a:buFont typeface="Arial"/>
+              <a:buNone/>
+            </a:pPr>
+            <a:endParaRPr sz="1800" b="0" i="0" u="none" strike="noStrike" cap="none" baseline="0">
+              <a:solidFill>
+                <a:srgbClr val="FFFFFF"/>
+              </a:solidFill>
+              <a:latin typeface="Arial"/>
+              <a:ea typeface="Arial"/>
+              <a:cs typeface="Arial"/>
+              <a:sym typeface="Arial"/>
+              <a:rtl val="0"/>
+            </a:endParaRPr>
+          </a:p>
+        </p:txBody>
+      </p:sp>
+      <p:sp>
+        <p:nvSpPr>
+          <p:cNvPr id="63" name="Shape 63"/>
+          <p:cNvSpPr/>
+          <p:nvPr/>
+        </p:nvSpPr>
+        <p:spPr>
+          <a:xfrm>
+            <a:off x="0" y="4629150"/>
+            <a:ext cx="9144000" cy="385800"/>
+          </a:xfrm>
+          <a:prstGeom prst="rect">
+            <a:avLst/>
+          </a:prstGeom>
+          <a:solidFill>
+            <a:srgbClr val="00786E"/>
+          </a:solidFill>
+          <a:ln>
+            <a:noFill/>
+          </a:ln>
+        </p:spPr>
+        <p:txBody>
+          <a:bodyPr lIns="91425" tIns="45700" rIns="91425" bIns="45700" anchor="ctr" anchorCtr="0">
+            <a:noAutofit/>
+          </a:bodyPr>
+          <a:lstStyle/>
+          <a:p>
+            <a:pPr marL="0" marR="0" lvl="0" indent="0" algn="l" rtl="0">
+              <a:lnSpc>
+                <a:spcPct val="100000"/>
+              </a:lnSpc>
+              <a:spcBef>
+                <a:spcPts val="0"/>
+              </a:spcBef>
+              <a:spcAft>
+                <a:spcPts val="0"/>
+              </a:spcAft>
+              <a:buClr>
+                <a:schemeClr val="lt1"/>
+              </a:buClr>
+              <a:buFont typeface="Arial"/>
+              <a:buNone/>
+            </a:pPr>
+            <a:endParaRPr sz="1800" b="0" i="0" u="none" strike="noStrike" cap="none" baseline="0">
+              <a:solidFill>
+                <a:srgbClr val="FFFFFF"/>
+              </a:solidFill>
+              <a:latin typeface="Arial"/>
+              <a:ea typeface="Arial"/>
+              <a:cs typeface="Arial"/>
+              <a:sym typeface="Arial"/>
+              <a:rtl val="0"/>
+            </a:endParaRPr>
+          </a:p>
+        </p:txBody>
+      </p:sp>
+      <p:sp>
+        <p:nvSpPr>
+          <p:cNvPr id="64" name="Shape 64"/>
+          <p:cNvSpPr txBox="1"/>
+          <p:nvPr/>
+        </p:nvSpPr>
+        <p:spPr>
+          <a:xfrm flipH="1">
+            <a:off x="8553450" y="5021262"/>
+            <a:ext cx="533399" cy="123899"/>
+          </a:xfrm>
+          <a:prstGeom prst="rect">
+            <a:avLst/>
+          </a:prstGeom>
+          <a:noFill/>
+          <a:ln>
+            <a:noFill/>
+          </a:ln>
+        </p:spPr>
+        <p:txBody>
+          <a:bodyPr lIns="0" tIns="0" rIns="0" bIns="0" anchor="t" anchorCtr="0">
+            <a:noAutofit/>
+          </a:bodyPr>
+          <a:lstStyle/>
+          <a:p>
+            <a:pPr marL="0" marR="0" lvl="0" indent="0" algn="r" rtl="0">
+              <a:lnSpc>
+                <a:spcPct val="100000"/>
+              </a:lnSpc>
+              <a:spcBef>
+                <a:spcPts val="0"/>
+              </a:spcBef>
+              <a:spcAft>
+                <a:spcPts val="0"/>
+              </a:spcAft>
+              <a:buClr>
+                <a:srgbClr val="7F7F7F"/>
+              </a:buClr>
+              <a:buSzPct val="25000"/>
+              <a:buFont typeface="Arial"/>
+              <a:buNone/>
+            </a:pPr>
+            <a:fld id="{00000000-1234-1234-1234-123412341234}" type="slidenum">
+              <a:rPr lang="en" sz="800" b="0" i="0" u="none" strike="noStrike" cap="none" baseline="0">
+                <a:solidFill>
+                  <a:srgbClr val="7F7F7F"/>
+                </a:solidFill>
+                <a:latin typeface="Arial"/>
+                <a:ea typeface="Arial"/>
+                <a:cs typeface="Arial"/>
+                <a:sym typeface="Arial"/>
+                <a:rtl val="0"/>
+              </a:rPr>
+              <a:t>‹#›</a:t>
+            </a:fld>
+            <a:endParaRPr lang="en" sz="800" b="0" i="0" u="none" strike="noStrike" cap="none" baseline="0">
+              <a:solidFill>
+                <a:srgbClr val="7F7F7F"/>
+              </a:solidFill>
+              <a:latin typeface="Arial"/>
+              <a:ea typeface="Arial"/>
+              <a:cs typeface="Arial"/>
+              <a:sym typeface="Arial"/>
+              <a:rtl val="0"/>
+            </a:endParaRPr>
+          </a:p>
+        </p:txBody>
+      </p:sp>
+      <p:sp>
+        <p:nvSpPr>
+          <p:cNvPr id="65" name="Shape 65"/>
+          <p:cNvSpPr txBox="1"/>
+          <p:nvPr/>
+        </p:nvSpPr>
+        <p:spPr>
+          <a:xfrm>
+            <a:off x="366712" y="5018087"/>
+            <a:ext cx="2274900" cy="99900"/>
+          </a:xfrm>
+          <a:prstGeom prst="rect">
+            <a:avLst/>
+          </a:prstGeom>
+          <a:noFill/>
+          <a:ln>
+            <a:noFill/>
+          </a:ln>
+        </p:spPr>
+        <p:txBody>
+          <a:bodyPr lIns="0" tIns="0" rIns="0" bIns="0" anchor="t" anchorCtr="0">
+            <a:noAutofit/>
+          </a:bodyPr>
+          <a:lstStyle/>
+          <a:p>
+            <a:pPr marL="0" marR="0" lvl="0" indent="0" algn="l" rtl="0">
+              <a:lnSpc>
+                <a:spcPct val="100000"/>
+              </a:lnSpc>
+              <a:spcBef>
+                <a:spcPts val="0"/>
+              </a:spcBef>
+              <a:spcAft>
+                <a:spcPts val="0"/>
+              </a:spcAft>
+              <a:buClr>
+                <a:srgbClr val="7F7F7F"/>
+              </a:buClr>
+              <a:buSzPct val="25000"/>
+              <a:buFont typeface="Arial"/>
+              <a:buNone/>
+            </a:pPr>
+            <a:r>
+              <a:rPr lang="en" sz="600" b="0" i="0" u="none" strike="noStrike" cap="none" baseline="0">
+                <a:solidFill>
+                  <a:srgbClr val="7F7F7F"/>
+                </a:solidFill>
+                <a:latin typeface="Arial"/>
+                <a:ea typeface="Arial"/>
+                <a:cs typeface="Arial"/>
+                <a:sym typeface="Arial"/>
+                <a:rtl val="0"/>
+              </a:rPr>
+              <a:t>© Copyright 2013 Pivotal. All rights reserved.</a:t>
+            </a:r>
+          </a:p>
+        </p:txBody>
+      </p:sp>
+      <p:pic>
+        <p:nvPicPr>
+          <p:cNvPr id="66" name="Shape 66"/>
+          <p:cNvPicPr preferRelativeResize="0"/>
+          <p:nvPr/>
+        </p:nvPicPr>
+        <p:blipFill rotWithShape="1">
+          <a:blip r:embed="rId2">
+            <a:alphaModFix/>
+          </a:blip>
+          <a:srcRect/>
+          <a:stretch/>
+        </p:blipFill>
+        <p:spPr>
+          <a:xfrm>
+            <a:off x="7942263" y="4713287"/>
+            <a:ext cx="957299" cy="220800"/>
+          </a:xfrm>
+          <a:prstGeom prst="rect">
+            <a:avLst/>
+          </a:prstGeom>
+          <a:noFill/>
+          <a:ln>
+            <a:noFill/>
+          </a:ln>
+        </p:spPr>
+      </p:pic>
+    </p:spTree>
+    <p:extLst>
+      <p:ext uri="{BB962C8B-B14F-4D97-AF65-F5344CB8AC3E}">
+        <p14:creationId xmlns:p14="http://schemas.microsoft.com/office/powerpoint/2010/main" val="718886875"/>
+      </p:ext>
+    </p:extLst>
+  </p:cSld>
+  <p:clrMapOvr>
+    <a:masterClrMapping/>
+  </p:clrMapOvr>
+</p:sldLayout>
+</file>
+
+<file path=ppt/slideLayouts/slideLayout5.xml><?xml version="1.0" encoding="utf-8"?>
+<p:sldLayout xmlns:a="http://schemas.openxmlformats.org/drawingml/2006/main" xmlns:r="http://schemas.openxmlformats.org/officeDocument/2006/relationships" xmlns:p="http://schemas.openxmlformats.org/presentationml/2006/main">
   <p:cSld name="Divider 1">
     <p:spTree>
       <p:nvGrpSpPr>
@@ -3204,7 +4838,7 @@
 </p:sldLayout>
 </file>
 
-<file path=ppt/slideLayouts/slideLayout5.xml><?xml version="1.0" encoding="utf-8"?>
+<file path=ppt/slideLayouts/slideLayout6.xml><?xml version="1.0" encoding="utf-8"?>
 <p:sldLayout xmlns:a="http://schemas.openxmlformats.org/drawingml/2006/main" xmlns:r="http://schemas.openxmlformats.org/officeDocument/2006/relationships" xmlns:p="http://schemas.openxmlformats.org/presentationml/2006/main">
   <p:cSld name="1_Title and Content">
     <p:spTree>
@@ -3514,7 +5148,7 @@
 </p:sldLayout>
 </file>
 
-<file path=ppt/slideLayouts/slideLayout6.xml><?xml version="1.0" encoding="utf-8"?>
+<file path=ppt/slideLayouts/slideLayout7.xml><?xml version="1.0" encoding="utf-8"?>
 <p:sldLayout xmlns:a="http://schemas.openxmlformats.org/drawingml/2006/main" xmlns:r="http://schemas.openxmlformats.org/officeDocument/2006/relationships" xmlns:p="http://schemas.openxmlformats.org/presentationml/2006/main">
   <p:cSld name="Title Only">
     <p:spTree>
@@ -3633,7 +5267,7 @@
 </p:sldLayout>
 </file>
 
-<file path=ppt/slideLayouts/slideLayout7.xml><?xml version="1.0" encoding="utf-8"?>
+<file path=ppt/slideLayouts/slideLayout8.xml><?xml version="1.0" encoding="utf-8"?>
 <p:sldLayout xmlns:a="http://schemas.openxmlformats.org/drawingml/2006/main" xmlns:r="http://schemas.openxmlformats.org/officeDocument/2006/relationships" xmlns:p="http://schemas.openxmlformats.org/presentationml/2006/main" type="tx">
   <p:cSld name="Title - Top">
     <p:spTree>
@@ -3854,7 +5488,7 @@
 </p:sldLayout>
 </file>
 
-<file path=ppt/slideLayouts/slideLayout8.xml><?xml version="1.0" encoding="utf-8"?>
+<file path=ppt/slideLayouts/slideLayout9.xml><?xml version="1.0" encoding="utf-8"?>
 <p:sldLayout xmlns:a="http://schemas.openxmlformats.org/drawingml/2006/main" xmlns:r="http://schemas.openxmlformats.org/officeDocument/2006/relationships" xmlns:p="http://schemas.openxmlformats.org/presentationml/2006/main" type="tx">
   <p:cSld name="Title and Content">
     <p:spTree>
@@ -4218,183 +5852,6 @@
   <p:clrMapOvr>
     <a:masterClrMapping/>
   </p:clrMapOvr>
-</p:sldLayout>
-</file>
-
-<file path=ppt/slideLayouts/slideLayout9.xml><?xml version="1.0" encoding="utf-8"?>
-<p:sldLayout xmlns:a="http://schemas.openxmlformats.org/drawingml/2006/main" xmlns:r="http://schemas.openxmlformats.org/officeDocument/2006/relationships" xmlns:p="http://schemas.openxmlformats.org/presentationml/2006/main" preserve="1" userDrawn="1">
-  <p:cSld name="Main Page">
-    <p:spTree>
-      <p:nvGrpSpPr>
-        <p:cNvPr id="1" name=""/>
-        <p:cNvGrpSpPr/>
-        <p:nvPr/>
-      </p:nvGrpSpPr>
-      <p:grpSpPr>
-        <a:xfrm>
-          <a:off x="0" y="0"/>
-          <a:ext cx="0" cy="0"/>
-          <a:chOff x="0" y="0"/>
-          <a:chExt cx="0" cy="0"/>
-        </a:xfrm>
-      </p:grpSpPr>
-      <p:sp>
-        <p:nvSpPr>
-          <p:cNvPr id="2" name="Title 1"/>
-          <p:cNvSpPr>
-            <a:spLocks noGrp="1"/>
-          </p:cNvSpPr>
-          <p:nvPr>
-            <p:ph type="title"/>
-          </p:nvPr>
-        </p:nvSpPr>
-        <p:spPr>
-          <a:xfrm>
-            <a:off x="113722" y="149918"/>
-            <a:ext cx="8796928" cy="474445"/>
-          </a:xfrm>
-          <a:prstGeom prst="rect">
-            <a:avLst/>
-          </a:prstGeom>
-        </p:spPr>
-        <p:txBody>
-          <a:bodyPr/>
-          <a:lstStyle>
-            <a:lvl1pPr algn="l">
-              <a:defRPr sz="2800" b="1">
-                <a:solidFill>
-                  <a:srgbClr val="008774"/>
-                </a:solidFill>
-                <a:latin typeface="Arial"/>
-                <a:cs typeface="Arial"/>
-              </a:defRPr>
-            </a:lvl1pPr>
-          </a:lstStyle>
-          <a:p>
-            <a:r>
-              <a:rPr lang="en-US" dirty="0" smtClean="0"/>
-              <a:t>Click to edit Master title style</a:t>
-            </a:r>
-            <a:endParaRPr lang="en-US" dirty="0"/>
-          </a:p>
-        </p:txBody>
-      </p:sp>
-      <p:sp>
-        <p:nvSpPr>
-          <p:cNvPr id="6" name="Slide Number Placeholder 5"/>
-          <p:cNvSpPr>
-            <a:spLocks noGrp="1"/>
-          </p:cNvSpPr>
-          <p:nvPr>
-            <p:ph type="sldNum" sz="quarter" idx="12"/>
-          </p:nvPr>
-        </p:nvSpPr>
-        <p:spPr>
-          <a:xfrm>
-            <a:off x="48247" y="4861463"/>
-            <a:ext cx="373338" cy="273844"/>
-          </a:xfrm>
-          <a:prstGeom prst="rect">
-            <a:avLst/>
-          </a:prstGeom>
-        </p:spPr>
-        <p:txBody>
-          <a:bodyPr/>
-          <a:lstStyle>
-            <a:lvl1pPr>
-              <a:defRPr sz="900">
-                <a:solidFill>
-                  <a:schemeClr val="bg1">
-                    <a:lumMod val="65000"/>
-                  </a:schemeClr>
-                </a:solidFill>
-              </a:defRPr>
-            </a:lvl1pPr>
-          </a:lstStyle>
-          <a:p>
-            <a:fld id="{ADA07C09-8A41-3B46-A636-3955072BBB4F}" type="slidenum">
-              <a:rPr lang="en-US" smtClean="0">
-                <a:solidFill>
-                  <a:srgbClr val="FFFFFF">
-                    <a:lumMod val="65000"/>
-                  </a:srgbClr>
-                </a:solidFill>
-                <a:latin typeface="Arial"/>
-              </a:rPr>
-              <a:pPr/>
-              <a:t>‹#›</a:t>
-            </a:fld>
-            <a:endParaRPr lang="en-US">
-              <a:solidFill>
-                <a:srgbClr val="FFFFFF">
-                  <a:lumMod val="65000"/>
-                </a:srgbClr>
-              </a:solidFill>
-              <a:latin typeface="Arial"/>
-            </a:endParaRPr>
-          </a:p>
-        </p:txBody>
-      </p:sp>
-      <p:sp>
-        <p:nvSpPr>
-          <p:cNvPr id="13" name="Text Placeholder 12"/>
-          <p:cNvSpPr>
-            <a:spLocks noGrp="1"/>
-          </p:cNvSpPr>
-          <p:nvPr>
-            <p:ph type="body" sz="quarter" idx="13"/>
-          </p:nvPr>
-        </p:nvSpPr>
-        <p:spPr>
-          <a:xfrm>
-            <a:off x="114300" y="624363"/>
-            <a:ext cx="8796338" cy="288565"/>
-          </a:xfrm>
-          <a:prstGeom prst="rect">
-            <a:avLst/>
-          </a:prstGeom>
-        </p:spPr>
-        <p:txBody>
-          <a:bodyPr vert="horz"/>
-          <a:lstStyle>
-            <a:lvl1pPr marL="0" indent="0">
-              <a:buNone/>
-              <a:defRPr sz="1800">
-                <a:solidFill>
-                  <a:srgbClr val="7F7F7F"/>
-                </a:solidFill>
-                <a:latin typeface="Arial"/>
-                <a:cs typeface="Arial"/>
-              </a:defRPr>
-            </a:lvl1pPr>
-          </a:lstStyle>
-          <a:p>
-            <a:pPr lvl="0"/>
-            <a:r>
-              <a:rPr lang="en-US" dirty="0" smtClean="0"/>
-              <a:t>Click to edit Master</a:t>
-            </a:r>
-            <a:endParaRPr lang="en-US" dirty="0"/>
-          </a:p>
-        </p:txBody>
-      </p:sp>
-    </p:spTree>
-    <p:extLst>
-      <p:ext uri="{BB962C8B-B14F-4D97-AF65-F5344CB8AC3E}">
-        <p14:creationId xmlns:p14="http://schemas.microsoft.com/office/powerpoint/2010/main" val="3116951951"/>
-      </p:ext>
-    </p:extLst>
-  </p:cSld>
-  <p:clrMapOvr>
-    <a:masterClrMapping/>
-  </p:clrMapOvr>
-  <p:timing>
-    <p:tnLst>
-      <p:par>
-        <p:cTn xmlns:p14="http://schemas.microsoft.com/office/powerpoint/2010/main" id="1" dur="indefinite" restart="never" nodeType="tmRoot"/>
-      </p:par>
-    </p:tnLst>
-  </p:timing>
 </p:sldLayout>
 </file>
 
@@ -4476,7 +5933,7 @@
           <p:nvPr userDrawn="1"/>
         </p:nvPicPr>
         <p:blipFill>
-          <a:blip r:embed="rId5">
+          <a:blip r:embed="rId6">
             <a:extLst>
               <a:ext uri="{28A0092B-C50C-407E-A947-70E740481C1C}">
                 <a14:useLocalDpi xmlns:a14="http://schemas.microsoft.com/office/drawing/2010/main" val="0"/>
@@ -4509,6 +5966,7 @@
     <p:sldLayoutId id="2147483650" r:id="rId1"/>
     <p:sldLayoutId id="2147483732" r:id="rId2"/>
     <p:sldLayoutId id="2147483733" r:id="rId3"/>
+    <p:sldLayoutId id="2147483734" r:id="rId4"/>
   </p:sldLayoutIdLst>
   <p:timing>
     <p:tnLst>
@@ -6960,23 +8418,7 @@
                 </a:effectLst>
                 <a:cs typeface="Arial"/>
               </a:rPr>
-              <a:t>Polyglot Persistence with </a:t>
-            </a:r>
-            <a:r>
-              <a:rPr lang="en-US" sz="2800" spc="-100" smtClean="0">
-                <a:solidFill>
-                  <a:schemeClr val="bg1"/>
-                </a:solidFill>
-                <a:effectLst>
-                  <a:outerShdw blurRad="50800" dist="38100" dir="5400000" algn="t" rotWithShape="0">
-                    <a:prstClr val="black">
-                      <a:alpha val="40000"/>
-                    </a:prstClr>
-                  </a:outerShdw>
-                </a:effectLst>
-                <a:cs typeface="Arial"/>
-              </a:rPr>
-              <a:t>Spring Data REST</a:t>
+              <a:t>Polyglot Persistence with Spring Data REST</a:t>
             </a:r>
             <a:endParaRPr lang="en-US" sz="2800" spc="-100" dirty="0">
               <a:solidFill>
@@ -7038,6 +8480,2510 @@
 </p:sld>
 </file>
 
+<file path=ppt/slides/slide10.xml><?xml version="1.0" encoding="utf-8"?>
+<p:sld xmlns:a="http://schemas.openxmlformats.org/drawingml/2006/main" xmlns:r="http://schemas.openxmlformats.org/officeDocument/2006/relationships" xmlns:p="http://schemas.openxmlformats.org/presentationml/2006/main">
+  <p:cSld>
+    <p:spTree>
+      <p:nvGrpSpPr>
+        <p:cNvPr id="1" name=""/>
+        <p:cNvGrpSpPr/>
+        <p:nvPr/>
+      </p:nvGrpSpPr>
+      <p:grpSpPr>
+        <a:xfrm>
+          <a:off x="0" y="0"/>
+          <a:ext cx="0" cy="0"/>
+          <a:chOff x="0" y="0"/>
+          <a:chExt cx="0" cy="0"/>
+        </a:xfrm>
+      </p:grpSpPr>
+      <p:sp>
+        <p:nvSpPr>
+          <p:cNvPr id="3" name="Title 2"/>
+          <p:cNvSpPr>
+            <a:spLocks noGrp="1"/>
+          </p:cNvSpPr>
+          <p:nvPr>
+            <p:ph type="title"/>
+          </p:nvPr>
+        </p:nvSpPr>
+        <p:spPr/>
+        <p:txBody>
+          <a:bodyPr/>
+          <a:lstStyle/>
+          <a:p>
+            <a:pPr algn="l"/>
+            <a:r>
+              <a:rPr lang="en-US" dirty="0" smtClean="0">
+                <a:solidFill>
+                  <a:schemeClr val="accent1"/>
+                </a:solidFill>
+              </a:rPr>
+              <a:t>Spring Data REST</a:t>
+            </a:r>
+            <a:endParaRPr lang="en-US" dirty="0"/>
+          </a:p>
+        </p:txBody>
+      </p:sp>
+      <p:sp>
+        <p:nvSpPr>
+          <p:cNvPr id="4" name="Text Placeholder 3"/>
+          <p:cNvSpPr>
+            <a:spLocks noGrp="1"/>
+          </p:cNvSpPr>
+          <p:nvPr>
+            <p:ph type="body" idx="1"/>
+          </p:nvPr>
+        </p:nvSpPr>
+        <p:spPr>
+          <a:xfrm>
+            <a:off x="366713" y="1074737"/>
+            <a:ext cx="8410574" cy="1485583"/>
+          </a:xfrm>
+        </p:spPr>
+        <p:txBody>
+          <a:bodyPr/>
+          <a:lstStyle/>
+          <a:p>
+            <a:pPr marL="203200" lvl="0" indent="0">
+              <a:buNone/>
+            </a:pPr>
+            <a:r>
+              <a:rPr lang="en-US" dirty="0" smtClean="0">
+                <a:solidFill>
+                  <a:schemeClr val="accent6"/>
+                </a:solidFill>
+              </a:rPr>
+              <a:t>Goal is to provide a solid foundation on which to expose </a:t>
+            </a:r>
+            <a:r>
+              <a:rPr lang="en-US" dirty="0" smtClean="0">
+                <a:solidFill>
+                  <a:srgbClr val="77933C"/>
+                </a:solidFill>
+              </a:rPr>
+              <a:t>CRUD</a:t>
+            </a:r>
+            <a:r>
+              <a:rPr lang="en-US" dirty="0" smtClean="0">
+                <a:solidFill>
+                  <a:schemeClr val="accent6"/>
+                </a:solidFill>
+              </a:rPr>
+              <a:t> repositories to your </a:t>
+            </a:r>
+            <a:r>
+              <a:rPr lang="en-US" dirty="0" smtClean="0">
+                <a:solidFill>
+                  <a:srgbClr val="77933C"/>
+                </a:solidFill>
+              </a:rPr>
+              <a:t>repository manage entities </a:t>
+            </a:r>
+            <a:r>
+              <a:rPr lang="en-US" dirty="0" smtClean="0">
+                <a:solidFill>
+                  <a:schemeClr val="accent6"/>
+                </a:solidFill>
+              </a:rPr>
+              <a:t>using plain </a:t>
+            </a:r>
+            <a:r>
+              <a:rPr lang="en-US" dirty="0" smtClean="0">
+                <a:solidFill>
+                  <a:schemeClr val="accent3">
+                    <a:lumMod val="75000"/>
+                  </a:schemeClr>
+                </a:solidFill>
+              </a:rPr>
+              <a:t>HTTP REST </a:t>
+            </a:r>
+            <a:r>
+              <a:rPr lang="en-US" dirty="0" smtClean="0">
+                <a:solidFill>
+                  <a:schemeClr val="accent6"/>
+                </a:solidFill>
+              </a:rPr>
+              <a:t>semantics</a:t>
+            </a:r>
+            <a:endParaRPr lang="en-US" dirty="0" smtClean="0"/>
+          </a:p>
+        </p:txBody>
+      </p:sp>
+      <p:sp>
+        <p:nvSpPr>
+          <p:cNvPr id="2" name="Slide Number Placeholder 1"/>
+          <p:cNvSpPr>
+            <a:spLocks noGrp="1"/>
+          </p:cNvSpPr>
+          <p:nvPr>
+            <p:ph type="sldNum" sz="quarter" idx="4294967295"/>
+          </p:nvPr>
+        </p:nvSpPr>
+        <p:spPr>
+          <a:xfrm>
+            <a:off x="0" y="4822825"/>
+            <a:ext cx="374650" cy="274638"/>
+          </a:xfrm>
+        </p:spPr>
+        <p:txBody>
+          <a:bodyPr/>
+          <a:lstStyle/>
+          <a:p>
+            <a:fld id="{ADA07C09-8A41-3B46-A636-3955072BBB4F}" type="slidenum">
+              <a:rPr lang="en-US" smtClean="0"/>
+              <a:t>10</a:t>
+            </a:fld>
+            <a:endParaRPr lang="en-US"/>
+          </a:p>
+        </p:txBody>
+      </p:sp>
+    </p:spTree>
+    <p:extLst>
+      <p:ext uri="{BB962C8B-B14F-4D97-AF65-F5344CB8AC3E}">
+        <p14:creationId xmlns:p14="http://schemas.microsoft.com/office/powerpoint/2010/main" val="1570537958"/>
+      </p:ext>
+    </p:extLst>
+  </p:cSld>
+  <p:clrMapOvr>
+    <a:masterClrMapping/>
+  </p:clrMapOvr>
+</p:sld>
+</file>
+
+<file path=ppt/slides/slide11.xml><?xml version="1.0" encoding="utf-8"?>
+<p:sld xmlns:a="http://schemas.openxmlformats.org/drawingml/2006/main" xmlns:r="http://schemas.openxmlformats.org/officeDocument/2006/relationships" xmlns:p="http://schemas.openxmlformats.org/presentationml/2006/main">
+  <p:cSld>
+    <p:spTree>
+      <p:nvGrpSpPr>
+        <p:cNvPr id="1" name=""/>
+        <p:cNvGrpSpPr/>
+        <p:nvPr/>
+      </p:nvGrpSpPr>
+      <p:grpSpPr>
+        <a:xfrm>
+          <a:off x="0" y="0"/>
+          <a:ext cx="0" cy="0"/>
+          <a:chOff x="0" y="0"/>
+          <a:chExt cx="0" cy="0"/>
+        </a:xfrm>
+      </p:grpSpPr>
+      <p:sp>
+        <p:nvSpPr>
+          <p:cNvPr id="3" name="Title 2"/>
+          <p:cNvSpPr>
+            <a:spLocks noGrp="1"/>
+          </p:cNvSpPr>
+          <p:nvPr>
+            <p:ph type="title"/>
+          </p:nvPr>
+        </p:nvSpPr>
+        <p:spPr/>
+        <p:txBody>
+          <a:bodyPr/>
+          <a:lstStyle/>
+          <a:p>
+            <a:pPr algn="l"/>
+            <a:r>
+              <a:rPr lang="en-US" dirty="0" smtClean="0">
+                <a:solidFill>
+                  <a:schemeClr val="accent1"/>
+                </a:solidFill>
+              </a:rPr>
+              <a:t>Import the Required Dependency</a:t>
+            </a:r>
+            <a:endParaRPr lang="en-US" dirty="0"/>
+          </a:p>
+        </p:txBody>
+      </p:sp>
+      <p:sp>
+        <p:nvSpPr>
+          <p:cNvPr id="4" name="Text Placeholder 3"/>
+          <p:cNvSpPr>
+            <a:spLocks noGrp="1"/>
+          </p:cNvSpPr>
+          <p:nvPr>
+            <p:ph type="body" idx="1"/>
+          </p:nvPr>
+        </p:nvSpPr>
+        <p:spPr>
+          <a:xfrm>
+            <a:off x="366713" y="1074737"/>
+            <a:ext cx="8410574" cy="916623"/>
+          </a:xfrm>
+        </p:spPr>
+        <p:txBody>
+          <a:bodyPr/>
+          <a:lstStyle/>
+          <a:p>
+            <a:pPr marL="203200" lvl="0" indent="0">
+              <a:buNone/>
+            </a:pPr>
+            <a:r>
+              <a:rPr lang="en-US" dirty="0" smtClean="0">
+                <a:solidFill>
+                  <a:schemeClr val="accent6"/>
+                </a:solidFill>
+              </a:rPr>
+              <a:t>Add the Spring Data REST starter to the </a:t>
+            </a:r>
+            <a:r>
+              <a:rPr lang="en-US" dirty="0" err="1" smtClean="0">
+                <a:solidFill>
+                  <a:schemeClr val="accent6"/>
+                </a:solidFill>
+              </a:rPr>
+              <a:t>pom.xml</a:t>
+            </a:r>
+            <a:endParaRPr lang="en-US" dirty="0" smtClean="0"/>
+          </a:p>
+        </p:txBody>
+      </p:sp>
+      <p:sp>
+        <p:nvSpPr>
+          <p:cNvPr id="2" name="Slide Number Placeholder 1"/>
+          <p:cNvSpPr>
+            <a:spLocks noGrp="1"/>
+          </p:cNvSpPr>
+          <p:nvPr>
+            <p:ph type="sldNum" sz="quarter" idx="4294967295"/>
+          </p:nvPr>
+        </p:nvSpPr>
+        <p:spPr>
+          <a:xfrm>
+            <a:off x="0" y="4822825"/>
+            <a:ext cx="374650" cy="274638"/>
+          </a:xfrm>
+        </p:spPr>
+        <p:txBody>
+          <a:bodyPr/>
+          <a:lstStyle/>
+          <a:p>
+            <a:fld id="{ADA07C09-8A41-3B46-A636-3955072BBB4F}" type="slidenum">
+              <a:rPr lang="en-US" smtClean="0"/>
+              <a:t>11</a:t>
+            </a:fld>
+            <a:endParaRPr lang="en-US"/>
+          </a:p>
+        </p:txBody>
+      </p:sp>
+      <p:sp>
+        <p:nvSpPr>
+          <p:cNvPr id="5" name="Rectangle 4"/>
+          <p:cNvSpPr/>
+          <p:nvPr/>
+        </p:nvSpPr>
+        <p:spPr>
+          <a:xfrm>
+            <a:off x="975360" y="1859280"/>
+            <a:ext cx="4551680" cy="1463040"/>
+          </a:xfrm>
+          <a:prstGeom prst="rect">
+            <a:avLst/>
+          </a:prstGeom>
+          <a:solidFill>
+            <a:srgbClr val="162128"/>
+          </a:solidFill>
+          <a:ln>
+            <a:solidFill>
+              <a:srgbClr val="FFFFCC"/>
+            </a:solidFill>
+            <a:prstDash val="dash"/>
+          </a:ln>
+        </p:spPr>
+        <p:style>
+          <a:lnRef idx="1">
+            <a:schemeClr val="accent1"/>
+          </a:lnRef>
+          <a:fillRef idx="3">
+            <a:schemeClr val="accent1"/>
+          </a:fillRef>
+          <a:effectRef idx="2">
+            <a:schemeClr val="accent1"/>
+          </a:effectRef>
+          <a:fontRef idx="minor">
+            <a:schemeClr val="lt1"/>
+          </a:fontRef>
+        </p:style>
+        <p:txBody>
+          <a:bodyPr rtlCol="0" anchor="ctr"/>
+          <a:lstStyle/>
+          <a:p>
+            <a:pPr>
+              <a:buClr>
+                <a:srgbClr val="008774"/>
+              </a:buClr>
+            </a:pPr>
+            <a:r>
+              <a:rPr lang="en-US" sz="1200" b="1" dirty="0" smtClean="0">
+                <a:solidFill>
+                  <a:schemeClr val="bg1">
+                    <a:lumMod val="85000"/>
+                  </a:schemeClr>
+                </a:solidFill>
+                <a:sym typeface="Arial"/>
+              </a:rPr>
+              <a:t>&lt;dependency&gt;</a:t>
+            </a:r>
+          </a:p>
+          <a:p>
+            <a:pPr>
+              <a:buClr>
+                <a:srgbClr val="008774"/>
+              </a:buClr>
+            </a:pPr>
+            <a:r>
+              <a:rPr lang="en-US" sz="1200" b="1" dirty="0">
+                <a:solidFill>
+                  <a:schemeClr val="bg1">
+                    <a:lumMod val="85000"/>
+                  </a:schemeClr>
+                </a:solidFill>
+                <a:sym typeface="Arial"/>
+              </a:rPr>
+              <a:t>	</a:t>
+            </a:r>
+            <a:r>
+              <a:rPr lang="en-US" sz="1200" b="1" dirty="0" smtClean="0">
+                <a:solidFill>
+                  <a:schemeClr val="bg1">
+                    <a:lumMod val="85000"/>
+                  </a:schemeClr>
+                </a:solidFill>
+                <a:sym typeface="Arial"/>
+              </a:rPr>
+              <a:t>&lt;</a:t>
+            </a:r>
+            <a:r>
+              <a:rPr lang="en-US" sz="1200" b="1" dirty="0" err="1" smtClean="0">
+                <a:solidFill>
+                  <a:schemeClr val="bg1">
+                    <a:lumMod val="85000"/>
+                  </a:schemeClr>
+                </a:solidFill>
+                <a:sym typeface="Arial"/>
+              </a:rPr>
+              <a:t>groupId</a:t>
+            </a:r>
+            <a:r>
+              <a:rPr lang="en-US" sz="1200" b="1" dirty="0" smtClean="0">
+                <a:solidFill>
+                  <a:schemeClr val="bg1">
+                    <a:lumMod val="85000"/>
+                  </a:schemeClr>
+                </a:solidFill>
+                <a:sym typeface="Arial"/>
+              </a:rPr>
+              <a:t>&gt;</a:t>
+            </a:r>
+            <a:r>
+              <a:rPr lang="en-US" sz="1200" b="1" dirty="0" err="1" smtClean="0">
+                <a:solidFill>
+                  <a:schemeClr val="bg1">
+                    <a:lumMod val="85000"/>
+                  </a:schemeClr>
+                </a:solidFill>
+                <a:sym typeface="Arial"/>
+              </a:rPr>
+              <a:t>org.springframework.boot</a:t>
+            </a:r>
+            <a:r>
+              <a:rPr lang="en-US" sz="1200" b="1" dirty="0" smtClean="0">
+                <a:solidFill>
+                  <a:schemeClr val="bg1">
+                    <a:lumMod val="85000"/>
+                  </a:schemeClr>
+                </a:solidFill>
+                <a:sym typeface="Arial"/>
+              </a:rPr>
+              <a:t>&lt;/</a:t>
+            </a:r>
+            <a:r>
+              <a:rPr lang="en-US" sz="1200" b="1" dirty="0" err="1" smtClean="0">
+                <a:solidFill>
+                  <a:schemeClr val="bg1">
+                    <a:lumMod val="85000"/>
+                  </a:schemeClr>
+                </a:solidFill>
+                <a:sym typeface="Arial"/>
+              </a:rPr>
+              <a:t>groupId</a:t>
+            </a:r>
+            <a:r>
+              <a:rPr lang="en-US" sz="1200" b="1" dirty="0" smtClean="0">
+                <a:solidFill>
+                  <a:schemeClr val="bg1">
+                    <a:lumMod val="85000"/>
+                  </a:schemeClr>
+                </a:solidFill>
+                <a:sym typeface="Arial"/>
+              </a:rPr>
+              <a:t>&gt;</a:t>
+            </a:r>
+          </a:p>
+          <a:p>
+            <a:pPr>
+              <a:buClr>
+                <a:srgbClr val="008774"/>
+              </a:buClr>
+            </a:pPr>
+            <a:r>
+              <a:rPr lang="en-US" sz="1200" b="1" dirty="0">
+                <a:solidFill>
+                  <a:schemeClr val="bg1">
+                    <a:lumMod val="85000"/>
+                  </a:schemeClr>
+                </a:solidFill>
+                <a:sym typeface="Arial"/>
+              </a:rPr>
+              <a:t>	</a:t>
+            </a:r>
+            <a:r>
+              <a:rPr lang="en-US" sz="1200" b="1" dirty="0" smtClean="0">
+                <a:solidFill>
+                  <a:schemeClr val="bg1">
+                    <a:lumMod val="85000"/>
+                  </a:schemeClr>
+                </a:solidFill>
+                <a:sym typeface="Arial"/>
+              </a:rPr>
+              <a:t>&lt;</a:t>
+            </a:r>
+            <a:r>
+              <a:rPr lang="en-US" sz="1200" b="1" dirty="0" err="1" smtClean="0">
+                <a:solidFill>
+                  <a:schemeClr val="bg1">
+                    <a:lumMod val="85000"/>
+                  </a:schemeClr>
+                </a:solidFill>
+                <a:sym typeface="Arial"/>
+              </a:rPr>
+              <a:t>artifactId</a:t>
+            </a:r>
+            <a:r>
+              <a:rPr lang="en-US" sz="1200" b="1" dirty="0" smtClean="0">
+                <a:solidFill>
+                  <a:schemeClr val="bg1">
+                    <a:lumMod val="85000"/>
+                  </a:schemeClr>
+                </a:solidFill>
+                <a:sym typeface="Arial"/>
+              </a:rPr>
+              <a:t>&gt;spring-boot-starter-data-rest&lt;/</a:t>
+            </a:r>
+            <a:r>
+              <a:rPr lang="en-US" sz="1200" b="1" dirty="0" err="1" smtClean="0">
+                <a:solidFill>
+                  <a:schemeClr val="bg1">
+                    <a:lumMod val="85000"/>
+                  </a:schemeClr>
+                </a:solidFill>
+                <a:sym typeface="Arial"/>
+              </a:rPr>
+              <a:t>artifactId</a:t>
+            </a:r>
+            <a:r>
+              <a:rPr lang="en-US" sz="1200" b="1" dirty="0" smtClean="0">
+                <a:solidFill>
+                  <a:schemeClr val="bg1">
+                    <a:lumMod val="85000"/>
+                  </a:schemeClr>
+                </a:solidFill>
+                <a:sym typeface="Arial"/>
+              </a:rPr>
+              <a:t>&gt;</a:t>
+            </a:r>
+          </a:p>
+          <a:p>
+            <a:pPr>
+              <a:buClr>
+                <a:srgbClr val="008774"/>
+              </a:buClr>
+            </a:pPr>
+            <a:r>
+              <a:rPr lang="en-US" sz="1200" b="1" dirty="0" smtClean="0">
+                <a:solidFill>
+                  <a:schemeClr val="bg1">
+                    <a:lumMod val="85000"/>
+                  </a:schemeClr>
+                </a:solidFill>
+                <a:sym typeface="Arial"/>
+              </a:rPr>
+              <a:t>&lt;/dependency&gt;</a:t>
+            </a:r>
+            <a:endParaRPr lang="en-US" sz="1200" b="1" dirty="0">
+              <a:solidFill>
+                <a:schemeClr val="bg1">
+                  <a:lumMod val="85000"/>
+                </a:schemeClr>
+              </a:solidFill>
+              <a:sym typeface="Arial"/>
+            </a:endParaRPr>
+          </a:p>
+        </p:txBody>
+      </p:sp>
+    </p:spTree>
+    <p:extLst>
+      <p:ext uri="{BB962C8B-B14F-4D97-AF65-F5344CB8AC3E}">
+        <p14:creationId xmlns:p14="http://schemas.microsoft.com/office/powerpoint/2010/main" val="3149166830"/>
+      </p:ext>
+    </p:extLst>
+  </p:cSld>
+  <p:clrMapOvr>
+    <a:masterClrMapping/>
+  </p:clrMapOvr>
+</p:sld>
+</file>
+
+<file path=ppt/slides/slide12.xml><?xml version="1.0" encoding="utf-8"?>
+<p:sld xmlns:a="http://schemas.openxmlformats.org/drawingml/2006/main" xmlns:r="http://schemas.openxmlformats.org/officeDocument/2006/relationships" xmlns:p="http://schemas.openxmlformats.org/presentationml/2006/main">
+  <p:cSld>
+    <p:spTree>
+      <p:nvGrpSpPr>
+        <p:cNvPr id="1" name=""/>
+        <p:cNvGrpSpPr/>
+        <p:nvPr/>
+      </p:nvGrpSpPr>
+      <p:grpSpPr>
+        <a:xfrm>
+          <a:off x="0" y="0"/>
+          <a:ext cx="0" cy="0"/>
+          <a:chOff x="0" y="0"/>
+          <a:chExt cx="0" cy="0"/>
+        </a:xfrm>
+      </p:grpSpPr>
+      <p:sp>
+        <p:nvSpPr>
+          <p:cNvPr id="3" name="Title 2"/>
+          <p:cNvSpPr>
+            <a:spLocks noGrp="1"/>
+          </p:cNvSpPr>
+          <p:nvPr>
+            <p:ph type="title"/>
+          </p:nvPr>
+        </p:nvSpPr>
+        <p:spPr/>
+        <p:txBody>
+          <a:bodyPr/>
+          <a:lstStyle/>
+          <a:p>
+            <a:pPr algn="l"/>
+            <a:r>
+              <a:rPr lang="en-US" dirty="0" smtClean="0">
+                <a:solidFill>
+                  <a:schemeClr val="accent1"/>
+                </a:solidFill>
+              </a:rPr>
+              <a:t>Exporting the Repository</a:t>
+            </a:r>
+            <a:endParaRPr lang="en-US" dirty="0"/>
+          </a:p>
+        </p:txBody>
+      </p:sp>
+      <p:sp>
+        <p:nvSpPr>
+          <p:cNvPr id="4" name="Text Placeholder 3"/>
+          <p:cNvSpPr>
+            <a:spLocks noGrp="1"/>
+          </p:cNvSpPr>
+          <p:nvPr>
+            <p:ph type="body" idx="1"/>
+          </p:nvPr>
+        </p:nvSpPr>
+        <p:spPr>
+          <a:xfrm>
+            <a:off x="366712" y="2566034"/>
+            <a:ext cx="8410574" cy="2397126"/>
+          </a:xfrm>
+        </p:spPr>
+        <p:txBody>
+          <a:bodyPr/>
+          <a:lstStyle/>
+          <a:p>
+            <a:pPr marL="203200" lvl="0" indent="0">
+              <a:buNone/>
+            </a:pPr>
+            <a:r>
+              <a:rPr lang="en-US" sz="1800" dirty="0" smtClean="0">
+                <a:solidFill>
+                  <a:schemeClr val="accent6"/>
+                </a:solidFill>
+              </a:rPr>
+              <a:t>For this repository, Spring Data REST exposes a resource collection at “/orders”</a:t>
+            </a:r>
+          </a:p>
+          <a:p>
+            <a:pPr marL="203200" lvl="0" indent="0">
+              <a:buNone/>
+            </a:pPr>
+            <a:r>
+              <a:rPr lang="en-US" sz="1800" dirty="0" smtClean="0">
+                <a:solidFill>
+                  <a:schemeClr val="accent6"/>
+                </a:solidFill>
+              </a:rPr>
+              <a:t>The path is derived from the </a:t>
+            </a:r>
+            <a:r>
+              <a:rPr lang="en-US" sz="1800" dirty="0" err="1" smtClean="0">
+                <a:solidFill>
+                  <a:schemeClr val="accent6"/>
+                </a:solidFill>
+              </a:rPr>
+              <a:t>uncapitalized</a:t>
+            </a:r>
+            <a:r>
+              <a:rPr lang="en-US" sz="1800" dirty="0" smtClean="0">
+                <a:solidFill>
+                  <a:schemeClr val="accent6"/>
+                </a:solidFill>
+              </a:rPr>
+              <a:t>, pluralized, simple class name of the domain class being managed</a:t>
+            </a:r>
+          </a:p>
+          <a:p>
+            <a:pPr marL="203200" lvl="0" indent="0">
+              <a:buNone/>
+            </a:pPr>
+            <a:r>
+              <a:rPr lang="en-US" sz="1800" dirty="0" smtClean="0">
+                <a:solidFill>
+                  <a:schemeClr val="accent6"/>
+                </a:solidFill>
+              </a:rPr>
+              <a:t>It also exposes an item resource for each of these items managed by the repository under the URI template /orders/{id}</a:t>
+            </a:r>
+          </a:p>
+          <a:p>
+            <a:pPr marL="203200" lvl="0" indent="0">
+              <a:buNone/>
+            </a:pPr>
+            <a:r>
+              <a:rPr lang="en-US" sz="1800" dirty="0" smtClean="0">
+                <a:solidFill>
+                  <a:schemeClr val="accent6"/>
+                </a:solidFill>
+              </a:rPr>
+              <a:t>Custom queries are exported to /search, e.g. /search/</a:t>
+            </a:r>
+            <a:r>
+              <a:rPr lang="en-US" sz="1800" dirty="0" err="1" smtClean="0">
+                <a:solidFill>
+                  <a:schemeClr val="accent6"/>
+                </a:solidFill>
+              </a:rPr>
+              <a:t>findByDate</a:t>
+            </a:r>
+            <a:endParaRPr lang="en-US" sz="1800" dirty="0" smtClean="0"/>
+          </a:p>
+        </p:txBody>
+      </p:sp>
+      <p:sp>
+        <p:nvSpPr>
+          <p:cNvPr id="2" name="Slide Number Placeholder 1"/>
+          <p:cNvSpPr>
+            <a:spLocks noGrp="1"/>
+          </p:cNvSpPr>
+          <p:nvPr>
+            <p:ph type="sldNum" sz="quarter" idx="4294967295"/>
+          </p:nvPr>
+        </p:nvSpPr>
+        <p:spPr>
+          <a:xfrm>
+            <a:off x="0" y="4822825"/>
+            <a:ext cx="374650" cy="274638"/>
+          </a:xfrm>
+        </p:spPr>
+        <p:txBody>
+          <a:bodyPr/>
+          <a:lstStyle/>
+          <a:p>
+            <a:fld id="{ADA07C09-8A41-3B46-A636-3955072BBB4F}" type="slidenum">
+              <a:rPr lang="en-US" smtClean="0"/>
+              <a:t>12</a:t>
+            </a:fld>
+            <a:endParaRPr lang="en-US"/>
+          </a:p>
+        </p:txBody>
+      </p:sp>
+      <p:sp>
+        <p:nvSpPr>
+          <p:cNvPr id="6" name="Rectangle 5"/>
+          <p:cNvSpPr/>
+          <p:nvPr/>
+        </p:nvSpPr>
+        <p:spPr>
+          <a:xfrm>
+            <a:off x="629920" y="1045630"/>
+            <a:ext cx="6380480" cy="1372450"/>
+          </a:xfrm>
+          <a:prstGeom prst="rect">
+            <a:avLst/>
+          </a:prstGeom>
+          <a:solidFill>
+            <a:srgbClr val="162128"/>
+          </a:solidFill>
+          <a:ln>
+            <a:solidFill>
+              <a:srgbClr val="FFFFCC"/>
+            </a:solidFill>
+            <a:prstDash val="dash"/>
+          </a:ln>
+        </p:spPr>
+        <p:style>
+          <a:lnRef idx="1">
+            <a:schemeClr val="accent1"/>
+          </a:lnRef>
+          <a:fillRef idx="3">
+            <a:schemeClr val="accent1"/>
+          </a:fillRef>
+          <a:effectRef idx="2">
+            <a:schemeClr val="accent1"/>
+          </a:effectRef>
+          <a:fontRef idx="minor">
+            <a:schemeClr val="lt1"/>
+          </a:fontRef>
+        </p:style>
+        <p:txBody>
+          <a:bodyPr rtlCol="0" anchor="ctr"/>
+          <a:lstStyle/>
+          <a:p>
+            <a:pPr>
+              <a:buClr>
+                <a:srgbClr val="008774"/>
+              </a:buClr>
+            </a:pPr>
+            <a:r>
+              <a:rPr lang="en-US" sz="1200" b="1" dirty="0" smtClean="0">
+                <a:solidFill>
+                  <a:schemeClr val="accent2">
+                    <a:lumMod val="75000"/>
+                  </a:schemeClr>
+                </a:solidFill>
+                <a:sym typeface="Arial"/>
+              </a:rPr>
+              <a:t>public interface </a:t>
+            </a:r>
+            <a:r>
+              <a:rPr lang="en-US" sz="1200" b="1" dirty="0" err="1" smtClean="0">
+                <a:solidFill>
+                  <a:schemeClr val="bg1">
+                    <a:lumMod val="85000"/>
+                  </a:schemeClr>
+                </a:solidFill>
+                <a:sym typeface="Arial"/>
+              </a:rPr>
+              <a:t>OrderRepository</a:t>
+            </a:r>
+            <a:r>
+              <a:rPr lang="en-US" sz="1200" b="1" dirty="0" smtClean="0">
+                <a:solidFill>
+                  <a:schemeClr val="bg1">
+                    <a:lumMod val="85000"/>
+                  </a:schemeClr>
+                </a:solidFill>
+                <a:sym typeface="Arial"/>
+              </a:rPr>
+              <a:t> extends </a:t>
+            </a:r>
+            <a:r>
+              <a:rPr lang="en-US" sz="1200" b="1" dirty="0" err="1" smtClean="0">
+                <a:solidFill>
+                  <a:schemeClr val="bg1">
+                    <a:lumMod val="85000"/>
+                  </a:schemeClr>
+                </a:solidFill>
+                <a:sym typeface="Arial"/>
+              </a:rPr>
+              <a:t>CrudRepository</a:t>
+            </a:r>
+            <a:r>
+              <a:rPr lang="en-US" sz="1200" b="1" dirty="0" smtClean="0">
+                <a:solidFill>
+                  <a:schemeClr val="bg1">
+                    <a:lumMod val="85000"/>
+                  </a:schemeClr>
+                </a:solidFill>
+                <a:sym typeface="Arial"/>
+              </a:rPr>
+              <a:t>&lt;Order, Long&gt; {</a:t>
+            </a:r>
+            <a:endParaRPr lang="en-US" sz="1200" b="1" dirty="0">
+              <a:solidFill>
+                <a:schemeClr val="bg1">
+                  <a:lumMod val="85000"/>
+                </a:schemeClr>
+              </a:solidFill>
+              <a:sym typeface="Arial"/>
+            </a:endParaRPr>
+          </a:p>
+          <a:p>
+            <a:pPr>
+              <a:buClr>
+                <a:srgbClr val="008774"/>
+              </a:buClr>
+            </a:pPr>
+            <a:endParaRPr lang="en-US" sz="1200" b="1" dirty="0" smtClean="0">
+              <a:solidFill>
+                <a:schemeClr val="bg1">
+                  <a:lumMod val="85000"/>
+                </a:schemeClr>
+              </a:solidFill>
+              <a:sym typeface="Arial"/>
+            </a:endParaRPr>
+          </a:p>
+          <a:p>
+            <a:pPr>
+              <a:buClr>
+                <a:srgbClr val="008774"/>
+              </a:buClr>
+            </a:pPr>
+            <a:r>
+              <a:rPr lang="en-US" sz="1200" b="1" dirty="0" smtClean="0">
+                <a:solidFill>
+                  <a:schemeClr val="bg1">
+                    <a:lumMod val="85000"/>
+                  </a:schemeClr>
+                </a:solidFill>
+                <a:sym typeface="Arial"/>
+              </a:rPr>
+              <a:t>	List&lt;Order&gt; </a:t>
+            </a:r>
+            <a:r>
+              <a:rPr lang="en-US" sz="1200" b="1" dirty="0" err="1" smtClean="0">
+                <a:solidFill>
+                  <a:schemeClr val="bg1">
+                    <a:lumMod val="85000"/>
+                  </a:schemeClr>
+                </a:solidFill>
+                <a:sym typeface="Arial"/>
+              </a:rPr>
+              <a:t>findByDate</a:t>
+            </a:r>
+            <a:r>
+              <a:rPr lang="en-US" sz="1200" b="1" dirty="0" smtClean="0">
+                <a:solidFill>
+                  <a:schemeClr val="bg1">
+                    <a:lumMod val="85000"/>
+                  </a:schemeClr>
+                </a:solidFill>
+                <a:sym typeface="Arial"/>
+              </a:rPr>
+              <a:t>(@</a:t>
+            </a:r>
+            <a:r>
+              <a:rPr lang="en-US" sz="1200" b="1" dirty="0" err="1" smtClean="0">
+                <a:solidFill>
+                  <a:schemeClr val="bg1">
+                    <a:lumMod val="85000"/>
+                  </a:schemeClr>
+                </a:solidFill>
+                <a:sym typeface="Arial"/>
+              </a:rPr>
+              <a:t>Param</a:t>
+            </a:r>
+            <a:r>
+              <a:rPr lang="en-US" sz="1200" b="1" dirty="0" smtClean="0">
+                <a:solidFill>
+                  <a:schemeClr val="bg1">
+                    <a:lumMod val="85000"/>
+                  </a:schemeClr>
+                </a:solidFill>
+                <a:sym typeface="Arial"/>
+              </a:rPr>
+              <a:t>(“date”) Date date);</a:t>
+            </a:r>
+          </a:p>
+          <a:p>
+            <a:pPr>
+              <a:buClr>
+                <a:srgbClr val="008774"/>
+              </a:buClr>
+            </a:pPr>
+            <a:endParaRPr lang="en-US" sz="1200" b="1" dirty="0">
+              <a:solidFill>
+                <a:schemeClr val="bg1">
+                  <a:lumMod val="85000"/>
+                </a:schemeClr>
+              </a:solidFill>
+              <a:sym typeface="Arial"/>
+            </a:endParaRPr>
+          </a:p>
+          <a:p>
+            <a:pPr>
+              <a:buClr>
+                <a:srgbClr val="008774"/>
+              </a:buClr>
+            </a:pPr>
+            <a:r>
+              <a:rPr lang="en-US" sz="1200" b="1" dirty="0" smtClean="0">
+                <a:solidFill>
+                  <a:schemeClr val="bg1">
+                    <a:lumMod val="85000"/>
+                  </a:schemeClr>
+                </a:solidFill>
+                <a:sym typeface="Arial"/>
+              </a:rPr>
+              <a:t>}</a:t>
+            </a:r>
+            <a:endParaRPr lang="en-US" sz="1200" b="1" dirty="0">
+              <a:solidFill>
+                <a:schemeClr val="bg1">
+                  <a:lumMod val="85000"/>
+                </a:schemeClr>
+              </a:solidFill>
+              <a:sym typeface="Arial"/>
+            </a:endParaRPr>
+          </a:p>
+        </p:txBody>
+      </p:sp>
+    </p:spTree>
+    <p:extLst>
+      <p:ext uri="{BB962C8B-B14F-4D97-AF65-F5344CB8AC3E}">
+        <p14:creationId xmlns:p14="http://schemas.microsoft.com/office/powerpoint/2010/main" val="3640143328"/>
+      </p:ext>
+    </p:extLst>
+  </p:cSld>
+  <p:clrMapOvr>
+    <a:masterClrMapping/>
+  </p:clrMapOvr>
+</p:sld>
+</file>
+
+<file path=ppt/slides/slide13.xml><?xml version="1.0" encoding="utf-8"?>
+<p:sld xmlns:a="http://schemas.openxmlformats.org/drawingml/2006/main" xmlns:r="http://schemas.openxmlformats.org/officeDocument/2006/relationships" xmlns:p="http://schemas.openxmlformats.org/presentationml/2006/main">
+  <p:cSld>
+    <p:spTree>
+      <p:nvGrpSpPr>
+        <p:cNvPr id="1" name=""/>
+        <p:cNvGrpSpPr/>
+        <p:nvPr/>
+      </p:nvGrpSpPr>
+      <p:grpSpPr>
+        <a:xfrm>
+          <a:off x="0" y="0"/>
+          <a:ext cx="0" cy="0"/>
+          <a:chOff x="0" y="0"/>
+          <a:chExt cx="0" cy="0"/>
+        </a:xfrm>
+      </p:grpSpPr>
+      <p:sp>
+        <p:nvSpPr>
+          <p:cNvPr id="3" name="Title 2"/>
+          <p:cNvSpPr>
+            <a:spLocks noGrp="1"/>
+          </p:cNvSpPr>
+          <p:nvPr>
+            <p:ph type="title"/>
+          </p:nvPr>
+        </p:nvSpPr>
+        <p:spPr/>
+        <p:txBody>
+          <a:bodyPr/>
+          <a:lstStyle/>
+          <a:p>
+            <a:pPr algn="l"/>
+            <a:r>
+              <a:rPr lang="en-US" dirty="0" err="1" smtClean="0">
+                <a:solidFill>
+                  <a:schemeClr val="accent1"/>
+                </a:solidFill>
+              </a:rPr>
+              <a:t>RESTful</a:t>
+            </a:r>
+            <a:r>
+              <a:rPr lang="en-US" dirty="0" smtClean="0">
+                <a:solidFill>
+                  <a:schemeClr val="accent1"/>
+                </a:solidFill>
+              </a:rPr>
+              <a:t> API</a:t>
+            </a:r>
+            <a:endParaRPr lang="en-US" dirty="0"/>
+          </a:p>
+        </p:txBody>
+      </p:sp>
+      <p:sp>
+        <p:nvSpPr>
+          <p:cNvPr id="2" name="Slide Number Placeholder 1"/>
+          <p:cNvSpPr>
+            <a:spLocks noGrp="1"/>
+          </p:cNvSpPr>
+          <p:nvPr>
+            <p:ph type="sldNum" sz="quarter" idx="4294967295"/>
+          </p:nvPr>
+        </p:nvSpPr>
+        <p:spPr>
+          <a:xfrm>
+            <a:off x="0" y="4822825"/>
+            <a:ext cx="374650" cy="274638"/>
+          </a:xfrm>
+        </p:spPr>
+        <p:txBody>
+          <a:bodyPr/>
+          <a:lstStyle/>
+          <a:p>
+            <a:fld id="{ADA07C09-8A41-3B46-A636-3955072BBB4F}" type="slidenum">
+              <a:rPr lang="en-US" smtClean="0"/>
+              <a:t>13</a:t>
+            </a:fld>
+            <a:endParaRPr lang="en-US"/>
+          </a:p>
+        </p:txBody>
+      </p:sp>
+      <p:pic>
+        <p:nvPicPr>
+          <p:cNvPr id="7" name="Picture 6"/>
+          <p:cNvPicPr>
+            <a:picLocks noChangeAspect="1"/>
+          </p:cNvPicPr>
+          <p:nvPr/>
+        </p:nvPicPr>
+        <p:blipFill>
+          <a:blip r:embed="rId2"/>
+          <a:stretch>
+            <a:fillRect/>
+          </a:stretch>
+        </p:blipFill>
+        <p:spPr>
+          <a:xfrm>
+            <a:off x="701039" y="977900"/>
+            <a:ext cx="5557521" cy="4025766"/>
+          </a:xfrm>
+          <a:prstGeom prst="rect">
+            <a:avLst/>
+          </a:prstGeom>
+        </p:spPr>
+      </p:pic>
+    </p:spTree>
+    <p:extLst>
+      <p:ext uri="{BB962C8B-B14F-4D97-AF65-F5344CB8AC3E}">
+        <p14:creationId xmlns:p14="http://schemas.microsoft.com/office/powerpoint/2010/main" val="3640143328"/>
+      </p:ext>
+    </p:extLst>
+  </p:cSld>
+  <p:clrMapOvr>
+    <a:masterClrMapping/>
+  </p:clrMapOvr>
+</p:sld>
+</file>
+
+<file path=ppt/slides/slide14.xml><?xml version="1.0" encoding="utf-8"?>
+<p:sld xmlns:a="http://schemas.openxmlformats.org/drawingml/2006/main" xmlns:r="http://schemas.openxmlformats.org/officeDocument/2006/relationships" xmlns:p="http://schemas.openxmlformats.org/presentationml/2006/main">
+  <p:cSld>
+    <p:spTree>
+      <p:nvGrpSpPr>
+        <p:cNvPr id="1" name="Shape 194"/>
+        <p:cNvGrpSpPr/>
+        <p:nvPr/>
+      </p:nvGrpSpPr>
+      <p:grpSpPr>
+        <a:xfrm>
+          <a:off x="0" y="0"/>
+          <a:ext cx="0" cy="0"/>
+          <a:chOff x="0" y="0"/>
+          <a:chExt cx="0" cy="0"/>
+        </a:xfrm>
+      </p:grpSpPr>
+      <p:sp>
+        <p:nvSpPr>
+          <p:cNvPr id="195" name="Shape 195"/>
+          <p:cNvSpPr txBox="1">
+            <a:spLocks noGrp="1"/>
+          </p:cNvSpPr>
+          <p:nvPr>
+            <p:ph type="title"/>
+          </p:nvPr>
+        </p:nvSpPr>
+        <p:spPr/>
+        <p:txBody>
+          <a:bodyPr/>
+          <a:lstStyle/>
+          <a:p>
+            <a:pPr lvl="0"/>
+            <a:r>
+              <a:rPr lang="en-US" sz="3200" b="0" dirty="0" smtClean="0">
+                <a:solidFill>
+                  <a:schemeClr val="accent1"/>
+                </a:solidFill>
+                <a:sym typeface="Arial"/>
+              </a:rPr>
+              <a:t>Workshop Agenda</a:t>
+            </a:r>
+            <a:endParaRPr lang="en-US" sz="3200" b="0" dirty="0">
+              <a:solidFill>
+                <a:schemeClr val="accent1"/>
+              </a:solidFill>
+              <a:sym typeface="Arial"/>
+            </a:endParaRPr>
+          </a:p>
+        </p:txBody>
+      </p:sp>
+      <p:sp>
+        <p:nvSpPr>
+          <p:cNvPr id="196" name="Shape 196"/>
+          <p:cNvSpPr txBox="1">
+            <a:spLocks noGrp="1"/>
+          </p:cNvSpPr>
+          <p:nvPr>
+            <p:ph type="body" sz="quarter" idx="4294967295"/>
+          </p:nvPr>
+        </p:nvSpPr>
+        <p:spPr>
+          <a:xfrm>
+            <a:off x="431800" y="624362"/>
+            <a:ext cx="8551408" cy="3848609"/>
+          </a:xfrm>
+          <a:prstGeom prst="rect">
+            <a:avLst/>
+          </a:prstGeom>
+        </p:spPr>
+        <p:txBody>
+          <a:bodyPr/>
+          <a:lstStyle/>
+          <a:p>
+            <a:pPr marL="514350" lvl="0" indent="-514350">
+              <a:buClr>
+                <a:srgbClr val="008774"/>
+              </a:buClr>
+              <a:buFont typeface="+mj-lt"/>
+              <a:buAutoNum type="arabicPeriod"/>
+            </a:pPr>
+            <a:endParaRPr lang="en-US" sz="2800" dirty="0" smtClean="0">
+              <a:solidFill>
+                <a:schemeClr val="accent6"/>
+              </a:solidFill>
+              <a:sym typeface="Arial"/>
+            </a:endParaRPr>
+          </a:p>
+          <a:p>
+            <a:pPr lvl="0">
+              <a:spcAft>
+                <a:spcPts val="1800"/>
+              </a:spcAft>
+              <a:buClr>
+                <a:srgbClr val="008774"/>
+              </a:buClr>
+            </a:pPr>
+            <a:r>
+              <a:rPr lang="en-US" sz="2800" dirty="0" smtClean="0">
+                <a:solidFill>
+                  <a:srgbClr val="FDEADA"/>
+                </a:solidFill>
+                <a:sym typeface="Arial"/>
+              </a:rPr>
+              <a:t>Spring Data</a:t>
+            </a:r>
+            <a:endParaRPr lang="en-US" sz="2800" dirty="0" smtClean="0">
+              <a:solidFill>
+                <a:srgbClr val="FDEADA"/>
+              </a:solidFill>
+              <a:sym typeface="Arial"/>
+            </a:endParaRPr>
+          </a:p>
+          <a:p>
+            <a:pPr lvl="0">
+              <a:spcAft>
+                <a:spcPts val="1800"/>
+              </a:spcAft>
+              <a:buClr>
+                <a:srgbClr val="008774"/>
+              </a:buClr>
+            </a:pPr>
+            <a:r>
+              <a:rPr lang="en-US" sz="2800" dirty="0" smtClean="0">
+                <a:solidFill>
+                  <a:schemeClr val="accent6">
+                    <a:lumMod val="20000"/>
+                    <a:lumOff val="80000"/>
+                  </a:schemeClr>
+                </a:solidFill>
+                <a:sym typeface="Arial"/>
+              </a:rPr>
+              <a:t>Spring Dat</a:t>
+            </a:r>
+            <a:r>
+              <a:rPr lang="en-US" sz="2800" dirty="0" smtClean="0">
+                <a:solidFill>
+                  <a:schemeClr val="accent6">
+                    <a:lumMod val="20000"/>
+                    <a:lumOff val="80000"/>
+                  </a:schemeClr>
+                </a:solidFill>
+                <a:sym typeface="Arial"/>
+              </a:rPr>
+              <a:t>a REST</a:t>
+            </a:r>
+            <a:endParaRPr lang="en-US" sz="2800" dirty="0" smtClean="0">
+              <a:solidFill>
+                <a:schemeClr val="accent6">
+                  <a:lumMod val="20000"/>
+                  <a:lumOff val="80000"/>
+                </a:schemeClr>
+              </a:solidFill>
+              <a:sym typeface="Arial"/>
+            </a:endParaRPr>
+          </a:p>
+          <a:p>
+            <a:pPr lvl="0">
+              <a:spcAft>
+                <a:spcPts val="1800"/>
+              </a:spcAft>
+              <a:buClr>
+                <a:srgbClr val="008774"/>
+              </a:buClr>
+            </a:pPr>
+            <a:r>
+              <a:rPr lang="en-US" sz="2800" b="1" dirty="0" smtClean="0">
+                <a:solidFill>
+                  <a:schemeClr val="accent6"/>
+                </a:solidFill>
+              </a:rPr>
+              <a:t>Polyglot Persistence</a:t>
+            </a:r>
+            <a:endParaRPr lang="en-US" sz="2800" b="1" dirty="0">
+              <a:solidFill>
+                <a:schemeClr val="accent6"/>
+              </a:solidFill>
+            </a:endParaRPr>
+          </a:p>
+        </p:txBody>
+      </p:sp>
+    </p:spTree>
+    <p:extLst>
+      <p:ext uri="{BB962C8B-B14F-4D97-AF65-F5344CB8AC3E}">
+        <p14:creationId xmlns:p14="http://schemas.microsoft.com/office/powerpoint/2010/main" val="3507741761"/>
+      </p:ext>
+    </p:extLst>
+  </p:cSld>
+  <p:clrMapOvr>
+    <a:masterClrMapping/>
+  </p:clrMapOvr>
+  <p:transition xmlns:p14="http://schemas.microsoft.com/office/powerpoint/2010/main">
+    <p:fade/>
+  </p:transition>
+  <p:timing>
+    <p:tnLst>
+      <p:par>
+        <p:cTn xmlns:p14="http://schemas.microsoft.com/office/powerpoint/2010/main" id="1" dur="indefinite" restart="never" nodeType="tmRoot"/>
+      </p:par>
+    </p:tnLst>
+  </p:timing>
+</p:sld>
+</file>
+
+<file path=ppt/slides/slide15.xml><?xml version="1.0" encoding="utf-8"?>
+<p:sld xmlns:a="http://schemas.openxmlformats.org/drawingml/2006/main" xmlns:r="http://schemas.openxmlformats.org/officeDocument/2006/relationships" xmlns:p="http://schemas.openxmlformats.org/presentationml/2006/main">
+  <p:cSld>
+    <p:spTree>
+      <p:nvGrpSpPr>
+        <p:cNvPr id="1" name="Shape 194"/>
+        <p:cNvGrpSpPr/>
+        <p:nvPr/>
+      </p:nvGrpSpPr>
+      <p:grpSpPr>
+        <a:xfrm>
+          <a:off x="0" y="0"/>
+          <a:ext cx="0" cy="0"/>
+          <a:chOff x="0" y="0"/>
+          <a:chExt cx="0" cy="0"/>
+        </a:xfrm>
+      </p:grpSpPr>
+      <p:sp>
+        <p:nvSpPr>
+          <p:cNvPr id="195" name="Shape 195"/>
+          <p:cNvSpPr txBox="1">
+            <a:spLocks noGrp="1"/>
+          </p:cNvSpPr>
+          <p:nvPr>
+            <p:ph type="title"/>
+          </p:nvPr>
+        </p:nvSpPr>
+        <p:spPr/>
+        <p:txBody>
+          <a:bodyPr/>
+          <a:lstStyle/>
+          <a:p>
+            <a:pPr lvl="0"/>
+            <a:r>
+              <a:rPr lang="en-US" sz="3200" b="0" dirty="0" smtClean="0">
+                <a:solidFill>
+                  <a:schemeClr val="accent1"/>
+                </a:solidFill>
+                <a:sym typeface="Arial"/>
+              </a:rPr>
+              <a:t>Other Repositories  - Cassandra </a:t>
+            </a:r>
+            <a:r>
+              <a:rPr lang="en-US" sz="3200" b="0" dirty="0" err="1" smtClean="0">
+                <a:solidFill>
+                  <a:schemeClr val="accent1"/>
+                </a:solidFill>
+                <a:sym typeface="Arial"/>
+              </a:rPr>
+              <a:t>NoSQL</a:t>
+            </a:r>
+            <a:endParaRPr lang="en-US" sz="3200" b="0" dirty="0">
+              <a:solidFill>
+                <a:schemeClr val="accent1"/>
+              </a:solidFill>
+              <a:sym typeface="Arial"/>
+            </a:endParaRPr>
+          </a:p>
+        </p:txBody>
+      </p:sp>
+      <p:sp>
+        <p:nvSpPr>
+          <p:cNvPr id="7" name="Rectangle 6"/>
+          <p:cNvSpPr/>
+          <p:nvPr/>
+        </p:nvSpPr>
+        <p:spPr>
+          <a:xfrm>
+            <a:off x="660400" y="1601859"/>
+            <a:ext cx="7914640" cy="1435981"/>
+          </a:xfrm>
+          <a:prstGeom prst="rect">
+            <a:avLst/>
+          </a:prstGeom>
+          <a:solidFill>
+            <a:srgbClr val="162128"/>
+          </a:solidFill>
+          <a:ln>
+            <a:solidFill>
+              <a:srgbClr val="FFFFCC"/>
+            </a:solidFill>
+            <a:prstDash val="dash"/>
+          </a:ln>
+        </p:spPr>
+        <p:style>
+          <a:lnRef idx="1">
+            <a:schemeClr val="accent1"/>
+          </a:lnRef>
+          <a:fillRef idx="3">
+            <a:schemeClr val="accent1"/>
+          </a:fillRef>
+          <a:effectRef idx="2">
+            <a:schemeClr val="accent1"/>
+          </a:effectRef>
+          <a:fontRef idx="minor">
+            <a:schemeClr val="lt1"/>
+          </a:fontRef>
+        </p:style>
+        <p:txBody>
+          <a:bodyPr rtlCol="0" anchor="ctr"/>
+          <a:lstStyle/>
+          <a:p>
+            <a:pPr>
+              <a:buClr>
+                <a:srgbClr val="008774"/>
+              </a:buClr>
+            </a:pPr>
+            <a:r>
+              <a:rPr lang="en-US" sz="1200" b="1" dirty="0" smtClean="0">
+                <a:solidFill>
+                  <a:schemeClr val="bg1">
+                    <a:lumMod val="85000"/>
+                  </a:schemeClr>
+                </a:solidFill>
+                <a:sym typeface="Arial"/>
+              </a:rPr>
+              <a:t>@Repository</a:t>
+            </a:r>
+          </a:p>
+          <a:p>
+            <a:pPr>
+              <a:buClr>
+                <a:srgbClr val="008774"/>
+              </a:buClr>
+            </a:pPr>
+            <a:r>
+              <a:rPr lang="en-US" sz="1200" b="1" dirty="0">
+                <a:solidFill>
+                  <a:srgbClr val="800000"/>
+                </a:solidFill>
+                <a:sym typeface="Arial"/>
+              </a:rPr>
+              <a:t>p</a:t>
+            </a:r>
+            <a:r>
+              <a:rPr lang="en-US" sz="1200" b="1" dirty="0" smtClean="0">
+                <a:solidFill>
+                  <a:srgbClr val="800000"/>
+                </a:solidFill>
+                <a:sym typeface="Arial"/>
+              </a:rPr>
+              <a:t>ublic</a:t>
+            </a:r>
+            <a:r>
+              <a:rPr lang="en-US" sz="1200" b="1" dirty="0" smtClean="0">
+                <a:solidFill>
+                  <a:srgbClr val="7F7F7F"/>
+                </a:solidFill>
+                <a:sym typeface="Arial"/>
+              </a:rPr>
+              <a:t> </a:t>
+            </a:r>
+            <a:r>
+              <a:rPr lang="en-US" sz="1200" b="1" dirty="0" smtClean="0">
+                <a:solidFill>
+                  <a:srgbClr val="800000"/>
+                </a:solidFill>
+                <a:sym typeface="Arial"/>
+              </a:rPr>
+              <a:t>interface</a:t>
+            </a:r>
+            <a:r>
+              <a:rPr lang="en-US" sz="1200" b="1" dirty="0" smtClean="0">
+                <a:solidFill>
+                  <a:srgbClr val="7F7F7F"/>
+                </a:solidFill>
+                <a:sym typeface="Arial"/>
+              </a:rPr>
+              <a:t> </a:t>
+            </a:r>
+            <a:r>
+              <a:rPr lang="en-US" sz="1200" b="1" dirty="0" err="1" smtClean="0">
+                <a:solidFill>
+                  <a:srgbClr val="D9D9D9"/>
+                </a:solidFill>
+                <a:sym typeface="Arial"/>
+              </a:rPr>
+              <a:t>BookRepository</a:t>
+            </a:r>
+            <a:r>
+              <a:rPr lang="en-US" sz="1200" b="1" dirty="0" smtClean="0">
+                <a:solidFill>
+                  <a:srgbClr val="D9D9D9"/>
+                </a:solidFill>
+                <a:sym typeface="Arial"/>
+              </a:rPr>
+              <a:t> </a:t>
+            </a:r>
+            <a:r>
+              <a:rPr lang="en-US" sz="1200" b="1" dirty="0" smtClean="0">
+                <a:solidFill>
+                  <a:srgbClr val="800000"/>
+                </a:solidFill>
+                <a:sym typeface="Arial"/>
+              </a:rPr>
+              <a:t>extends</a:t>
+            </a:r>
+            <a:r>
+              <a:rPr lang="en-US" sz="1200" b="1" dirty="0" smtClean="0">
+                <a:solidFill>
+                  <a:srgbClr val="7F7F7F"/>
+                </a:solidFill>
+                <a:sym typeface="Arial"/>
+              </a:rPr>
+              <a:t> </a:t>
+            </a:r>
+            <a:r>
+              <a:rPr lang="en-US" sz="1200" b="1" dirty="0" err="1" smtClean="0">
+                <a:solidFill>
+                  <a:srgbClr val="D9D9D9"/>
+                </a:solidFill>
+                <a:sym typeface="Arial"/>
+              </a:rPr>
+              <a:t>CassandraRepository</a:t>
+            </a:r>
+            <a:r>
+              <a:rPr lang="en-US" sz="1200" b="1" dirty="0" smtClean="0">
+                <a:solidFill>
+                  <a:srgbClr val="D9D9D9"/>
+                </a:solidFill>
+                <a:sym typeface="Arial"/>
+              </a:rPr>
+              <a:t>&lt;Book&gt; {</a:t>
+            </a:r>
+            <a:endParaRPr lang="en-US" sz="1200" b="1" dirty="0" smtClean="0">
+              <a:solidFill>
+                <a:srgbClr val="D9D9D9"/>
+              </a:solidFill>
+              <a:sym typeface="Arial"/>
+            </a:endParaRPr>
+          </a:p>
+          <a:p>
+            <a:pPr>
+              <a:buClr>
+                <a:srgbClr val="008774"/>
+              </a:buClr>
+            </a:pPr>
+            <a:endParaRPr lang="en-US" sz="1200" b="1" dirty="0">
+              <a:solidFill>
+                <a:srgbClr val="D9D9D9"/>
+              </a:solidFill>
+              <a:sym typeface="Arial"/>
+            </a:endParaRPr>
+          </a:p>
+          <a:p>
+            <a:pPr>
+              <a:buClr>
+                <a:srgbClr val="008774"/>
+              </a:buClr>
+            </a:pPr>
+            <a:r>
+              <a:rPr lang="en-US" sz="1200" b="1" dirty="0" smtClean="0">
+                <a:solidFill>
+                  <a:srgbClr val="D9D9D9"/>
+                </a:solidFill>
+                <a:sym typeface="Arial"/>
+              </a:rPr>
+              <a:t>	…</a:t>
+            </a:r>
+          </a:p>
+          <a:p>
+            <a:pPr>
+              <a:buClr>
+                <a:srgbClr val="008774"/>
+              </a:buClr>
+            </a:pPr>
+            <a:endParaRPr lang="en-US" sz="1200" b="1" dirty="0" smtClean="0">
+              <a:solidFill>
+                <a:srgbClr val="D9D9D9"/>
+              </a:solidFill>
+              <a:sym typeface="Arial"/>
+            </a:endParaRPr>
+          </a:p>
+          <a:p>
+            <a:pPr>
+              <a:buClr>
+                <a:srgbClr val="008774"/>
+              </a:buClr>
+            </a:pPr>
+            <a:r>
+              <a:rPr lang="en-US" sz="1200" b="1" dirty="0">
+                <a:solidFill>
+                  <a:srgbClr val="D9D9D9"/>
+                </a:solidFill>
+                <a:sym typeface="Arial"/>
+              </a:rPr>
+              <a:t>}</a:t>
+            </a:r>
+          </a:p>
+        </p:txBody>
+      </p:sp>
+    </p:spTree>
+    <p:extLst>
+      <p:ext uri="{BB962C8B-B14F-4D97-AF65-F5344CB8AC3E}">
+        <p14:creationId xmlns:p14="http://schemas.microsoft.com/office/powerpoint/2010/main" val="2869716039"/>
+      </p:ext>
+    </p:extLst>
+  </p:cSld>
+  <p:clrMapOvr>
+    <a:masterClrMapping/>
+  </p:clrMapOvr>
+  <p:transition xmlns:p14="http://schemas.microsoft.com/office/powerpoint/2010/main">
+    <p:fade/>
+  </p:transition>
+  <p:timing>
+    <p:tnLst>
+      <p:par>
+        <p:cTn xmlns:p14="http://schemas.microsoft.com/office/powerpoint/2010/main" id="1" dur="indefinite" restart="never" nodeType="tmRoot"/>
+      </p:par>
+    </p:tnLst>
+  </p:timing>
+</p:sld>
+</file>
+
+<file path=ppt/slides/slide16.xml><?xml version="1.0" encoding="utf-8"?>
+<p:sld xmlns:a="http://schemas.openxmlformats.org/drawingml/2006/main" xmlns:r="http://schemas.openxmlformats.org/officeDocument/2006/relationships" xmlns:p="http://schemas.openxmlformats.org/presentationml/2006/main">
+  <p:cSld>
+    <p:spTree>
+      <p:nvGrpSpPr>
+        <p:cNvPr id="1" name="Shape 194"/>
+        <p:cNvGrpSpPr/>
+        <p:nvPr/>
+      </p:nvGrpSpPr>
+      <p:grpSpPr>
+        <a:xfrm>
+          <a:off x="0" y="0"/>
+          <a:ext cx="0" cy="0"/>
+          <a:chOff x="0" y="0"/>
+          <a:chExt cx="0" cy="0"/>
+        </a:xfrm>
+      </p:grpSpPr>
+      <p:sp>
+        <p:nvSpPr>
+          <p:cNvPr id="195" name="Shape 195"/>
+          <p:cNvSpPr txBox="1">
+            <a:spLocks noGrp="1"/>
+          </p:cNvSpPr>
+          <p:nvPr>
+            <p:ph type="title"/>
+          </p:nvPr>
+        </p:nvSpPr>
+        <p:spPr/>
+        <p:txBody>
+          <a:bodyPr/>
+          <a:lstStyle/>
+          <a:p>
+            <a:pPr lvl="0"/>
+            <a:r>
+              <a:rPr lang="en-US" sz="3200" b="0" dirty="0" smtClean="0">
+                <a:solidFill>
+                  <a:schemeClr val="accent1"/>
+                </a:solidFill>
+                <a:sym typeface="Arial"/>
+              </a:rPr>
+              <a:t>Other Repositories  - </a:t>
+            </a:r>
+            <a:r>
+              <a:rPr lang="en-US" sz="3200" b="0" dirty="0" err="1" smtClean="0">
+                <a:solidFill>
+                  <a:schemeClr val="accent1"/>
+                </a:solidFill>
+                <a:sym typeface="Arial"/>
+              </a:rPr>
+              <a:t>Redis</a:t>
+            </a:r>
+            <a:endParaRPr lang="en-US" sz="3200" b="0" dirty="0">
+              <a:solidFill>
+                <a:schemeClr val="accent1"/>
+              </a:solidFill>
+              <a:sym typeface="Arial"/>
+            </a:endParaRPr>
+          </a:p>
+        </p:txBody>
+      </p:sp>
+      <p:sp>
+        <p:nvSpPr>
+          <p:cNvPr id="7" name="Rectangle 6"/>
+          <p:cNvSpPr/>
+          <p:nvPr/>
+        </p:nvSpPr>
+        <p:spPr>
+          <a:xfrm>
+            <a:off x="660400" y="1601859"/>
+            <a:ext cx="7914640" cy="1435981"/>
+          </a:xfrm>
+          <a:prstGeom prst="rect">
+            <a:avLst/>
+          </a:prstGeom>
+          <a:solidFill>
+            <a:srgbClr val="162128"/>
+          </a:solidFill>
+          <a:ln>
+            <a:solidFill>
+              <a:srgbClr val="FFFFCC"/>
+            </a:solidFill>
+            <a:prstDash val="dash"/>
+          </a:ln>
+        </p:spPr>
+        <p:style>
+          <a:lnRef idx="1">
+            <a:schemeClr val="accent1"/>
+          </a:lnRef>
+          <a:fillRef idx="3">
+            <a:schemeClr val="accent1"/>
+          </a:fillRef>
+          <a:effectRef idx="2">
+            <a:schemeClr val="accent1"/>
+          </a:effectRef>
+          <a:fontRef idx="minor">
+            <a:schemeClr val="lt1"/>
+          </a:fontRef>
+        </p:style>
+        <p:txBody>
+          <a:bodyPr rtlCol="0" anchor="ctr"/>
+          <a:lstStyle/>
+          <a:p>
+            <a:pPr>
+              <a:buClr>
+                <a:srgbClr val="008774"/>
+              </a:buClr>
+            </a:pPr>
+            <a:r>
+              <a:rPr lang="en-US" sz="1200" b="1" dirty="0" smtClean="0">
+                <a:solidFill>
+                  <a:schemeClr val="bg1">
+                    <a:lumMod val="85000"/>
+                  </a:schemeClr>
+                </a:solidFill>
+                <a:sym typeface="Arial"/>
+              </a:rPr>
+              <a:t>@Repository</a:t>
+            </a:r>
+          </a:p>
+          <a:p>
+            <a:pPr>
+              <a:buClr>
+                <a:srgbClr val="008774"/>
+              </a:buClr>
+            </a:pPr>
+            <a:r>
+              <a:rPr lang="en-US" sz="1200" b="1" dirty="0">
+                <a:solidFill>
+                  <a:srgbClr val="800000"/>
+                </a:solidFill>
+                <a:sym typeface="Arial"/>
+              </a:rPr>
+              <a:t>p</a:t>
+            </a:r>
+            <a:r>
+              <a:rPr lang="en-US" sz="1200" b="1" dirty="0" smtClean="0">
+                <a:solidFill>
+                  <a:srgbClr val="800000"/>
+                </a:solidFill>
+                <a:sym typeface="Arial"/>
+              </a:rPr>
+              <a:t>ublic</a:t>
+            </a:r>
+            <a:r>
+              <a:rPr lang="en-US" sz="1200" b="1" dirty="0" smtClean="0">
+                <a:solidFill>
+                  <a:srgbClr val="7F7F7F"/>
+                </a:solidFill>
+                <a:sym typeface="Arial"/>
+              </a:rPr>
+              <a:t> </a:t>
+            </a:r>
+            <a:r>
+              <a:rPr lang="en-US" sz="1200" b="1" dirty="0" smtClean="0">
+                <a:solidFill>
+                  <a:srgbClr val="800000"/>
+                </a:solidFill>
+                <a:sym typeface="Arial"/>
+              </a:rPr>
+              <a:t>interface</a:t>
+            </a:r>
+            <a:r>
+              <a:rPr lang="en-US" sz="1200" b="1" dirty="0" smtClean="0">
+                <a:solidFill>
+                  <a:srgbClr val="7F7F7F"/>
+                </a:solidFill>
+                <a:sym typeface="Arial"/>
+              </a:rPr>
+              <a:t> </a:t>
+            </a:r>
+            <a:r>
+              <a:rPr lang="en-US" sz="1200" b="1" dirty="0" err="1" smtClean="0">
+                <a:solidFill>
+                  <a:srgbClr val="D9D9D9"/>
+                </a:solidFill>
+                <a:sym typeface="Arial"/>
+              </a:rPr>
+              <a:t>BookRepository</a:t>
+            </a:r>
+            <a:r>
+              <a:rPr lang="en-US" sz="1200" b="1" dirty="0" smtClean="0">
+                <a:solidFill>
+                  <a:srgbClr val="D9D9D9"/>
+                </a:solidFill>
+                <a:sym typeface="Arial"/>
+              </a:rPr>
+              <a:t>  {</a:t>
+            </a:r>
+            <a:endParaRPr lang="en-US" sz="1200" b="1" dirty="0" smtClean="0">
+              <a:solidFill>
+                <a:srgbClr val="D9D9D9"/>
+              </a:solidFill>
+              <a:sym typeface="Arial"/>
+            </a:endParaRPr>
+          </a:p>
+          <a:p>
+            <a:pPr>
+              <a:buClr>
+                <a:srgbClr val="008774"/>
+              </a:buClr>
+            </a:pPr>
+            <a:endParaRPr lang="en-US" sz="1200" b="1" dirty="0">
+              <a:solidFill>
+                <a:srgbClr val="D9D9D9"/>
+              </a:solidFill>
+              <a:sym typeface="Arial"/>
+            </a:endParaRPr>
+          </a:p>
+          <a:p>
+            <a:pPr>
+              <a:buClr>
+                <a:srgbClr val="008774"/>
+              </a:buClr>
+            </a:pPr>
+            <a:r>
+              <a:rPr lang="en-US" sz="1200" b="1" dirty="0" smtClean="0">
+                <a:solidFill>
+                  <a:srgbClr val="D9D9D9"/>
+                </a:solidFill>
+                <a:sym typeface="Arial"/>
+              </a:rPr>
+              <a:t>	void </a:t>
+            </a:r>
+            <a:r>
+              <a:rPr lang="en-US" sz="1200" b="1" dirty="0" err="1" smtClean="0">
+                <a:solidFill>
+                  <a:srgbClr val="D9D9D9"/>
+                </a:solidFill>
+                <a:sym typeface="Arial"/>
+              </a:rPr>
+              <a:t>saveBook</a:t>
+            </a:r>
+            <a:r>
+              <a:rPr lang="en-US" sz="1200" b="1" dirty="0" smtClean="0">
+                <a:solidFill>
+                  <a:srgbClr val="D9D9D9"/>
+                </a:solidFill>
+                <a:sym typeface="Arial"/>
+              </a:rPr>
+              <a:t>(Book book);</a:t>
+            </a:r>
+          </a:p>
+          <a:p>
+            <a:pPr>
+              <a:buClr>
+                <a:srgbClr val="008774"/>
+              </a:buClr>
+            </a:pPr>
+            <a:endParaRPr lang="en-US" sz="1200" b="1" dirty="0" smtClean="0">
+              <a:solidFill>
+                <a:srgbClr val="D9D9D9"/>
+              </a:solidFill>
+              <a:sym typeface="Arial"/>
+            </a:endParaRPr>
+          </a:p>
+          <a:p>
+            <a:pPr>
+              <a:buClr>
+                <a:srgbClr val="008774"/>
+              </a:buClr>
+            </a:pPr>
+            <a:r>
+              <a:rPr lang="en-US" sz="1200" b="1" dirty="0">
+                <a:solidFill>
+                  <a:srgbClr val="D9D9D9"/>
+                </a:solidFill>
+                <a:sym typeface="Arial"/>
+              </a:rPr>
+              <a:t>	</a:t>
+            </a:r>
+            <a:r>
+              <a:rPr lang="en-US" sz="1200" b="1" dirty="0" smtClean="0">
+                <a:solidFill>
+                  <a:srgbClr val="D9D9D9"/>
+                </a:solidFill>
+                <a:sym typeface="Arial"/>
+              </a:rPr>
+              <a:t>…</a:t>
+            </a:r>
+            <a:endParaRPr lang="en-US" sz="1200" b="1" dirty="0" smtClean="0">
+              <a:solidFill>
+                <a:srgbClr val="D9D9D9"/>
+              </a:solidFill>
+              <a:sym typeface="Arial"/>
+            </a:endParaRPr>
+          </a:p>
+          <a:p>
+            <a:pPr>
+              <a:buClr>
+                <a:srgbClr val="008774"/>
+              </a:buClr>
+            </a:pPr>
+            <a:endParaRPr lang="en-US" sz="1200" b="1" dirty="0" smtClean="0">
+              <a:solidFill>
+                <a:srgbClr val="D9D9D9"/>
+              </a:solidFill>
+              <a:sym typeface="Arial"/>
+            </a:endParaRPr>
+          </a:p>
+          <a:p>
+            <a:pPr>
+              <a:buClr>
+                <a:srgbClr val="008774"/>
+              </a:buClr>
+            </a:pPr>
+            <a:r>
+              <a:rPr lang="en-US" sz="1200" b="1" dirty="0">
+                <a:solidFill>
+                  <a:srgbClr val="D9D9D9"/>
+                </a:solidFill>
+                <a:sym typeface="Arial"/>
+              </a:rPr>
+              <a:t>}</a:t>
+            </a:r>
+          </a:p>
+        </p:txBody>
+      </p:sp>
+      <p:sp>
+        <p:nvSpPr>
+          <p:cNvPr id="3" name="TextBox 2"/>
+          <p:cNvSpPr txBox="1"/>
+          <p:nvPr/>
+        </p:nvSpPr>
+        <p:spPr>
+          <a:xfrm>
+            <a:off x="3830320" y="406400"/>
+            <a:ext cx="184666" cy="369332"/>
+          </a:xfrm>
+          <a:prstGeom prst="rect">
+            <a:avLst/>
+          </a:prstGeom>
+          <a:noFill/>
+        </p:spPr>
+        <p:txBody>
+          <a:bodyPr wrap="none" rtlCol="0">
+            <a:spAutoFit/>
+          </a:bodyPr>
+          <a:lstStyle/>
+          <a:p>
+            <a:endParaRPr lang="en-US" dirty="0"/>
+          </a:p>
+        </p:txBody>
+      </p:sp>
+      <p:sp>
+        <p:nvSpPr>
+          <p:cNvPr id="5" name="Text Placeholder 3"/>
+          <p:cNvSpPr>
+            <a:spLocks noGrp="1"/>
+          </p:cNvSpPr>
+          <p:nvPr>
+            <p:ph type="body" idx="4294967295"/>
+          </p:nvPr>
+        </p:nvSpPr>
+        <p:spPr>
+          <a:xfrm>
+            <a:off x="366712" y="3373120"/>
+            <a:ext cx="8410574" cy="1590040"/>
+          </a:xfrm>
+          <a:prstGeom prst="rect">
+            <a:avLst/>
+          </a:prstGeom>
+        </p:spPr>
+        <p:txBody>
+          <a:bodyPr/>
+          <a:lstStyle/>
+          <a:p>
+            <a:pPr marL="203200" lvl="0" indent="0">
+              <a:buNone/>
+            </a:pPr>
+            <a:r>
+              <a:rPr lang="en-US" sz="1800" dirty="0" err="1" smtClean="0">
+                <a:solidFill>
+                  <a:schemeClr val="accent6"/>
+                </a:solidFill>
+              </a:rPr>
+              <a:t>Redis</a:t>
+            </a:r>
+            <a:r>
+              <a:rPr lang="en-US" sz="1800" dirty="0" smtClean="0">
+                <a:solidFill>
+                  <a:schemeClr val="accent6"/>
+                </a:solidFill>
+              </a:rPr>
+              <a:t> does not support a “standard” query interface therefore the implementers of Spring Data </a:t>
+            </a:r>
+            <a:r>
+              <a:rPr lang="en-US" sz="1800" dirty="0" err="1" smtClean="0">
+                <a:solidFill>
+                  <a:schemeClr val="accent6"/>
+                </a:solidFill>
+              </a:rPr>
+              <a:t>Redis</a:t>
+            </a:r>
+            <a:r>
+              <a:rPr lang="en-US" sz="1800" dirty="0" smtClean="0">
+                <a:solidFill>
+                  <a:schemeClr val="accent6"/>
+                </a:solidFill>
+              </a:rPr>
+              <a:t> </a:t>
+            </a:r>
+            <a:r>
+              <a:rPr lang="en-US" sz="1800" smtClean="0">
+                <a:solidFill>
+                  <a:schemeClr val="accent6"/>
+                </a:solidFill>
+              </a:rPr>
+              <a:t>decided that “</a:t>
+            </a:r>
+            <a:r>
+              <a:rPr lang="en-US" sz="1800" dirty="0">
+                <a:solidFill>
+                  <a:schemeClr val="accent3">
+                    <a:lumMod val="60000"/>
+                    <a:lumOff val="40000"/>
+                  </a:schemeClr>
+                </a:solidFill>
+              </a:rPr>
+              <a:t>the interactions with </a:t>
+            </a:r>
+            <a:r>
+              <a:rPr lang="en-US" sz="1800" dirty="0" err="1">
+                <a:solidFill>
+                  <a:schemeClr val="accent3">
+                    <a:lumMod val="60000"/>
+                    <a:lumOff val="40000"/>
+                  </a:schemeClr>
+                </a:solidFill>
+              </a:rPr>
+              <a:t>Redis</a:t>
+            </a:r>
+            <a:r>
+              <a:rPr lang="en-US" sz="1800" dirty="0">
+                <a:solidFill>
+                  <a:schemeClr val="accent3">
+                    <a:lumMod val="60000"/>
+                    <a:lumOff val="40000"/>
+                  </a:schemeClr>
+                </a:solidFill>
+              </a:rPr>
+              <a:t> are quite unique to the use case so we didn't see that much functional overlap to motivate a generic implementation that does more than just </a:t>
+            </a:r>
+            <a:r>
+              <a:rPr lang="en-US" sz="1800" dirty="0" smtClean="0">
+                <a:solidFill>
+                  <a:schemeClr val="accent3">
+                    <a:lumMod val="60000"/>
+                    <a:lumOff val="40000"/>
+                  </a:schemeClr>
+                </a:solidFill>
+              </a:rPr>
+              <a:t>‘save’ </a:t>
+            </a:r>
+            <a:r>
+              <a:rPr lang="en-US" sz="1800" dirty="0">
+                <a:solidFill>
+                  <a:schemeClr val="accent3">
+                    <a:lumMod val="60000"/>
+                    <a:lumOff val="40000"/>
+                  </a:schemeClr>
+                </a:solidFill>
+              </a:rPr>
+              <a:t>and </a:t>
+            </a:r>
+            <a:r>
+              <a:rPr lang="en-US" sz="1800" dirty="0" smtClean="0">
+                <a:solidFill>
+                  <a:schemeClr val="accent3">
+                    <a:lumMod val="60000"/>
+                    <a:lumOff val="40000"/>
+                  </a:schemeClr>
+                </a:solidFill>
+              </a:rPr>
+              <a:t>‘load’</a:t>
+            </a:r>
+            <a:r>
+              <a:rPr lang="en-US" sz="1800" dirty="0" smtClean="0">
+                <a:solidFill>
+                  <a:schemeClr val="accent6"/>
+                </a:solidFill>
+              </a:rPr>
+              <a:t>”</a:t>
+            </a:r>
+            <a:endParaRPr lang="en-US" sz="1800" dirty="0" smtClean="0"/>
+          </a:p>
+        </p:txBody>
+      </p:sp>
+    </p:spTree>
+    <p:extLst>
+      <p:ext uri="{BB962C8B-B14F-4D97-AF65-F5344CB8AC3E}">
+        <p14:creationId xmlns:p14="http://schemas.microsoft.com/office/powerpoint/2010/main" val="1662410599"/>
+      </p:ext>
+    </p:extLst>
+  </p:cSld>
+  <p:clrMapOvr>
+    <a:masterClrMapping/>
+  </p:clrMapOvr>
+  <p:transition xmlns:p14="http://schemas.microsoft.com/office/powerpoint/2010/main">
+    <p:fade/>
+  </p:transition>
+  <p:timing>
+    <p:tnLst>
+      <p:par>
+        <p:cTn xmlns:p14="http://schemas.microsoft.com/office/powerpoint/2010/main" id="1" dur="indefinite" restart="never" nodeType="tmRoot"/>
+      </p:par>
+    </p:tnLst>
+  </p:timing>
+</p:sld>
+</file>
+
+<file path=ppt/slides/slide17.xml><?xml version="1.0" encoding="utf-8"?>
+<p:sld xmlns:a="http://schemas.openxmlformats.org/drawingml/2006/main" xmlns:r="http://schemas.openxmlformats.org/officeDocument/2006/relationships" xmlns:p="http://schemas.openxmlformats.org/presentationml/2006/main">
+  <p:cSld>
+    <p:spTree>
+      <p:nvGrpSpPr>
+        <p:cNvPr id="1" name=""/>
+        <p:cNvGrpSpPr/>
+        <p:nvPr/>
+      </p:nvGrpSpPr>
+      <p:grpSpPr>
+        <a:xfrm>
+          <a:off x="0" y="0"/>
+          <a:ext cx="0" cy="0"/>
+          <a:chOff x="0" y="0"/>
+          <a:chExt cx="0" cy="0"/>
+        </a:xfrm>
+      </p:grpSpPr>
+      <p:pic>
+        <p:nvPicPr>
+          <p:cNvPr id="19" name="Picture 18" descr="Stocksy_txp157cab05rEJ000_Medium_423382.jpg"/>
+          <p:cNvPicPr>
+            <a:picLocks noChangeAspect="1"/>
+          </p:cNvPicPr>
+          <p:nvPr/>
+        </p:nvPicPr>
+        <p:blipFill>
+          <a:blip r:embed="rId3"/>
+          <a:srcRect t="15584"/>
+          <a:stretch>
+            <a:fillRect/>
+          </a:stretch>
+        </p:blipFill>
+        <p:spPr>
+          <a:xfrm>
+            <a:off x="0" y="0"/>
+            <a:ext cx="9144000" cy="5143500"/>
+          </a:xfrm>
+          <a:prstGeom prst="rect">
+            <a:avLst/>
+          </a:prstGeom>
+        </p:spPr>
+      </p:pic>
+      <p:sp>
+        <p:nvSpPr>
+          <p:cNvPr id="20" name="Rectangle 19"/>
+          <p:cNvSpPr/>
+          <p:nvPr/>
+        </p:nvSpPr>
+        <p:spPr>
+          <a:xfrm>
+            <a:off x="0" y="0"/>
+            <a:ext cx="9144000" cy="5143500"/>
+          </a:xfrm>
+          <a:prstGeom prst="rect">
+            <a:avLst/>
+          </a:prstGeom>
+          <a:gradFill flip="none" rotWithShape="1">
+            <a:gsLst>
+              <a:gs pos="8000">
+                <a:srgbClr val="000000">
+                  <a:alpha val="0"/>
+                </a:srgbClr>
+              </a:gs>
+              <a:gs pos="54000">
+                <a:srgbClr val="000000">
+                  <a:alpha val="86000"/>
+                </a:srgbClr>
+              </a:gs>
+              <a:gs pos="83000">
+                <a:srgbClr val="000000">
+                  <a:alpha val="89000"/>
+                </a:srgbClr>
+              </a:gs>
+            </a:gsLst>
+            <a:lin ang="16500000" scaled="0"/>
+            <a:tileRect/>
+          </a:gradFill>
+          <a:ln w="44450" cap="flat" cmpd="sng" algn="ctr">
+            <a:noFill/>
+            <a:prstDash val="solid"/>
+            <a:round/>
+            <a:headEnd type="none" w="med" len="med"/>
+            <a:tailEnd type="none" w="med" len="med"/>
+          </a:ln>
+          <a:effectLst/>
+        </p:spPr>
+        <p:txBody>
+          <a:bodyPr lIns="68579" tIns="34289" rIns="68579" bIns="34289" rtlCol="0" anchor="ctr"/>
+          <a:lstStyle/>
+          <a:p>
+            <a:pPr algn="ctr">
+              <a:defRPr/>
+            </a:pPr>
+            <a:endParaRPr lang="en-US" kern="0">
+              <a:solidFill>
+                <a:srgbClr val="FFFFFF"/>
+              </a:solidFill>
+            </a:endParaRPr>
+          </a:p>
+        </p:txBody>
+      </p:sp>
+      <p:cxnSp>
+        <p:nvCxnSpPr>
+          <p:cNvPr id="40" name="Straight Connector 39"/>
+          <p:cNvCxnSpPr/>
+          <p:nvPr/>
+        </p:nvCxnSpPr>
+        <p:spPr>
+          <a:xfrm>
+            <a:off x="596900" y="2111130"/>
+            <a:ext cx="7848600" cy="1588"/>
+          </a:xfrm>
+          <a:prstGeom prst="line">
+            <a:avLst/>
+          </a:prstGeom>
+          <a:ln w="22225" cap="flat" cmpd="sng" algn="ctr">
+            <a:gradFill flip="none" rotWithShape="1">
+              <a:gsLst>
+                <a:gs pos="0">
+                  <a:schemeClr val="accent1">
+                    <a:alpha val="0"/>
+                  </a:schemeClr>
+                </a:gs>
+                <a:gs pos="100000">
+                  <a:schemeClr val="bg2">
+                    <a:alpha val="0"/>
+                  </a:schemeClr>
+                </a:gs>
+                <a:gs pos="49000">
+                  <a:schemeClr val="accent1"/>
+                </a:gs>
+              </a:gsLst>
+              <a:path path="circle">
+                <a:fillToRect l="100000" t="100000"/>
+              </a:path>
+              <a:tileRect r="-100000" b="-100000"/>
+            </a:gradFill>
+            <a:prstDash val="solid"/>
+            <a:round/>
+            <a:headEnd type="none" w="med" len="med"/>
+            <a:tailEnd type="none" w="med" len="med"/>
+          </a:ln>
+        </p:spPr>
+        <p:style>
+          <a:lnRef idx="2">
+            <a:schemeClr val="accent1"/>
+          </a:lnRef>
+          <a:fillRef idx="0">
+            <a:schemeClr val="accent1"/>
+          </a:fillRef>
+          <a:effectRef idx="1">
+            <a:schemeClr val="accent1"/>
+          </a:effectRef>
+          <a:fontRef idx="minor">
+            <a:schemeClr val="tx1"/>
+          </a:fontRef>
+        </p:style>
+      </p:cxnSp>
+      <p:cxnSp>
+        <p:nvCxnSpPr>
+          <p:cNvPr id="41" name="Straight Connector 40"/>
+          <p:cNvCxnSpPr/>
+          <p:nvPr/>
+        </p:nvCxnSpPr>
+        <p:spPr>
+          <a:xfrm>
+            <a:off x="596900" y="3428754"/>
+            <a:ext cx="7848600" cy="1588"/>
+          </a:xfrm>
+          <a:prstGeom prst="line">
+            <a:avLst/>
+          </a:prstGeom>
+          <a:ln w="22225" cap="flat" cmpd="sng" algn="ctr">
+            <a:gradFill flip="none" rotWithShape="1">
+              <a:gsLst>
+                <a:gs pos="0">
+                  <a:schemeClr val="accent1">
+                    <a:alpha val="0"/>
+                  </a:schemeClr>
+                </a:gs>
+                <a:gs pos="100000">
+                  <a:schemeClr val="bg2">
+                    <a:alpha val="0"/>
+                  </a:schemeClr>
+                </a:gs>
+                <a:gs pos="49000">
+                  <a:schemeClr val="accent1"/>
+                </a:gs>
+              </a:gsLst>
+              <a:path path="circle">
+                <a:fillToRect l="100000" t="100000"/>
+              </a:path>
+              <a:tileRect r="-100000" b="-100000"/>
+            </a:gradFill>
+            <a:prstDash val="solid"/>
+            <a:round/>
+            <a:headEnd type="none" w="med" len="med"/>
+            <a:tailEnd type="none" w="med" len="med"/>
+          </a:ln>
+        </p:spPr>
+        <p:style>
+          <a:lnRef idx="2">
+            <a:schemeClr val="accent1"/>
+          </a:lnRef>
+          <a:fillRef idx="0">
+            <a:schemeClr val="accent1"/>
+          </a:fillRef>
+          <a:effectRef idx="1">
+            <a:schemeClr val="accent1"/>
+          </a:effectRef>
+          <a:fontRef idx="minor">
+            <a:schemeClr val="tx1"/>
+          </a:fontRef>
+        </p:style>
+      </p:cxnSp>
+      <p:sp>
+        <p:nvSpPr>
+          <p:cNvPr id="18" name="Shape 1014"/>
+          <p:cNvSpPr txBox="1">
+            <a:spLocks/>
+          </p:cNvSpPr>
+          <p:nvPr/>
+        </p:nvSpPr>
+        <p:spPr>
+          <a:xfrm>
+            <a:off x="1820794" y="1336859"/>
+            <a:ext cx="5209487" cy="460500"/>
+          </a:xfrm>
+          <a:prstGeom prst="rect">
+            <a:avLst/>
+          </a:prstGeom>
+          <a:noFill/>
+          <a:ln>
+            <a:noFill/>
+          </a:ln>
+        </p:spPr>
+        <p:txBody>
+          <a:bodyPr lIns="0" tIns="0" rIns="0" bIns="0" anchor="t" anchorCtr="0">
+            <a:noAutofit/>
+          </a:bodyPr>
+          <a:lstStyle/>
+          <a:p>
+            <a:pPr algn="dist">
+              <a:lnSpc>
+                <a:spcPct val="90000"/>
+              </a:lnSpc>
+              <a:buSzPct val="25000"/>
+              <a:defRPr/>
+            </a:pPr>
+            <a:endParaRPr lang="en" sz="4500" b="1" kern="0" cap="all" dirty="0">
+              <a:solidFill>
+                <a:srgbClr val="008881"/>
+              </a:solidFill>
+              <a:ea typeface="Arial"/>
+              <a:cs typeface="Arial"/>
+              <a:sym typeface="Arial"/>
+            </a:endParaRPr>
+          </a:p>
+        </p:txBody>
+      </p:sp>
+      <p:sp>
+        <p:nvSpPr>
+          <p:cNvPr id="10" name="Shape 1163"/>
+          <p:cNvSpPr txBox="1">
+            <a:spLocks/>
+          </p:cNvSpPr>
+          <p:nvPr/>
+        </p:nvSpPr>
+        <p:spPr bwMode="gray">
+          <a:xfrm>
+            <a:off x="205956" y="2564470"/>
+            <a:ext cx="8410499" cy="460500"/>
+          </a:xfrm>
+          <a:prstGeom prst="rect">
+            <a:avLst/>
+          </a:prstGeom>
+          <a:noFill/>
+          <a:ln>
+            <a:noFill/>
+          </a:ln>
+        </p:spPr>
+        <p:txBody>
+          <a:bodyPr lIns="0" tIns="0" rIns="0" bIns="0" anchor="t" anchorCtr="0">
+            <a:noAutofit/>
+          </a:bodyPr>
+          <a:lstStyle>
+            <a:defPPr marR="0" algn="l" rtl="0">
+              <a:lnSpc>
+                <a:spcPct val="100000"/>
+              </a:lnSpc>
+              <a:spcBef>
+                <a:spcPts val="0"/>
+              </a:spcBef>
+              <a:spcAft>
+                <a:spcPts val="0"/>
+              </a:spcAft>
+            </a:defPPr>
+            <a:lvl1pPr marR="0" algn="l" rtl="0">
+              <a:lnSpc>
+                <a:spcPct val="90000"/>
+              </a:lnSpc>
+              <a:spcBef>
+                <a:spcPts val="0"/>
+              </a:spcBef>
+              <a:spcAft>
+                <a:spcPts val="0"/>
+              </a:spcAft>
+              <a:buNone/>
+              <a:defRPr sz="3200" b="0" i="0" u="none" strike="noStrike" cap="none" baseline="0">
+                <a:solidFill>
+                  <a:schemeClr val="tx2"/>
+                </a:solidFill>
+                <a:latin typeface="Arial"/>
+                <a:ea typeface="Arial"/>
+                <a:cs typeface="Arial"/>
+                <a:sym typeface="Arial"/>
+              </a:defRPr>
+            </a:lvl1pPr>
+            <a:lvl2pPr marR="0" algn="l" rtl="0">
+              <a:lnSpc>
+                <a:spcPct val="100000"/>
+              </a:lnSpc>
+              <a:spcBef>
+                <a:spcPts val="0"/>
+              </a:spcBef>
+              <a:spcAft>
+                <a:spcPts val="0"/>
+              </a:spcAft>
+              <a:buNone/>
+              <a:defRPr sz="1400" b="0" i="0" u="none" strike="noStrike" cap="none" baseline="0">
+                <a:solidFill>
+                  <a:srgbClr val="000000"/>
+                </a:solidFill>
+                <a:latin typeface="Arial"/>
+                <a:ea typeface="Arial"/>
+                <a:cs typeface="Arial"/>
+                <a:sym typeface="Arial"/>
+              </a:defRPr>
+            </a:lvl2pPr>
+          </a:lstStyle>
+          <a:p>
+            <a:pPr algn="ctr">
+              <a:buSzPct val="25000"/>
+            </a:pPr>
+            <a:r>
+              <a:rPr lang="en-US" cap="all" dirty="0" smtClean="0">
+                <a:solidFill>
+                  <a:srgbClr val="74CEC7"/>
+                </a:solidFill>
+              </a:rPr>
+              <a:t>Lab</a:t>
+            </a:r>
+            <a:endParaRPr lang="en" sz="2100" cap="all" dirty="0">
+              <a:solidFill>
+                <a:srgbClr val="74CEC7"/>
+              </a:solidFill>
+            </a:endParaRPr>
+          </a:p>
+        </p:txBody>
+      </p:sp>
+    </p:spTree>
+    <p:extLst>
+      <p:ext uri="{BB962C8B-B14F-4D97-AF65-F5344CB8AC3E}">
+        <p14:creationId xmlns:p14="http://schemas.microsoft.com/office/powerpoint/2010/main" val="2774573968"/>
+      </p:ext>
+    </p:extLst>
+  </p:cSld>
+  <p:clrMapOvr>
+    <a:masterClrMapping/>
+  </p:clrMapOvr>
+  <mc:AlternateContent xmlns:mc="http://schemas.openxmlformats.org/markup-compatibility/2006" xmlns:p14="http://schemas.microsoft.com/office/powerpoint/2010/main">
+    <mc:Choice Requires="p14">
+      <p:transition p14:dur="0"/>
+    </mc:Choice>
+    <mc:Fallback xmlns="">
+      <p:transition xmlns:p14="http://schemas.microsoft.com/office/powerpoint/2010/main"/>
+    </mc:Fallback>
+  </mc:AlternateContent>
+  <p:timing>
+    <p:tnLst>
+      <p:par>
+        <p:cTn xmlns:p14="http://schemas.microsoft.com/office/powerpoint/2010/main" id="1" dur="indefinite" restart="never" nodeType="tmRoot"/>
+      </p:par>
+    </p:tnLst>
+  </p:timing>
+</p:sld>
+</file>
+
 <file path=ppt/slides/slide2.xml><?xml version="1.0" encoding="utf-8"?>
 <p:sld xmlns:a="http://schemas.openxmlformats.org/drawingml/2006/main" xmlns:r="http://schemas.openxmlformats.org/officeDocument/2006/relationships" xmlns:p="http://schemas.openxmlformats.org/presentationml/2006/main">
   <p:cSld>
@@ -7072,7 +11018,7 @@
           <a:p>
             <a:pPr lvl="0"/>
             <a:r>
-              <a:rPr lang="en-US" sz="3200" b="0" smtClean="0">
+              <a:rPr lang="en-US" sz="3200" b="0" dirty="0" smtClean="0">
                 <a:solidFill>
                   <a:schemeClr val="accent1"/>
                 </a:solidFill>
@@ -7124,6 +11070,185 @@
             </a:endParaRPr>
           </a:p>
           <a:p>
+            <a:pPr lvl="0">
+              <a:spcAft>
+                <a:spcPts val="1800"/>
+              </a:spcAft>
+              <a:buClr>
+                <a:srgbClr val="008774"/>
+              </a:buClr>
+            </a:pPr>
+            <a:r>
+              <a:rPr lang="en-US" sz="2800" dirty="0" smtClean="0">
+                <a:solidFill>
+                  <a:schemeClr val="accent6"/>
+                </a:solidFill>
+                <a:sym typeface="Arial"/>
+              </a:rPr>
+              <a:t>Spring Data</a:t>
+            </a:r>
+            <a:endParaRPr lang="en-US" sz="2800" dirty="0" smtClean="0">
+              <a:solidFill>
+                <a:schemeClr val="accent6"/>
+              </a:solidFill>
+              <a:sym typeface="Arial"/>
+            </a:endParaRPr>
+          </a:p>
+          <a:p>
+            <a:pPr lvl="0">
+              <a:spcAft>
+                <a:spcPts val="1800"/>
+              </a:spcAft>
+              <a:buClr>
+                <a:srgbClr val="008774"/>
+              </a:buClr>
+            </a:pPr>
+            <a:r>
+              <a:rPr lang="en-US" sz="2800" dirty="0" smtClean="0">
+                <a:solidFill>
+                  <a:schemeClr val="accent6"/>
+                </a:solidFill>
+                <a:sym typeface="Arial"/>
+              </a:rPr>
+              <a:t>Spring Dat</a:t>
+            </a:r>
+            <a:r>
+              <a:rPr lang="en-US" sz="2800" dirty="0" smtClean="0">
+                <a:solidFill>
+                  <a:schemeClr val="accent6"/>
+                </a:solidFill>
+                <a:sym typeface="Arial"/>
+              </a:rPr>
+              <a:t>a REST</a:t>
+            </a:r>
+            <a:endParaRPr lang="en-US" sz="2800" dirty="0" smtClean="0">
+              <a:solidFill>
+                <a:schemeClr val="accent6"/>
+              </a:solidFill>
+              <a:sym typeface="Arial"/>
+            </a:endParaRPr>
+          </a:p>
+          <a:p>
+            <a:pPr lvl="0">
+              <a:spcAft>
+                <a:spcPts val="1800"/>
+              </a:spcAft>
+              <a:buClr>
+                <a:srgbClr val="008774"/>
+              </a:buClr>
+            </a:pPr>
+            <a:r>
+              <a:rPr lang="en-US" sz="2800" dirty="0" smtClean="0">
+                <a:solidFill>
+                  <a:schemeClr val="accent6"/>
+                </a:solidFill>
+                <a:sym typeface="Arial"/>
+              </a:rPr>
+              <a:t>Polyglot Persistence</a:t>
+            </a:r>
+            <a:endParaRPr lang="en-US" sz="2800" dirty="0">
+              <a:solidFill>
+                <a:schemeClr val="accent6"/>
+              </a:solidFill>
+              <a:sym typeface="Arial"/>
+            </a:endParaRPr>
+          </a:p>
+        </p:txBody>
+      </p:sp>
+    </p:spTree>
+    <p:extLst>
+      <p:ext uri="{BB962C8B-B14F-4D97-AF65-F5344CB8AC3E}">
+        <p14:creationId xmlns:p14="http://schemas.microsoft.com/office/powerpoint/2010/main" val="2019503117"/>
+      </p:ext>
+    </p:extLst>
+  </p:cSld>
+  <p:clrMapOvr>
+    <a:masterClrMapping/>
+  </p:clrMapOvr>
+  <p:transition xmlns:p14="http://schemas.microsoft.com/office/powerpoint/2010/main">
+    <p:fade/>
+  </p:transition>
+  <p:timing>
+    <p:tnLst>
+      <p:par>
+        <p:cTn xmlns:p14="http://schemas.microsoft.com/office/powerpoint/2010/main" id="1" dur="indefinite" restart="never" nodeType="tmRoot"/>
+      </p:par>
+    </p:tnLst>
+  </p:timing>
+</p:sld>
+</file>
+
+<file path=ppt/slides/slide3.xml><?xml version="1.0" encoding="utf-8"?>
+<p:sld xmlns:a="http://schemas.openxmlformats.org/drawingml/2006/main" xmlns:r="http://schemas.openxmlformats.org/officeDocument/2006/relationships" xmlns:p="http://schemas.openxmlformats.org/presentationml/2006/main">
+  <p:cSld>
+    <p:spTree>
+      <p:nvGrpSpPr>
+        <p:cNvPr id="1" name="Shape 194"/>
+        <p:cNvGrpSpPr/>
+        <p:nvPr/>
+      </p:nvGrpSpPr>
+      <p:grpSpPr>
+        <a:xfrm>
+          <a:off x="0" y="0"/>
+          <a:ext cx="0" cy="0"/>
+          <a:chOff x="0" y="0"/>
+          <a:chExt cx="0" cy="0"/>
+        </a:xfrm>
+      </p:grpSpPr>
+      <p:sp>
+        <p:nvSpPr>
+          <p:cNvPr id="195" name="Shape 195"/>
+          <p:cNvSpPr txBox="1">
+            <a:spLocks noGrp="1"/>
+          </p:cNvSpPr>
+          <p:nvPr>
+            <p:ph type="title"/>
+          </p:nvPr>
+        </p:nvSpPr>
+        <p:spPr/>
+        <p:txBody>
+          <a:bodyPr/>
+          <a:lstStyle/>
+          <a:p>
+            <a:pPr lvl="0"/>
+            <a:r>
+              <a:rPr lang="en-US" sz="3200" b="0" dirty="0" smtClean="0">
+                <a:solidFill>
+                  <a:schemeClr val="accent1"/>
+                </a:solidFill>
+                <a:sym typeface="Arial"/>
+              </a:rPr>
+              <a:t>Workshop Agenda</a:t>
+            </a:r>
+            <a:endParaRPr lang="en-US" sz="3200" b="0" dirty="0">
+              <a:solidFill>
+                <a:schemeClr val="accent1"/>
+              </a:solidFill>
+              <a:sym typeface="Arial"/>
+            </a:endParaRPr>
+          </a:p>
+        </p:txBody>
+      </p:sp>
+      <p:sp>
+        <p:nvSpPr>
+          <p:cNvPr id="196" name="Shape 196"/>
+          <p:cNvSpPr txBox="1">
+            <a:spLocks noGrp="1"/>
+          </p:cNvSpPr>
+          <p:nvPr>
+            <p:ph type="body" sz="quarter" idx="13"/>
+          </p:nvPr>
+        </p:nvSpPr>
+        <p:spPr>
+          <a:xfrm>
+            <a:off x="431800" y="624362"/>
+            <a:ext cx="8551408" cy="3848609"/>
+          </a:xfrm>
+        </p:spPr>
+        <p:txBody>
+          <a:bodyPr/>
+          <a:lstStyle/>
+          <a:p>
             <a:pPr marL="514350" lvl="0" indent="-514350">
               <a:buClr>
                 <a:srgbClr val="008774"/>
@@ -7131,16 +11256,834 @@
               <a:buFont typeface="+mj-lt"/>
               <a:buAutoNum type="arabicPeriod"/>
             </a:pPr>
+            <a:endParaRPr lang="en-US" sz="2800" dirty="0" smtClean="0">
+              <a:solidFill>
+                <a:schemeClr val="accent6"/>
+              </a:solidFill>
+              <a:sym typeface="Arial"/>
+            </a:endParaRPr>
+          </a:p>
+          <a:p>
+            <a:pPr lvl="0">
+              <a:spcAft>
+                <a:spcPts val="1800"/>
+              </a:spcAft>
+              <a:buClr>
+                <a:srgbClr val="008774"/>
+              </a:buClr>
+            </a:pPr>
+            <a:r>
+              <a:rPr lang="en-US" sz="2800" b="1" dirty="0" smtClean="0">
+                <a:solidFill>
+                  <a:schemeClr val="accent6"/>
+                </a:solidFill>
+                <a:sym typeface="Arial"/>
+              </a:rPr>
+              <a:t>Spring Data</a:t>
+            </a:r>
+            <a:endParaRPr lang="en-US" sz="2800" b="1" dirty="0" smtClean="0">
+              <a:solidFill>
+                <a:schemeClr val="accent6"/>
+              </a:solidFill>
+              <a:sym typeface="Arial"/>
+            </a:endParaRPr>
+          </a:p>
+          <a:p>
+            <a:pPr lvl="0">
+              <a:spcAft>
+                <a:spcPts val="1800"/>
+              </a:spcAft>
+              <a:buClr>
+                <a:srgbClr val="008774"/>
+              </a:buClr>
+            </a:pPr>
             <a:r>
               <a:rPr lang="en-US" sz="2800" dirty="0" smtClean="0">
                 <a:solidFill>
+                  <a:schemeClr val="accent6">
+                    <a:lumMod val="20000"/>
+                    <a:lumOff val="80000"/>
+                  </a:schemeClr>
+                </a:solidFill>
+                <a:sym typeface="Arial"/>
+              </a:rPr>
+              <a:t>Spring Dat</a:t>
+            </a:r>
+            <a:r>
+              <a:rPr lang="en-US" sz="2800" dirty="0" smtClean="0">
+                <a:solidFill>
+                  <a:schemeClr val="accent6">
+                    <a:lumMod val="20000"/>
+                    <a:lumOff val="80000"/>
+                  </a:schemeClr>
+                </a:solidFill>
+                <a:sym typeface="Arial"/>
+              </a:rPr>
+              <a:t>a REST</a:t>
+            </a:r>
+            <a:endParaRPr lang="en-US" sz="2800" dirty="0" smtClean="0">
+              <a:solidFill>
+                <a:schemeClr val="accent6">
+                  <a:lumMod val="20000"/>
+                  <a:lumOff val="80000"/>
+                </a:schemeClr>
+              </a:solidFill>
+              <a:sym typeface="Arial"/>
+            </a:endParaRPr>
+          </a:p>
+          <a:p>
+            <a:pPr lvl="0">
+              <a:spcAft>
+                <a:spcPts val="1800"/>
+              </a:spcAft>
+              <a:buClr>
+                <a:srgbClr val="008774"/>
+              </a:buClr>
+            </a:pPr>
+            <a:r>
+              <a:rPr lang="en-US" sz="2800" dirty="0" smtClean="0">
+                <a:solidFill>
+                  <a:schemeClr val="accent6">
+                    <a:lumMod val="20000"/>
+                    <a:lumOff val="80000"/>
+                  </a:schemeClr>
+                </a:solidFill>
+                <a:sym typeface="Arial"/>
+              </a:rPr>
+              <a:t>Polyglot Persistence</a:t>
+            </a:r>
+            <a:endParaRPr lang="en-US" sz="2800" dirty="0">
+              <a:solidFill>
+                <a:schemeClr val="accent6">
+                  <a:lumMod val="20000"/>
+                  <a:lumOff val="80000"/>
+                </a:schemeClr>
+              </a:solidFill>
+              <a:sym typeface="Arial"/>
+            </a:endParaRPr>
+          </a:p>
+        </p:txBody>
+      </p:sp>
+    </p:spTree>
+    <p:extLst>
+      <p:ext uri="{BB962C8B-B14F-4D97-AF65-F5344CB8AC3E}">
+        <p14:creationId xmlns:p14="http://schemas.microsoft.com/office/powerpoint/2010/main" val="3613727727"/>
+      </p:ext>
+    </p:extLst>
+  </p:cSld>
+  <p:clrMapOvr>
+    <a:masterClrMapping/>
+  </p:clrMapOvr>
+  <p:transition xmlns:p14="http://schemas.microsoft.com/office/powerpoint/2010/main">
+    <p:fade/>
+  </p:transition>
+  <p:timing>
+    <p:tnLst>
+      <p:par>
+        <p:cTn xmlns:p14="http://schemas.microsoft.com/office/powerpoint/2010/main" id="1" dur="indefinite" restart="never" nodeType="tmRoot"/>
+      </p:par>
+    </p:tnLst>
+  </p:timing>
+</p:sld>
+</file>
+
+<file path=ppt/slides/slide4.xml><?xml version="1.0" encoding="utf-8"?>
+<p:sld xmlns:a="http://schemas.openxmlformats.org/drawingml/2006/main" xmlns:r="http://schemas.openxmlformats.org/officeDocument/2006/relationships" xmlns:p="http://schemas.openxmlformats.org/presentationml/2006/main">
+  <p:cSld>
+    <p:spTree>
+      <p:nvGrpSpPr>
+        <p:cNvPr id="1" name="Shape 194"/>
+        <p:cNvGrpSpPr/>
+        <p:nvPr/>
+      </p:nvGrpSpPr>
+      <p:grpSpPr>
+        <a:xfrm>
+          <a:off x="0" y="0"/>
+          <a:ext cx="0" cy="0"/>
+          <a:chOff x="0" y="0"/>
+          <a:chExt cx="0" cy="0"/>
+        </a:xfrm>
+      </p:grpSpPr>
+      <p:sp>
+        <p:nvSpPr>
+          <p:cNvPr id="195" name="Shape 195"/>
+          <p:cNvSpPr txBox="1">
+            <a:spLocks noGrp="1"/>
+          </p:cNvSpPr>
+          <p:nvPr>
+            <p:ph type="title"/>
+          </p:nvPr>
+        </p:nvSpPr>
+        <p:spPr/>
+        <p:txBody>
+          <a:bodyPr/>
+          <a:lstStyle/>
+          <a:p>
+            <a:pPr lvl="0"/>
+            <a:r>
+              <a:rPr lang="en-US" sz="3200" b="0" dirty="0" smtClean="0">
+                <a:solidFill>
+                  <a:schemeClr val="accent1"/>
+                </a:solidFill>
+                <a:sym typeface="Arial"/>
+              </a:rPr>
+              <a:t>What Types of Data Stores?</a:t>
+            </a:r>
+            <a:endParaRPr lang="en-US" sz="3200" b="0" dirty="0">
+              <a:solidFill>
+                <a:schemeClr val="accent1"/>
+              </a:solidFill>
+              <a:sym typeface="Arial"/>
+            </a:endParaRPr>
+          </a:p>
+        </p:txBody>
+      </p:sp>
+      <p:sp>
+        <p:nvSpPr>
+          <p:cNvPr id="196" name="Shape 196"/>
+          <p:cNvSpPr txBox="1">
+            <a:spLocks noGrp="1"/>
+          </p:cNvSpPr>
+          <p:nvPr>
+            <p:ph type="body" sz="quarter" idx="13"/>
+          </p:nvPr>
+        </p:nvSpPr>
+        <p:spPr>
+          <a:xfrm>
+            <a:off x="431800" y="624362"/>
+            <a:ext cx="3429000" cy="3848609"/>
+          </a:xfrm>
+        </p:spPr>
+        <p:txBody>
+          <a:bodyPr/>
+          <a:lstStyle/>
+          <a:p>
+            <a:pPr lvl="0">
+              <a:lnSpc>
+                <a:spcPct val="200000"/>
+              </a:lnSpc>
+              <a:spcBef>
+                <a:spcPts val="624"/>
+              </a:spcBef>
+              <a:spcAft>
+                <a:spcPts val="600"/>
+              </a:spcAft>
+              <a:buClr>
+                <a:srgbClr val="008774"/>
+              </a:buClr>
+            </a:pPr>
+            <a:r>
+              <a:rPr lang="en-US" sz="2800" b="1" dirty="0" smtClean="0">
+                <a:solidFill>
                   <a:schemeClr val="accent6"/>
                 </a:solidFill>
                 <a:sym typeface="Arial"/>
               </a:rPr>
-              <a:t>TBD</a:t>
-            </a:r>
-          </a:p>
+              <a:t>Spring Data</a:t>
+            </a:r>
+          </a:p>
+          <a:p>
+            <a:pPr lvl="1">
+              <a:spcBef>
+                <a:spcPts val="0"/>
+              </a:spcBef>
+              <a:spcAft>
+                <a:spcPts val="600"/>
+              </a:spcAft>
+              <a:buClr>
+                <a:srgbClr val="008774"/>
+              </a:buClr>
+            </a:pPr>
+            <a:r>
+              <a:rPr lang="en-US" sz="2400" b="1" dirty="0" smtClean="0">
+                <a:solidFill>
+                  <a:schemeClr val="accent6"/>
+                </a:solidFill>
+                <a:sym typeface="Arial"/>
+              </a:rPr>
+              <a:t>JPA</a:t>
+            </a:r>
+          </a:p>
+          <a:p>
+            <a:pPr lvl="1">
+              <a:spcBef>
+                <a:spcPts val="0"/>
+              </a:spcBef>
+              <a:spcAft>
+                <a:spcPts val="600"/>
+              </a:spcAft>
+              <a:buClr>
+                <a:srgbClr val="008774"/>
+              </a:buClr>
+            </a:pPr>
+            <a:r>
+              <a:rPr lang="en-US" sz="2400" b="1" dirty="0" err="1" smtClean="0">
+                <a:solidFill>
+                  <a:schemeClr val="accent6"/>
+                </a:solidFill>
+                <a:sym typeface="Arial"/>
+              </a:rPr>
+              <a:t>MongoDB</a:t>
+            </a:r>
+            <a:endParaRPr lang="en-US" sz="2400" b="1" dirty="0" smtClean="0">
+              <a:solidFill>
+                <a:schemeClr val="accent6"/>
+              </a:solidFill>
+              <a:sym typeface="Arial"/>
+            </a:endParaRPr>
+          </a:p>
+          <a:p>
+            <a:pPr lvl="1">
+              <a:spcBef>
+                <a:spcPts val="0"/>
+              </a:spcBef>
+              <a:spcAft>
+                <a:spcPts val="600"/>
+              </a:spcAft>
+              <a:buClr>
+                <a:srgbClr val="008774"/>
+              </a:buClr>
+            </a:pPr>
+            <a:r>
+              <a:rPr lang="en-US" sz="2400" b="1" dirty="0" err="1" smtClean="0">
+                <a:solidFill>
+                  <a:schemeClr val="accent6"/>
+                </a:solidFill>
+                <a:sym typeface="Arial"/>
+              </a:rPr>
+              <a:t>Redis</a:t>
+            </a:r>
+            <a:endParaRPr lang="en-US" sz="2400" b="1" dirty="0" smtClean="0">
+              <a:solidFill>
+                <a:schemeClr val="accent6"/>
+              </a:solidFill>
+              <a:sym typeface="Arial"/>
+            </a:endParaRPr>
+          </a:p>
+          <a:p>
+            <a:pPr lvl="1">
+              <a:spcBef>
+                <a:spcPts val="0"/>
+              </a:spcBef>
+              <a:spcAft>
+                <a:spcPts val="600"/>
+              </a:spcAft>
+              <a:buClr>
+                <a:srgbClr val="008774"/>
+              </a:buClr>
+            </a:pPr>
+            <a:r>
+              <a:rPr lang="en-US" sz="2400" b="1" dirty="0" err="1" smtClean="0">
+                <a:solidFill>
+                  <a:schemeClr val="accent6"/>
+                </a:solidFill>
+                <a:sym typeface="Arial"/>
+              </a:rPr>
+              <a:t>Solr</a:t>
+            </a:r>
+            <a:endParaRPr lang="en-US" sz="2400" b="1" dirty="0" smtClean="0">
+              <a:solidFill>
+                <a:schemeClr val="accent6"/>
+              </a:solidFill>
+              <a:sym typeface="Arial"/>
+            </a:endParaRPr>
+          </a:p>
+          <a:p>
+            <a:pPr lvl="1">
+              <a:spcBef>
+                <a:spcPts val="0"/>
+              </a:spcBef>
+              <a:spcAft>
+                <a:spcPts val="600"/>
+              </a:spcAft>
+              <a:buClr>
+                <a:srgbClr val="008774"/>
+              </a:buClr>
+            </a:pPr>
+            <a:r>
+              <a:rPr lang="en-US" sz="2400" b="1" dirty="0" err="1" smtClean="0">
+                <a:solidFill>
+                  <a:schemeClr val="accent6"/>
+                </a:solidFill>
+                <a:sym typeface="Arial"/>
+              </a:rPr>
+              <a:t>GemFire</a:t>
+            </a:r>
+            <a:endParaRPr lang="en-US" sz="2400" b="1" dirty="0" smtClean="0">
+              <a:solidFill>
+                <a:schemeClr val="accent6"/>
+              </a:solidFill>
+              <a:sym typeface="Arial"/>
+            </a:endParaRPr>
+          </a:p>
+          <a:p>
+            <a:pPr lvl="1">
+              <a:spcBef>
+                <a:spcPts val="0"/>
+              </a:spcBef>
+              <a:spcAft>
+                <a:spcPts val="600"/>
+              </a:spcAft>
+              <a:buClr>
+                <a:srgbClr val="008774"/>
+              </a:buClr>
+            </a:pPr>
+            <a:r>
+              <a:rPr lang="en-US" sz="2400" b="1" dirty="0" err="1" smtClean="0">
+                <a:solidFill>
+                  <a:schemeClr val="accent6"/>
+                </a:solidFill>
+                <a:sym typeface="Arial"/>
+              </a:rPr>
+              <a:t>KeyValue</a:t>
+            </a:r>
+            <a:endParaRPr lang="en-US" sz="2400" b="1" dirty="0" smtClean="0">
+              <a:solidFill>
+                <a:schemeClr val="accent6"/>
+              </a:solidFill>
+              <a:sym typeface="Arial"/>
+            </a:endParaRPr>
+          </a:p>
+        </p:txBody>
+      </p:sp>
+      <p:sp>
+        <p:nvSpPr>
+          <p:cNvPr id="4" name="Shape 196"/>
+          <p:cNvSpPr txBox="1">
+            <a:spLocks/>
+          </p:cNvSpPr>
+          <p:nvPr/>
+        </p:nvSpPr>
+        <p:spPr>
+          <a:xfrm>
+            <a:off x="3997960" y="617850"/>
+            <a:ext cx="4170680" cy="3848609"/>
+          </a:xfrm>
+          <a:prstGeom prst="rect">
+            <a:avLst/>
+          </a:prstGeom>
+        </p:spPr>
+        <p:txBody>
+          <a:bodyPr vert="horz"/>
+          <a:lstStyle>
+            <a:lvl1pPr marL="0" indent="0" algn="l" defTabSz="457200" rtl="0" eaLnBrk="1" latinLnBrk="0" hangingPunct="1">
+              <a:spcBef>
+                <a:spcPct val="20000"/>
+              </a:spcBef>
+              <a:buFont typeface="Arial"/>
+              <a:buNone/>
+              <a:defRPr sz="1800" kern="1200">
+                <a:solidFill>
+                  <a:srgbClr val="7F7F7F"/>
+                </a:solidFill>
+                <a:latin typeface="Arial"/>
+                <a:ea typeface="+mn-ea"/>
+                <a:cs typeface="Arial"/>
+              </a:defRPr>
+            </a:lvl1pPr>
+            <a:lvl2pPr marL="742950" indent="-285750" algn="l" defTabSz="457200" rtl="0" eaLnBrk="1" latinLnBrk="0" hangingPunct="1">
+              <a:spcBef>
+                <a:spcPct val="20000"/>
+              </a:spcBef>
+              <a:buFont typeface="Arial"/>
+              <a:buChar char="–"/>
+              <a:defRPr sz="2800" kern="1200">
+                <a:solidFill>
+                  <a:schemeClr val="tx1"/>
+                </a:solidFill>
+                <a:latin typeface="+mn-lt"/>
+                <a:ea typeface="+mn-ea"/>
+                <a:cs typeface="+mn-cs"/>
+              </a:defRPr>
+            </a:lvl2pPr>
+            <a:lvl3pPr marL="1143000" indent="-228600" algn="l" defTabSz="457200" rtl="0" eaLnBrk="1" latinLnBrk="0" hangingPunct="1">
+              <a:spcBef>
+                <a:spcPct val="20000"/>
+              </a:spcBef>
+              <a:buFont typeface="Arial"/>
+              <a:buChar char="•"/>
+              <a:defRPr sz="2400" kern="1200">
+                <a:solidFill>
+                  <a:schemeClr val="tx1"/>
+                </a:solidFill>
+                <a:latin typeface="+mn-lt"/>
+                <a:ea typeface="+mn-ea"/>
+                <a:cs typeface="+mn-cs"/>
+              </a:defRPr>
+            </a:lvl3pPr>
+            <a:lvl4pPr marL="1600200" indent="-228600" algn="l" defTabSz="457200" rtl="0" eaLnBrk="1" latinLnBrk="0" hangingPunct="1">
+              <a:spcBef>
+                <a:spcPct val="20000"/>
+              </a:spcBef>
+              <a:buFont typeface="Arial"/>
+              <a:buChar char="–"/>
+              <a:defRPr sz="2000" kern="1200">
+                <a:solidFill>
+                  <a:schemeClr val="tx1"/>
+                </a:solidFill>
+                <a:latin typeface="+mn-lt"/>
+                <a:ea typeface="+mn-ea"/>
+                <a:cs typeface="+mn-cs"/>
+              </a:defRPr>
+            </a:lvl4pPr>
+            <a:lvl5pPr marL="2057400" indent="-228600" algn="l" defTabSz="457200" rtl="0" eaLnBrk="1" latinLnBrk="0" hangingPunct="1">
+              <a:spcBef>
+                <a:spcPct val="20000"/>
+              </a:spcBef>
+              <a:buFont typeface="Arial"/>
+              <a:buChar char="»"/>
+              <a:defRPr sz="2000" kern="1200">
+                <a:solidFill>
+                  <a:schemeClr val="tx1"/>
+                </a:solidFill>
+                <a:latin typeface="+mn-lt"/>
+                <a:ea typeface="+mn-ea"/>
+                <a:cs typeface="+mn-cs"/>
+              </a:defRPr>
+            </a:lvl5pPr>
+            <a:lvl6pPr marL="2514600" indent="-228600" algn="l" defTabSz="457200" rtl="0" eaLnBrk="1" latinLnBrk="0" hangingPunct="1">
+              <a:spcBef>
+                <a:spcPct val="20000"/>
+              </a:spcBef>
+              <a:buFont typeface="Arial"/>
+              <a:buChar char="•"/>
+              <a:defRPr sz="2000" kern="1200">
+                <a:solidFill>
+                  <a:schemeClr val="tx1"/>
+                </a:solidFill>
+                <a:latin typeface="+mn-lt"/>
+                <a:ea typeface="+mn-ea"/>
+                <a:cs typeface="+mn-cs"/>
+              </a:defRPr>
+            </a:lvl6pPr>
+            <a:lvl7pPr marL="2971800" indent="-228600" algn="l" defTabSz="457200" rtl="0" eaLnBrk="1" latinLnBrk="0" hangingPunct="1">
+              <a:spcBef>
+                <a:spcPct val="20000"/>
+              </a:spcBef>
+              <a:buFont typeface="Arial"/>
+              <a:buChar char="•"/>
+              <a:defRPr sz="2000" kern="1200">
+                <a:solidFill>
+                  <a:schemeClr val="tx1"/>
+                </a:solidFill>
+                <a:latin typeface="+mn-lt"/>
+                <a:ea typeface="+mn-ea"/>
+                <a:cs typeface="+mn-cs"/>
+              </a:defRPr>
+            </a:lvl7pPr>
+            <a:lvl8pPr marL="3429000" indent="-228600" algn="l" defTabSz="457200" rtl="0" eaLnBrk="1" latinLnBrk="0" hangingPunct="1">
+              <a:spcBef>
+                <a:spcPct val="20000"/>
+              </a:spcBef>
+              <a:buFont typeface="Arial"/>
+              <a:buChar char="•"/>
+              <a:defRPr sz="2000" kern="1200">
+                <a:solidFill>
+                  <a:schemeClr val="tx1"/>
+                </a:solidFill>
+                <a:latin typeface="+mn-lt"/>
+                <a:ea typeface="+mn-ea"/>
+                <a:cs typeface="+mn-cs"/>
+              </a:defRPr>
+            </a:lvl8pPr>
+            <a:lvl9pPr marL="3886200" indent="-228600" algn="l" defTabSz="457200" rtl="0" eaLnBrk="1" latinLnBrk="0" hangingPunct="1">
+              <a:spcBef>
+                <a:spcPct val="20000"/>
+              </a:spcBef>
+              <a:buFont typeface="Arial"/>
+              <a:buChar char="•"/>
+              <a:defRPr sz="2000" kern="1200">
+                <a:solidFill>
+                  <a:schemeClr val="tx1"/>
+                </a:solidFill>
+                <a:latin typeface="+mn-lt"/>
+                <a:ea typeface="+mn-ea"/>
+                <a:cs typeface="+mn-cs"/>
+              </a:defRPr>
+            </a:lvl9pPr>
+          </a:lstStyle>
+          <a:p>
+            <a:pPr>
+              <a:lnSpc>
+                <a:spcPct val="200000"/>
+              </a:lnSpc>
+              <a:spcBef>
+                <a:spcPts val="624"/>
+              </a:spcBef>
+              <a:spcAft>
+                <a:spcPts val="600"/>
+              </a:spcAft>
+              <a:buClr>
+                <a:srgbClr val="008774"/>
+              </a:buClr>
+            </a:pPr>
+            <a:r>
+              <a:rPr lang="en-US" sz="2800" b="1" dirty="0" smtClean="0">
+                <a:solidFill>
+                  <a:schemeClr val="accent6"/>
+                </a:solidFill>
+                <a:sym typeface="Arial"/>
+              </a:rPr>
+              <a:t>Community</a:t>
+            </a:r>
+          </a:p>
+          <a:p>
+            <a:pPr lvl="1">
+              <a:spcBef>
+                <a:spcPts val="0"/>
+              </a:spcBef>
+              <a:spcAft>
+                <a:spcPts val="600"/>
+              </a:spcAft>
+              <a:buClr>
+                <a:srgbClr val="008774"/>
+              </a:buClr>
+            </a:pPr>
+            <a:r>
+              <a:rPr lang="en-US" sz="2400" b="1" dirty="0" err="1" smtClean="0">
+                <a:solidFill>
+                  <a:schemeClr val="accent6"/>
+                </a:solidFill>
+                <a:sym typeface="Arial"/>
+              </a:rPr>
+              <a:t>Aerospike</a:t>
+            </a:r>
+            <a:endParaRPr lang="en-US" sz="2400" b="1" dirty="0" smtClean="0">
+              <a:solidFill>
+                <a:schemeClr val="accent6"/>
+              </a:solidFill>
+              <a:sym typeface="Arial"/>
+            </a:endParaRPr>
+          </a:p>
+          <a:p>
+            <a:pPr lvl="1">
+              <a:spcBef>
+                <a:spcPts val="0"/>
+              </a:spcBef>
+              <a:spcAft>
+                <a:spcPts val="600"/>
+              </a:spcAft>
+              <a:buClr>
+                <a:srgbClr val="008774"/>
+              </a:buClr>
+            </a:pPr>
+            <a:r>
+              <a:rPr lang="en-US" sz="2400" b="1" dirty="0" smtClean="0">
+                <a:solidFill>
+                  <a:schemeClr val="accent6"/>
+                </a:solidFill>
+                <a:sym typeface="Arial"/>
+              </a:rPr>
+              <a:t>Cassandra</a:t>
+            </a:r>
+          </a:p>
+          <a:p>
+            <a:pPr lvl="1">
+              <a:spcBef>
+                <a:spcPts val="0"/>
+              </a:spcBef>
+              <a:spcAft>
+                <a:spcPts val="600"/>
+              </a:spcAft>
+              <a:buClr>
+                <a:srgbClr val="008774"/>
+              </a:buClr>
+            </a:pPr>
+            <a:r>
+              <a:rPr lang="en-US" sz="2400" b="1" dirty="0" err="1" smtClean="0">
+                <a:solidFill>
+                  <a:schemeClr val="accent6"/>
+                </a:solidFill>
+                <a:sym typeface="Arial"/>
+              </a:rPr>
+              <a:t>Couchbase</a:t>
+            </a:r>
+            <a:endParaRPr lang="en-US" sz="2400" b="1" dirty="0" smtClean="0">
+              <a:solidFill>
+                <a:schemeClr val="accent6"/>
+              </a:solidFill>
+              <a:sym typeface="Arial"/>
+            </a:endParaRPr>
+          </a:p>
+          <a:p>
+            <a:pPr lvl="1">
+              <a:spcBef>
+                <a:spcPts val="0"/>
+              </a:spcBef>
+              <a:spcAft>
+                <a:spcPts val="600"/>
+              </a:spcAft>
+              <a:buClr>
+                <a:srgbClr val="008774"/>
+              </a:buClr>
+            </a:pPr>
+            <a:r>
+              <a:rPr lang="en-US" sz="2400" b="1" dirty="0" err="1" smtClean="0">
+                <a:solidFill>
+                  <a:schemeClr val="accent6"/>
+                </a:solidFill>
+                <a:sym typeface="Arial"/>
+              </a:rPr>
+              <a:t>DynamoDB</a:t>
+            </a:r>
+            <a:endParaRPr lang="en-US" sz="2400" b="1" dirty="0" smtClean="0">
+              <a:solidFill>
+                <a:schemeClr val="accent6"/>
+              </a:solidFill>
+              <a:sym typeface="Arial"/>
+            </a:endParaRPr>
+          </a:p>
+          <a:p>
+            <a:pPr lvl="1">
+              <a:spcBef>
+                <a:spcPts val="0"/>
+              </a:spcBef>
+              <a:spcAft>
+                <a:spcPts val="600"/>
+              </a:spcAft>
+              <a:buClr>
+                <a:srgbClr val="008774"/>
+              </a:buClr>
+            </a:pPr>
+            <a:r>
+              <a:rPr lang="en-US" sz="2400" b="1" dirty="0" err="1" smtClean="0">
+                <a:solidFill>
+                  <a:schemeClr val="accent6"/>
+                </a:solidFill>
+                <a:sym typeface="Arial"/>
+              </a:rPr>
+              <a:t>ElasticSearch</a:t>
+            </a:r>
+            <a:endParaRPr lang="en-US" sz="2400" b="1" dirty="0" smtClean="0">
+              <a:solidFill>
+                <a:schemeClr val="accent6"/>
+              </a:solidFill>
+              <a:sym typeface="Arial"/>
+            </a:endParaRPr>
+          </a:p>
+          <a:p>
+            <a:pPr lvl="1">
+              <a:spcBef>
+                <a:spcPts val="0"/>
+              </a:spcBef>
+              <a:spcAft>
+                <a:spcPts val="600"/>
+              </a:spcAft>
+              <a:buClr>
+                <a:srgbClr val="008774"/>
+              </a:buClr>
+            </a:pPr>
+            <a:r>
+              <a:rPr lang="en-US" sz="2400" b="1" dirty="0" smtClean="0">
+                <a:solidFill>
+                  <a:schemeClr val="accent6"/>
+                </a:solidFill>
+                <a:sym typeface="Arial"/>
+              </a:rPr>
+              <a:t>Neo4J</a:t>
+            </a:r>
+            <a:endParaRPr lang="en-US" sz="2400" b="1" dirty="0" smtClean="0">
+              <a:solidFill>
+                <a:schemeClr val="accent6"/>
+              </a:solidFill>
+              <a:sym typeface="Arial"/>
+            </a:endParaRPr>
+          </a:p>
+        </p:txBody>
+      </p:sp>
+    </p:spTree>
+    <p:extLst>
+      <p:ext uri="{BB962C8B-B14F-4D97-AF65-F5344CB8AC3E}">
+        <p14:creationId xmlns:p14="http://schemas.microsoft.com/office/powerpoint/2010/main" val="4023344842"/>
+      </p:ext>
+    </p:extLst>
+  </p:cSld>
+  <p:clrMapOvr>
+    <a:masterClrMapping/>
+  </p:clrMapOvr>
+  <p:transition xmlns:p14="http://schemas.microsoft.com/office/powerpoint/2010/main">
+    <p:fade/>
+  </p:transition>
+  <p:timing>
+    <p:tnLst>
+      <p:par>
+        <p:cTn xmlns:p14="http://schemas.microsoft.com/office/powerpoint/2010/main" id="1" dur="indefinite" restart="never" nodeType="tmRoot"/>
+      </p:par>
+    </p:tnLst>
+  </p:timing>
+</p:sld>
+</file>
+
+<file path=ppt/slides/slide5.xml><?xml version="1.0" encoding="utf-8"?>
+<p:sld xmlns:a="http://schemas.openxmlformats.org/drawingml/2006/main" xmlns:r="http://schemas.openxmlformats.org/officeDocument/2006/relationships" xmlns:p="http://schemas.openxmlformats.org/presentationml/2006/main">
+  <p:cSld>
+    <p:spTree>
+      <p:nvGrpSpPr>
+        <p:cNvPr id="1" name="Shape 194"/>
+        <p:cNvGrpSpPr/>
+        <p:nvPr/>
+      </p:nvGrpSpPr>
+      <p:grpSpPr>
+        <a:xfrm>
+          <a:off x="0" y="0"/>
+          <a:ext cx="0" cy="0"/>
+          <a:chOff x="0" y="0"/>
+          <a:chExt cx="0" cy="0"/>
+        </a:xfrm>
+      </p:grpSpPr>
+      <p:sp>
+        <p:nvSpPr>
+          <p:cNvPr id="195" name="Shape 195"/>
+          <p:cNvSpPr txBox="1">
+            <a:spLocks noGrp="1"/>
+          </p:cNvSpPr>
+          <p:nvPr>
+            <p:ph type="title"/>
+          </p:nvPr>
+        </p:nvSpPr>
+        <p:spPr/>
+        <p:txBody>
+          <a:bodyPr/>
+          <a:lstStyle/>
+          <a:p>
+            <a:pPr lvl="0"/>
+            <a:r>
+              <a:rPr lang="en-US" sz="3200" b="0" dirty="0" smtClean="0">
+                <a:solidFill>
+                  <a:schemeClr val="accent1"/>
+                </a:solidFill>
+                <a:sym typeface="Arial"/>
+              </a:rPr>
+              <a:t>Import the Required Dependency</a:t>
+            </a:r>
+            <a:endParaRPr lang="en-US" sz="3200" b="0" dirty="0">
+              <a:solidFill>
+                <a:schemeClr val="accent1"/>
+              </a:solidFill>
+              <a:sym typeface="Arial"/>
+            </a:endParaRPr>
+          </a:p>
+        </p:txBody>
+      </p:sp>
+      <p:sp>
+        <p:nvSpPr>
+          <p:cNvPr id="196" name="Shape 196"/>
+          <p:cNvSpPr txBox="1">
+            <a:spLocks noGrp="1"/>
+          </p:cNvSpPr>
+          <p:nvPr>
+            <p:ph type="body" sz="quarter" idx="13"/>
+          </p:nvPr>
+        </p:nvSpPr>
+        <p:spPr>
+          <a:xfrm>
+            <a:off x="431800" y="624363"/>
+            <a:ext cx="8551408" cy="1509238"/>
+          </a:xfrm>
+        </p:spPr>
+        <p:txBody>
+          <a:bodyPr/>
+          <a:lstStyle/>
           <a:p>
             <a:pPr marL="514350" lvl="0" indent="-514350">
               <a:buClr>
@@ -7149,16 +12092,1790 @@
               <a:buFont typeface="+mj-lt"/>
               <a:buAutoNum type="arabicPeriod"/>
             </a:pPr>
-            <a:r>
-              <a:rPr lang="en-US" sz="2800" dirty="0" smtClean="0">
+            <a:endParaRPr lang="en-US" sz="2800" dirty="0" smtClean="0">
+              <a:solidFill>
+                <a:schemeClr val="accent6"/>
+              </a:solidFill>
+              <a:sym typeface="Arial"/>
+            </a:endParaRPr>
+          </a:p>
+          <a:p>
+            <a:pPr lvl="0">
+              <a:spcAft>
+                <a:spcPts val="1800"/>
+              </a:spcAft>
+              <a:buClr>
+                <a:srgbClr val="008774"/>
+              </a:buClr>
+            </a:pPr>
+            <a:r>
+              <a:rPr lang="en-US" sz="2800" b="1" dirty="0" smtClean="0">
                 <a:solidFill>
                   <a:schemeClr val="accent6"/>
                 </a:solidFill>
                 <a:sym typeface="Arial"/>
               </a:rPr>
-              <a:t>TBD</a:t>
-            </a:r>
-          </a:p>
+              <a:t>Add the JPA starter to the </a:t>
+            </a:r>
+            <a:r>
+              <a:rPr lang="en-US" sz="2800" b="1" dirty="0" err="1" smtClean="0">
+                <a:solidFill>
+                  <a:schemeClr val="accent6"/>
+                </a:solidFill>
+                <a:sym typeface="Arial"/>
+              </a:rPr>
+              <a:t>pom.xml</a:t>
+            </a:r>
+            <a:endParaRPr lang="en-US" sz="2800" b="1" dirty="0" smtClean="0">
+              <a:solidFill>
+                <a:schemeClr val="accent6"/>
+              </a:solidFill>
+              <a:sym typeface="Arial"/>
+            </a:endParaRPr>
+          </a:p>
+        </p:txBody>
+      </p:sp>
+      <p:sp>
+        <p:nvSpPr>
+          <p:cNvPr id="4" name="Rectangle 3"/>
+          <p:cNvSpPr/>
+          <p:nvPr/>
+        </p:nvSpPr>
+        <p:spPr>
+          <a:xfrm>
+            <a:off x="975360" y="2133601"/>
+            <a:ext cx="4551680" cy="1463040"/>
+          </a:xfrm>
+          <a:prstGeom prst="rect">
+            <a:avLst/>
+          </a:prstGeom>
+          <a:solidFill>
+            <a:srgbClr val="162128"/>
+          </a:solidFill>
+          <a:ln>
+            <a:solidFill>
+              <a:srgbClr val="FFFFCC"/>
+            </a:solidFill>
+            <a:prstDash val="dash"/>
+          </a:ln>
+        </p:spPr>
+        <p:style>
+          <a:lnRef idx="1">
+            <a:schemeClr val="accent1"/>
+          </a:lnRef>
+          <a:fillRef idx="3">
+            <a:schemeClr val="accent1"/>
+          </a:fillRef>
+          <a:effectRef idx="2">
+            <a:schemeClr val="accent1"/>
+          </a:effectRef>
+          <a:fontRef idx="minor">
+            <a:schemeClr val="lt1"/>
+          </a:fontRef>
+        </p:style>
+        <p:txBody>
+          <a:bodyPr rtlCol="0" anchor="ctr"/>
+          <a:lstStyle/>
+          <a:p>
+            <a:pPr>
+              <a:buClr>
+                <a:srgbClr val="008774"/>
+              </a:buClr>
+            </a:pPr>
+            <a:r>
+              <a:rPr lang="en-US" sz="1200" b="1" dirty="0" smtClean="0">
+                <a:solidFill>
+                  <a:schemeClr val="bg1">
+                    <a:lumMod val="85000"/>
+                  </a:schemeClr>
+                </a:solidFill>
+                <a:sym typeface="Arial"/>
+              </a:rPr>
+              <a:t>&lt;dependency&gt;</a:t>
+            </a:r>
+          </a:p>
+          <a:p>
+            <a:pPr>
+              <a:buClr>
+                <a:srgbClr val="008774"/>
+              </a:buClr>
+            </a:pPr>
+            <a:r>
+              <a:rPr lang="en-US" sz="1200" b="1" dirty="0">
+                <a:solidFill>
+                  <a:schemeClr val="bg1">
+                    <a:lumMod val="85000"/>
+                  </a:schemeClr>
+                </a:solidFill>
+                <a:sym typeface="Arial"/>
+              </a:rPr>
+              <a:t>	</a:t>
+            </a:r>
+            <a:r>
+              <a:rPr lang="en-US" sz="1200" b="1" dirty="0" smtClean="0">
+                <a:solidFill>
+                  <a:schemeClr val="bg1">
+                    <a:lumMod val="85000"/>
+                  </a:schemeClr>
+                </a:solidFill>
+                <a:sym typeface="Arial"/>
+              </a:rPr>
+              <a:t>&lt;</a:t>
+            </a:r>
+            <a:r>
+              <a:rPr lang="en-US" sz="1200" b="1" dirty="0" err="1" smtClean="0">
+                <a:solidFill>
+                  <a:schemeClr val="bg1">
+                    <a:lumMod val="85000"/>
+                  </a:schemeClr>
+                </a:solidFill>
+                <a:sym typeface="Arial"/>
+              </a:rPr>
+              <a:t>groupId</a:t>
+            </a:r>
+            <a:r>
+              <a:rPr lang="en-US" sz="1200" b="1" dirty="0" smtClean="0">
+                <a:solidFill>
+                  <a:schemeClr val="bg1">
+                    <a:lumMod val="85000"/>
+                  </a:schemeClr>
+                </a:solidFill>
+                <a:sym typeface="Arial"/>
+              </a:rPr>
+              <a:t>&gt;</a:t>
+            </a:r>
+            <a:r>
+              <a:rPr lang="en-US" sz="1200" b="1" dirty="0" err="1" smtClean="0">
+                <a:solidFill>
+                  <a:schemeClr val="bg1">
+                    <a:lumMod val="85000"/>
+                  </a:schemeClr>
+                </a:solidFill>
+                <a:sym typeface="Arial"/>
+              </a:rPr>
+              <a:t>org.springframework.boot</a:t>
+            </a:r>
+            <a:r>
+              <a:rPr lang="en-US" sz="1200" b="1" dirty="0" smtClean="0">
+                <a:solidFill>
+                  <a:schemeClr val="bg1">
+                    <a:lumMod val="85000"/>
+                  </a:schemeClr>
+                </a:solidFill>
+                <a:sym typeface="Arial"/>
+              </a:rPr>
+              <a:t>&lt;/</a:t>
+            </a:r>
+            <a:r>
+              <a:rPr lang="en-US" sz="1200" b="1" dirty="0" err="1" smtClean="0">
+                <a:solidFill>
+                  <a:schemeClr val="bg1">
+                    <a:lumMod val="85000"/>
+                  </a:schemeClr>
+                </a:solidFill>
+                <a:sym typeface="Arial"/>
+              </a:rPr>
+              <a:t>groupId</a:t>
+            </a:r>
+            <a:r>
+              <a:rPr lang="en-US" sz="1200" b="1" dirty="0" smtClean="0">
+                <a:solidFill>
+                  <a:schemeClr val="bg1">
+                    <a:lumMod val="85000"/>
+                  </a:schemeClr>
+                </a:solidFill>
+                <a:sym typeface="Arial"/>
+              </a:rPr>
+              <a:t>&gt;</a:t>
+            </a:r>
+          </a:p>
+          <a:p>
+            <a:pPr>
+              <a:buClr>
+                <a:srgbClr val="008774"/>
+              </a:buClr>
+            </a:pPr>
+            <a:r>
+              <a:rPr lang="en-US" sz="1200" b="1" dirty="0">
+                <a:solidFill>
+                  <a:schemeClr val="bg1">
+                    <a:lumMod val="85000"/>
+                  </a:schemeClr>
+                </a:solidFill>
+                <a:sym typeface="Arial"/>
+              </a:rPr>
+              <a:t>	</a:t>
+            </a:r>
+            <a:r>
+              <a:rPr lang="en-US" sz="1200" b="1" dirty="0" smtClean="0">
+                <a:solidFill>
+                  <a:schemeClr val="bg1">
+                    <a:lumMod val="85000"/>
+                  </a:schemeClr>
+                </a:solidFill>
+                <a:sym typeface="Arial"/>
+              </a:rPr>
+              <a:t>&lt;</a:t>
+            </a:r>
+            <a:r>
+              <a:rPr lang="en-US" sz="1200" b="1" dirty="0" err="1" smtClean="0">
+                <a:solidFill>
+                  <a:schemeClr val="bg1">
+                    <a:lumMod val="85000"/>
+                  </a:schemeClr>
+                </a:solidFill>
+                <a:sym typeface="Arial"/>
+              </a:rPr>
+              <a:t>artifactId</a:t>
+            </a:r>
+            <a:r>
+              <a:rPr lang="en-US" sz="1200" b="1" dirty="0" smtClean="0">
+                <a:solidFill>
+                  <a:schemeClr val="bg1">
+                    <a:lumMod val="85000"/>
+                  </a:schemeClr>
+                </a:solidFill>
+                <a:sym typeface="Arial"/>
+              </a:rPr>
+              <a:t>&gt;spring-boot-starter-data-</a:t>
+            </a:r>
+            <a:r>
+              <a:rPr lang="en-US" sz="1200" b="1" dirty="0" err="1" smtClean="0">
+                <a:solidFill>
+                  <a:schemeClr val="bg1">
+                    <a:lumMod val="85000"/>
+                  </a:schemeClr>
+                </a:solidFill>
+                <a:sym typeface="Arial"/>
+              </a:rPr>
+              <a:t>jpa</a:t>
+            </a:r>
+            <a:r>
+              <a:rPr lang="en-US" sz="1200" b="1" dirty="0" smtClean="0">
+                <a:solidFill>
+                  <a:schemeClr val="bg1">
+                    <a:lumMod val="85000"/>
+                  </a:schemeClr>
+                </a:solidFill>
+                <a:sym typeface="Arial"/>
+              </a:rPr>
+              <a:t>&lt;/</a:t>
+            </a:r>
+            <a:r>
+              <a:rPr lang="en-US" sz="1200" b="1" dirty="0" err="1" smtClean="0">
+                <a:solidFill>
+                  <a:schemeClr val="bg1">
+                    <a:lumMod val="85000"/>
+                  </a:schemeClr>
+                </a:solidFill>
+                <a:sym typeface="Arial"/>
+              </a:rPr>
+              <a:t>artifactId</a:t>
+            </a:r>
+            <a:r>
+              <a:rPr lang="en-US" sz="1200" b="1" dirty="0" smtClean="0">
+                <a:solidFill>
+                  <a:schemeClr val="bg1">
+                    <a:lumMod val="85000"/>
+                  </a:schemeClr>
+                </a:solidFill>
+                <a:sym typeface="Arial"/>
+              </a:rPr>
+              <a:t>&gt;</a:t>
+            </a:r>
+          </a:p>
+          <a:p>
+            <a:pPr>
+              <a:buClr>
+                <a:srgbClr val="008774"/>
+              </a:buClr>
+            </a:pPr>
+            <a:r>
+              <a:rPr lang="en-US" sz="1200" b="1" dirty="0" smtClean="0">
+                <a:solidFill>
+                  <a:schemeClr val="bg1">
+                    <a:lumMod val="85000"/>
+                  </a:schemeClr>
+                </a:solidFill>
+                <a:sym typeface="Arial"/>
+              </a:rPr>
+              <a:t>&lt;/dependency&gt;</a:t>
+            </a:r>
+            <a:endParaRPr lang="en-US" sz="1200" b="1" dirty="0">
+              <a:solidFill>
+                <a:schemeClr val="bg1">
+                  <a:lumMod val="85000"/>
+                </a:schemeClr>
+              </a:solidFill>
+              <a:sym typeface="Arial"/>
+            </a:endParaRPr>
+          </a:p>
+        </p:txBody>
+      </p:sp>
+    </p:spTree>
+    <p:extLst>
+      <p:ext uri="{BB962C8B-B14F-4D97-AF65-F5344CB8AC3E}">
+        <p14:creationId xmlns:p14="http://schemas.microsoft.com/office/powerpoint/2010/main" val="4118821281"/>
+      </p:ext>
+    </p:extLst>
+  </p:cSld>
+  <p:clrMapOvr>
+    <a:masterClrMapping/>
+  </p:clrMapOvr>
+  <p:transition xmlns:p14="http://schemas.microsoft.com/office/powerpoint/2010/main">
+    <p:fade/>
+  </p:transition>
+  <p:timing>
+    <p:tnLst>
+      <p:par>
+        <p:cTn xmlns:p14="http://schemas.microsoft.com/office/powerpoint/2010/main" id="1" dur="indefinite" restart="never" nodeType="tmRoot"/>
+      </p:par>
+    </p:tnLst>
+  </p:timing>
+</p:sld>
+</file>
+
+<file path=ppt/slides/slide6.xml><?xml version="1.0" encoding="utf-8"?>
+<p:sld xmlns:a="http://schemas.openxmlformats.org/drawingml/2006/main" xmlns:r="http://schemas.openxmlformats.org/officeDocument/2006/relationships" xmlns:p="http://schemas.openxmlformats.org/presentationml/2006/main">
+  <p:cSld>
+    <p:spTree>
+      <p:nvGrpSpPr>
+        <p:cNvPr id="1" name="Shape 194"/>
+        <p:cNvGrpSpPr/>
+        <p:nvPr/>
+      </p:nvGrpSpPr>
+      <p:grpSpPr>
+        <a:xfrm>
+          <a:off x="0" y="0"/>
+          <a:ext cx="0" cy="0"/>
+          <a:chOff x="0" y="0"/>
+          <a:chExt cx="0" cy="0"/>
+        </a:xfrm>
+      </p:grpSpPr>
+      <p:sp>
+        <p:nvSpPr>
+          <p:cNvPr id="195" name="Shape 195"/>
+          <p:cNvSpPr txBox="1">
+            <a:spLocks noGrp="1"/>
+          </p:cNvSpPr>
+          <p:nvPr>
+            <p:ph type="title"/>
+          </p:nvPr>
+        </p:nvSpPr>
+        <p:spPr/>
+        <p:txBody>
+          <a:bodyPr/>
+          <a:lstStyle/>
+          <a:p>
+            <a:pPr lvl="0"/>
+            <a:r>
+              <a:rPr lang="en-US" sz="3200" b="0" dirty="0" smtClean="0">
+                <a:solidFill>
+                  <a:schemeClr val="accent1"/>
+                </a:solidFill>
+                <a:sym typeface="Arial"/>
+              </a:rPr>
+              <a:t>Repositories</a:t>
+            </a:r>
+            <a:endParaRPr lang="en-US" sz="3200" b="0" dirty="0">
+              <a:solidFill>
+                <a:schemeClr val="accent1"/>
+              </a:solidFill>
+              <a:sym typeface="Arial"/>
+            </a:endParaRPr>
+          </a:p>
+        </p:txBody>
+      </p:sp>
+      <p:sp>
+        <p:nvSpPr>
+          <p:cNvPr id="196" name="Shape 196"/>
+          <p:cNvSpPr txBox="1">
+            <a:spLocks noGrp="1"/>
+          </p:cNvSpPr>
+          <p:nvPr>
+            <p:ph type="body" sz="quarter" idx="13"/>
+          </p:nvPr>
+        </p:nvSpPr>
+        <p:spPr>
+          <a:xfrm>
+            <a:off x="431800" y="740725"/>
+            <a:ext cx="8551408" cy="1509238"/>
+          </a:xfrm>
+        </p:spPr>
+        <p:txBody>
+          <a:bodyPr/>
+          <a:lstStyle/>
+          <a:p>
+            <a:pPr lvl="0">
+              <a:spcBef>
+                <a:spcPts val="1272"/>
+              </a:spcBef>
+              <a:buClr>
+                <a:srgbClr val="008774"/>
+              </a:buClr>
+            </a:pPr>
+            <a:r>
+              <a:rPr lang="en-US" sz="2400" b="1" dirty="0" smtClean="0">
+                <a:solidFill>
+                  <a:schemeClr val="accent6"/>
+                </a:solidFill>
+                <a:sym typeface="Arial"/>
+              </a:rPr>
+              <a:t>Tired of creating / maintaining boilerplate code</a:t>
+            </a:r>
+          </a:p>
+          <a:p>
+            <a:pPr lvl="0">
+              <a:buClr>
+                <a:srgbClr val="008774"/>
+              </a:buClr>
+            </a:pPr>
+            <a:r>
+              <a:rPr lang="en-US" sz="2400" b="1" dirty="0" smtClean="0">
+                <a:solidFill>
+                  <a:schemeClr val="accent6"/>
+                </a:solidFill>
+                <a:sym typeface="Arial"/>
+              </a:rPr>
+              <a:t>Use Spring Repositories</a:t>
+            </a:r>
+          </a:p>
+          <a:p>
+            <a:pPr lvl="0">
+              <a:buClr>
+                <a:srgbClr val="008774"/>
+              </a:buClr>
+            </a:pPr>
+            <a:r>
+              <a:rPr lang="en-US" sz="2400" b="1" dirty="0" smtClean="0">
+                <a:solidFill>
+                  <a:schemeClr val="accent6"/>
+                </a:solidFill>
+                <a:sym typeface="Arial"/>
+              </a:rPr>
+              <a:t>CRUD support added with no implementation required</a:t>
+            </a:r>
+          </a:p>
+        </p:txBody>
+      </p:sp>
+      <p:sp>
+        <p:nvSpPr>
+          <p:cNvPr id="5" name="Rectangle 4"/>
+          <p:cNvSpPr/>
+          <p:nvPr/>
+        </p:nvSpPr>
+        <p:spPr>
+          <a:xfrm>
+            <a:off x="772160" y="2133600"/>
+            <a:ext cx="6360160" cy="2905760"/>
+          </a:xfrm>
+          <a:prstGeom prst="rect">
+            <a:avLst/>
+          </a:prstGeom>
+          <a:solidFill>
+            <a:srgbClr val="162128"/>
+          </a:solidFill>
+          <a:ln>
+            <a:solidFill>
+              <a:srgbClr val="FFFFCC"/>
+            </a:solidFill>
+            <a:prstDash val="dash"/>
+          </a:ln>
+        </p:spPr>
+        <p:style>
+          <a:lnRef idx="1">
+            <a:schemeClr val="accent1"/>
+          </a:lnRef>
+          <a:fillRef idx="3">
+            <a:schemeClr val="accent1"/>
+          </a:fillRef>
+          <a:effectRef idx="2">
+            <a:schemeClr val="accent1"/>
+          </a:effectRef>
+          <a:fontRef idx="minor">
+            <a:schemeClr val="lt1"/>
+          </a:fontRef>
+        </p:style>
+        <p:txBody>
+          <a:bodyPr rtlCol="0" anchor="ctr"/>
+          <a:lstStyle/>
+          <a:p>
+            <a:pPr>
+              <a:buClr>
+                <a:srgbClr val="008774"/>
+              </a:buClr>
+            </a:pPr>
+            <a:r>
+              <a:rPr lang="en-US" sz="1200" b="1" dirty="0" smtClean="0">
+                <a:solidFill>
+                  <a:schemeClr val="accent2">
+                    <a:lumMod val="75000"/>
+                  </a:schemeClr>
+                </a:solidFill>
+                <a:sym typeface="Arial"/>
+              </a:rPr>
+              <a:t>public interface </a:t>
+            </a:r>
+            <a:r>
+              <a:rPr lang="en-US" sz="1200" b="1" dirty="0" err="1" smtClean="0">
+                <a:solidFill>
+                  <a:schemeClr val="bg1">
+                    <a:lumMod val="85000"/>
+                  </a:schemeClr>
+                </a:solidFill>
+                <a:sym typeface="Arial"/>
+              </a:rPr>
+              <a:t>CrudRepository</a:t>
+            </a:r>
+            <a:r>
+              <a:rPr lang="en-US" sz="1200" b="1" dirty="0" smtClean="0">
+                <a:solidFill>
+                  <a:schemeClr val="bg1">
+                    <a:lumMod val="85000"/>
+                  </a:schemeClr>
+                </a:solidFill>
+                <a:sym typeface="Arial"/>
+              </a:rPr>
+              <a:t>&lt;T, ID extends </a:t>
+            </a:r>
+            <a:r>
+              <a:rPr lang="en-US" sz="1200" b="1" dirty="0" err="1" smtClean="0">
+                <a:solidFill>
+                  <a:schemeClr val="bg1">
+                    <a:lumMod val="85000"/>
+                  </a:schemeClr>
+                </a:solidFill>
+                <a:sym typeface="Arial"/>
+              </a:rPr>
+              <a:t>Serializable</a:t>
+            </a:r>
+            <a:r>
+              <a:rPr lang="en-US" sz="1200" b="1" dirty="0" smtClean="0">
+                <a:solidFill>
+                  <a:schemeClr val="bg1">
+                    <a:lumMod val="85000"/>
+                  </a:schemeClr>
+                </a:solidFill>
+                <a:sym typeface="Arial"/>
+              </a:rPr>
+              <a:t>&gt; extends Repository&lt;T, ID&gt; {</a:t>
+            </a:r>
+            <a:endParaRPr lang="en-US" sz="1200" b="1" dirty="0">
+              <a:solidFill>
+                <a:schemeClr val="bg1">
+                  <a:lumMod val="85000"/>
+                </a:schemeClr>
+              </a:solidFill>
+              <a:sym typeface="Arial"/>
+            </a:endParaRPr>
+          </a:p>
+          <a:p>
+            <a:pPr>
+              <a:buClr>
+                <a:srgbClr val="008774"/>
+              </a:buClr>
+            </a:pPr>
+            <a:endParaRPr lang="en-US" sz="1200" b="1" dirty="0">
+              <a:solidFill>
+                <a:schemeClr val="bg1">
+                  <a:lumMod val="85000"/>
+                </a:schemeClr>
+              </a:solidFill>
+              <a:sym typeface="Arial"/>
+            </a:endParaRPr>
+          </a:p>
+          <a:p>
+            <a:pPr>
+              <a:buClr>
+                <a:srgbClr val="008774"/>
+              </a:buClr>
+            </a:pPr>
+            <a:r>
+              <a:rPr lang="en-US" sz="1200" b="1" dirty="0" smtClean="0">
+                <a:solidFill>
+                  <a:schemeClr val="bg1">
+                    <a:lumMod val="85000"/>
+                  </a:schemeClr>
+                </a:solidFill>
+                <a:sym typeface="Arial"/>
+              </a:rPr>
+              <a:t>	// Saves the given entity</a:t>
+            </a:r>
+          </a:p>
+          <a:p>
+            <a:pPr>
+              <a:buClr>
+                <a:srgbClr val="008774"/>
+              </a:buClr>
+            </a:pPr>
+            <a:r>
+              <a:rPr lang="en-US" sz="1200" b="1" dirty="0">
+                <a:solidFill>
+                  <a:schemeClr val="bg1">
+                    <a:lumMod val="85000"/>
+                  </a:schemeClr>
+                </a:solidFill>
+                <a:sym typeface="Arial"/>
+              </a:rPr>
+              <a:t>	</a:t>
+            </a:r>
+            <a:r>
+              <a:rPr lang="en-US" sz="1200" b="1" dirty="0" smtClean="0">
+                <a:solidFill>
+                  <a:schemeClr val="bg1">
+                    <a:lumMod val="85000"/>
+                  </a:schemeClr>
+                </a:solidFill>
+                <a:sym typeface="Arial"/>
+              </a:rPr>
+              <a:t>&lt;S extends T&gt; S save(S entity);</a:t>
+            </a:r>
+          </a:p>
+          <a:p>
+            <a:pPr>
+              <a:buClr>
+                <a:srgbClr val="008774"/>
+              </a:buClr>
+            </a:pPr>
+            <a:endParaRPr lang="en-US" sz="1200" b="1" dirty="0">
+              <a:solidFill>
+                <a:schemeClr val="bg1">
+                  <a:lumMod val="85000"/>
+                </a:schemeClr>
+              </a:solidFill>
+              <a:sym typeface="Arial"/>
+            </a:endParaRPr>
+          </a:p>
+          <a:p>
+            <a:pPr>
+              <a:buClr>
+                <a:srgbClr val="008774"/>
+              </a:buClr>
+            </a:pPr>
+            <a:r>
+              <a:rPr lang="en-US" sz="1200" b="1" dirty="0" smtClean="0">
+                <a:solidFill>
+                  <a:schemeClr val="bg1">
+                    <a:lumMod val="85000"/>
+                  </a:schemeClr>
+                </a:solidFill>
+                <a:sym typeface="Arial"/>
+              </a:rPr>
+              <a:t>	// returns the entity identified by the given id</a:t>
+            </a:r>
+          </a:p>
+          <a:p>
+            <a:pPr>
+              <a:buClr>
+                <a:srgbClr val="008774"/>
+              </a:buClr>
+            </a:pPr>
+            <a:r>
+              <a:rPr lang="en-US" sz="1200" b="1" dirty="0">
+                <a:solidFill>
+                  <a:schemeClr val="bg1">
+                    <a:lumMod val="85000"/>
+                  </a:schemeClr>
+                </a:solidFill>
+                <a:sym typeface="Arial"/>
+              </a:rPr>
+              <a:t>	</a:t>
+            </a:r>
+            <a:r>
+              <a:rPr lang="en-US" sz="1200" b="1" dirty="0" smtClean="0">
+                <a:solidFill>
+                  <a:schemeClr val="bg1">
+                    <a:lumMod val="85000"/>
+                  </a:schemeClr>
+                </a:solidFill>
+                <a:sym typeface="Arial"/>
+              </a:rPr>
+              <a:t>T </a:t>
+            </a:r>
+            <a:r>
+              <a:rPr lang="en-US" sz="1200" b="1" dirty="0" err="1" smtClean="0">
+                <a:solidFill>
+                  <a:schemeClr val="bg1">
+                    <a:lumMod val="85000"/>
+                  </a:schemeClr>
+                </a:solidFill>
+                <a:sym typeface="Arial"/>
+              </a:rPr>
+              <a:t>findOne</a:t>
+            </a:r>
+            <a:r>
+              <a:rPr lang="en-US" sz="1200" b="1" dirty="0" smtClean="0">
+                <a:solidFill>
+                  <a:schemeClr val="bg1">
+                    <a:lumMod val="85000"/>
+                  </a:schemeClr>
+                </a:solidFill>
+                <a:sym typeface="Arial"/>
+              </a:rPr>
+              <a:t>(ID </a:t>
+            </a:r>
+            <a:r>
+              <a:rPr lang="en-US" sz="1200" b="1" dirty="0" err="1" smtClean="0">
+                <a:solidFill>
+                  <a:schemeClr val="bg1">
+                    <a:lumMod val="85000"/>
+                  </a:schemeClr>
+                </a:solidFill>
+                <a:sym typeface="Arial"/>
+              </a:rPr>
+              <a:t>primaryKey</a:t>
+            </a:r>
+            <a:r>
+              <a:rPr lang="en-US" sz="1200" b="1" dirty="0" smtClean="0">
+                <a:solidFill>
+                  <a:schemeClr val="bg1">
+                    <a:lumMod val="85000"/>
+                  </a:schemeClr>
+                </a:solidFill>
+                <a:sym typeface="Arial"/>
+              </a:rPr>
+              <a:t>);</a:t>
+            </a:r>
+          </a:p>
+          <a:p>
+            <a:pPr>
+              <a:buClr>
+                <a:srgbClr val="008774"/>
+              </a:buClr>
+            </a:pPr>
+            <a:endParaRPr lang="en-US" sz="1200" b="1" dirty="0">
+              <a:solidFill>
+                <a:schemeClr val="bg1">
+                  <a:lumMod val="85000"/>
+                </a:schemeClr>
+              </a:solidFill>
+              <a:sym typeface="Arial"/>
+            </a:endParaRPr>
+          </a:p>
+          <a:p>
+            <a:pPr>
+              <a:buClr>
+                <a:srgbClr val="008774"/>
+              </a:buClr>
+            </a:pPr>
+            <a:r>
+              <a:rPr lang="en-US" sz="1200" b="1" dirty="0" smtClean="0">
+                <a:solidFill>
+                  <a:schemeClr val="bg1">
+                    <a:lumMod val="85000"/>
+                  </a:schemeClr>
+                </a:solidFill>
+                <a:sym typeface="Arial"/>
+              </a:rPr>
+              <a:t>	// returns all entities</a:t>
+            </a:r>
+          </a:p>
+          <a:p>
+            <a:pPr>
+              <a:buClr>
+                <a:srgbClr val="008774"/>
+              </a:buClr>
+            </a:pPr>
+            <a:r>
+              <a:rPr lang="en-US" sz="1200" b="1" dirty="0">
+                <a:solidFill>
+                  <a:schemeClr val="bg1">
+                    <a:lumMod val="85000"/>
+                  </a:schemeClr>
+                </a:solidFill>
+                <a:sym typeface="Arial"/>
+              </a:rPr>
+              <a:t>	</a:t>
+            </a:r>
+            <a:r>
+              <a:rPr lang="en-US" sz="1200" b="1" dirty="0" err="1" smtClean="0">
+                <a:solidFill>
+                  <a:schemeClr val="bg1">
+                    <a:lumMod val="85000"/>
+                  </a:schemeClr>
+                </a:solidFill>
+                <a:sym typeface="Arial"/>
+              </a:rPr>
+              <a:t>Iterable</a:t>
+            </a:r>
+            <a:r>
+              <a:rPr lang="en-US" sz="1200" b="1" dirty="0" smtClean="0">
+                <a:solidFill>
+                  <a:schemeClr val="bg1">
+                    <a:lumMod val="85000"/>
+                  </a:schemeClr>
+                </a:solidFill>
+                <a:sym typeface="Arial"/>
+              </a:rPr>
+              <a:t>&lt;T&gt; </a:t>
+            </a:r>
+            <a:r>
+              <a:rPr lang="en-US" sz="1200" b="1" dirty="0" err="1" smtClean="0">
+                <a:solidFill>
+                  <a:schemeClr val="bg1">
+                    <a:lumMod val="85000"/>
+                  </a:schemeClr>
+                </a:solidFill>
+                <a:sym typeface="Arial"/>
+              </a:rPr>
+              <a:t>findAll</a:t>
+            </a:r>
+            <a:r>
+              <a:rPr lang="en-US" sz="1200" b="1" dirty="0" smtClean="0">
+                <a:solidFill>
+                  <a:schemeClr val="bg1">
+                    <a:lumMod val="85000"/>
+                  </a:schemeClr>
+                </a:solidFill>
+                <a:sym typeface="Arial"/>
+              </a:rPr>
+              <a:t>();</a:t>
+            </a:r>
+          </a:p>
+          <a:p>
+            <a:pPr>
+              <a:buClr>
+                <a:srgbClr val="008774"/>
+              </a:buClr>
+            </a:pPr>
+            <a:endParaRPr lang="en-US" sz="1200" b="1" dirty="0">
+              <a:solidFill>
+                <a:schemeClr val="bg1">
+                  <a:lumMod val="85000"/>
+                </a:schemeClr>
+              </a:solidFill>
+              <a:sym typeface="Arial"/>
+            </a:endParaRPr>
+          </a:p>
+          <a:p>
+            <a:pPr>
+              <a:buClr>
+                <a:srgbClr val="008774"/>
+              </a:buClr>
+            </a:pPr>
+            <a:r>
+              <a:rPr lang="en-US" sz="1200" b="1" dirty="0" smtClean="0">
+                <a:solidFill>
+                  <a:schemeClr val="bg1">
+                    <a:lumMod val="85000"/>
+                  </a:schemeClr>
+                </a:solidFill>
+                <a:sym typeface="Arial"/>
+              </a:rPr>
+              <a:t>	// deletes the given entity</a:t>
+            </a:r>
+          </a:p>
+          <a:p>
+            <a:pPr>
+              <a:buClr>
+                <a:srgbClr val="008774"/>
+              </a:buClr>
+            </a:pPr>
+            <a:r>
+              <a:rPr lang="en-US" sz="1200" b="1" dirty="0">
+                <a:solidFill>
+                  <a:schemeClr val="bg1">
+                    <a:lumMod val="85000"/>
+                  </a:schemeClr>
+                </a:solidFill>
+                <a:sym typeface="Arial"/>
+              </a:rPr>
+              <a:t>	</a:t>
+            </a:r>
+            <a:r>
+              <a:rPr lang="en-US" sz="1200" b="1" dirty="0" smtClean="0">
+                <a:solidFill>
+                  <a:srgbClr val="953735"/>
+                </a:solidFill>
+                <a:sym typeface="Arial"/>
+              </a:rPr>
+              <a:t>void</a:t>
+            </a:r>
+            <a:r>
+              <a:rPr lang="en-US" sz="1200" b="1" dirty="0" smtClean="0">
+                <a:solidFill>
+                  <a:schemeClr val="bg1">
+                    <a:lumMod val="85000"/>
+                  </a:schemeClr>
+                </a:solidFill>
+                <a:sym typeface="Arial"/>
+              </a:rPr>
+              <a:t> delete(T entity);</a:t>
+            </a:r>
+          </a:p>
+          <a:p>
+            <a:pPr>
+              <a:buClr>
+                <a:srgbClr val="008774"/>
+              </a:buClr>
+            </a:pPr>
+            <a:endParaRPr lang="en-US" sz="1200" b="1" dirty="0">
+              <a:solidFill>
+                <a:schemeClr val="bg1">
+                  <a:lumMod val="85000"/>
+                </a:schemeClr>
+              </a:solidFill>
+              <a:sym typeface="Arial"/>
+            </a:endParaRPr>
+          </a:p>
+          <a:p>
+            <a:pPr>
+              <a:buClr>
+                <a:srgbClr val="008774"/>
+              </a:buClr>
+            </a:pPr>
+            <a:r>
+              <a:rPr lang="en-US" sz="1200" b="1" dirty="0">
+                <a:solidFill>
+                  <a:schemeClr val="bg1">
+                    <a:lumMod val="85000"/>
+                  </a:schemeClr>
+                </a:solidFill>
+                <a:sym typeface="Arial"/>
+              </a:rPr>
+              <a:t>	</a:t>
+            </a:r>
+            <a:r>
+              <a:rPr lang="en-US" sz="1200" b="1" dirty="0" smtClean="0">
+                <a:solidFill>
+                  <a:schemeClr val="bg1">
+                    <a:lumMod val="85000"/>
+                  </a:schemeClr>
+                </a:solidFill>
+                <a:sym typeface="Arial"/>
+              </a:rPr>
+              <a:t>// .. more functionality omitted.</a:t>
+            </a:r>
+          </a:p>
+          <a:p>
+            <a:pPr>
+              <a:buClr>
+                <a:srgbClr val="008774"/>
+              </a:buClr>
+            </a:pPr>
+            <a:r>
+              <a:rPr lang="en-US" sz="1200" b="1" dirty="0">
+                <a:solidFill>
+                  <a:schemeClr val="bg1">
+                    <a:lumMod val="85000"/>
+                  </a:schemeClr>
+                </a:solidFill>
+                <a:sym typeface="Arial"/>
+              </a:rPr>
+              <a:t>}</a:t>
+            </a:r>
+          </a:p>
+        </p:txBody>
+      </p:sp>
+    </p:spTree>
+    <p:extLst>
+      <p:ext uri="{BB962C8B-B14F-4D97-AF65-F5344CB8AC3E}">
+        <p14:creationId xmlns:p14="http://schemas.microsoft.com/office/powerpoint/2010/main" val="1304414409"/>
+      </p:ext>
+    </p:extLst>
+  </p:cSld>
+  <p:clrMapOvr>
+    <a:masterClrMapping/>
+  </p:clrMapOvr>
+  <p:transition xmlns:p14="http://schemas.microsoft.com/office/powerpoint/2010/main">
+    <p:fade/>
+  </p:transition>
+  <p:timing>
+    <p:tnLst>
+      <p:par>
+        <p:cTn xmlns:p14="http://schemas.microsoft.com/office/powerpoint/2010/main" id="1" dur="indefinite" restart="never" nodeType="tmRoot"/>
+      </p:par>
+    </p:tnLst>
+  </p:timing>
+</p:sld>
+</file>
+
+<file path=ppt/slides/slide7.xml><?xml version="1.0" encoding="utf-8"?>
+<p:sld xmlns:a="http://schemas.openxmlformats.org/drawingml/2006/main" xmlns:r="http://schemas.openxmlformats.org/officeDocument/2006/relationships" xmlns:p="http://schemas.openxmlformats.org/presentationml/2006/main">
+  <p:cSld>
+    <p:spTree>
+      <p:nvGrpSpPr>
+        <p:cNvPr id="1" name="Shape 194"/>
+        <p:cNvGrpSpPr/>
+        <p:nvPr/>
+      </p:nvGrpSpPr>
+      <p:grpSpPr>
+        <a:xfrm>
+          <a:off x="0" y="0"/>
+          <a:ext cx="0" cy="0"/>
+          <a:chOff x="0" y="0"/>
+          <a:chExt cx="0" cy="0"/>
+        </a:xfrm>
+      </p:grpSpPr>
+      <p:sp>
+        <p:nvSpPr>
+          <p:cNvPr id="195" name="Shape 195"/>
+          <p:cNvSpPr txBox="1">
+            <a:spLocks noGrp="1"/>
+          </p:cNvSpPr>
+          <p:nvPr>
+            <p:ph type="title"/>
+          </p:nvPr>
+        </p:nvSpPr>
+        <p:spPr/>
+        <p:txBody>
+          <a:bodyPr/>
+          <a:lstStyle/>
+          <a:p>
+            <a:pPr lvl="0"/>
+            <a:r>
+              <a:rPr lang="en-US" sz="3200" b="0" dirty="0" smtClean="0">
+                <a:solidFill>
+                  <a:schemeClr val="accent1"/>
+                </a:solidFill>
+                <a:sym typeface="Arial"/>
+              </a:rPr>
+              <a:t>Add Required Methods as Needed</a:t>
+            </a:r>
+            <a:endParaRPr lang="en-US" sz="3200" b="0" dirty="0">
+              <a:solidFill>
+                <a:schemeClr val="accent1"/>
+              </a:solidFill>
+              <a:sym typeface="Arial"/>
+            </a:endParaRPr>
+          </a:p>
+        </p:txBody>
+      </p:sp>
+      <p:sp>
+        <p:nvSpPr>
+          <p:cNvPr id="5" name="Rectangle 4"/>
+          <p:cNvSpPr/>
+          <p:nvPr/>
+        </p:nvSpPr>
+        <p:spPr>
+          <a:xfrm>
+            <a:off x="772160" y="1063379"/>
+            <a:ext cx="6380480" cy="2804160"/>
+          </a:xfrm>
+          <a:prstGeom prst="rect">
+            <a:avLst/>
+          </a:prstGeom>
+          <a:solidFill>
+            <a:srgbClr val="162128"/>
+          </a:solidFill>
+          <a:ln>
+            <a:solidFill>
+              <a:srgbClr val="FFFFCC"/>
+            </a:solidFill>
+            <a:prstDash val="dash"/>
+          </a:ln>
+        </p:spPr>
+        <p:style>
+          <a:lnRef idx="1">
+            <a:schemeClr val="accent1"/>
+          </a:lnRef>
+          <a:fillRef idx="3">
+            <a:schemeClr val="accent1"/>
+          </a:fillRef>
+          <a:effectRef idx="2">
+            <a:schemeClr val="accent1"/>
+          </a:effectRef>
+          <a:fontRef idx="minor">
+            <a:schemeClr val="lt1"/>
+          </a:fontRef>
+        </p:style>
+        <p:txBody>
+          <a:bodyPr rtlCol="0" anchor="ctr"/>
+          <a:lstStyle/>
+          <a:p>
+            <a:pPr>
+              <a:buClr>
+                <a:srgbClr val="008774"/>
+              </a:buClr>
+            </a:pPr>
+            <a:r>
+              <a:rPr lang="en-US" sz="1200" b="1" dirty="0" smtClean="0">
+                <a:solidFill>
+                  <a:schemeClr val="accent2">
+                    <a:lumMod val="75000"/>
+                  </a:schemeClr>
+                </a:solidFill>
+                <a:sym typeface="Arial"/>
+              </a:rPr>
+              <a:t>public interface </a:t>
+            </a:r>
+            <a:r>
+              <a:rPr lang="en-US" sz="1200" b="1" dirty="0" err="1" smtClean="0">
+                <a:solidFill>
+                  <a:schemeClr val="bg1">
+                    <a:lumMod val="85000"/>
+                  </a:schemeClr>
+                </a:solidFill>
+                <a:sym typeface="Arial"/>
+              </a:rPr>
+              <a:t>PersonRepository</a:t>
+            </a:r>
+            <a:r>
+              <a:rPr lang="en-US" sz="1200" b="1" dirty="0" smtClean="0">
+                <a:solidFill>
+                  <a:schemeClr val="bg1">
+                    <a:lumMod val="85000"/>
+                  </a:schemeClr>
+                </a:solidFill>
+                <a:sym typeface="Arial"/>
+              </a:rPr>
+              <a:t> extends </a:t>
+            </a:r>
+            <a:r>
+              <a:rPr lang="en-US" sz="1200" b="1" dirty="0" err="1" smtClean="0">
+                <a:solidFill>
+                  <a:schemeClr val="bg1">
+                    <a:lumMod val="85000"/>
+                  </a:schemeClr>
+                </a:solidFill>
+                <a:sym typeface="Arial"/>
+              </a:rPr>
+              <a:t>JpaRepository</a:t>
+            </a:r>
+            <a:r>
+              <a:rPr lang="en-US" sz="1200" b="1" dirty="0" smtClean="0">
+                <a:solidFill>
+                  <a:schemeClr val="bg1">
+                    <a:lumMod val="85000"/>
+                  </a:schemeClr>
+                </a:solidFill>
+                <a:sym typeface="Arial"/>
+              </a:rPr>
+              <a:t>&lt;User, Long&gt; {</a:t>
+            </a:r>
+            <a:endParaRPr lang="en-US" sz="1200" b="1" dirty="0">
+              <a:solidFill>
+                <a:schemeClr val="bg1">
+                  <a:lumMod val="85000"/>
+                </a:schemeClr>
+              </a:solidFill>
+              <a:sym typeface="Arial"/>
+            </a:endParaRPr>
+          </a:p>
+          <a:p>
+            <a:pPr>
+              <a:buClr>
+                <a:srgbClr val="008774"/>
+              </a:buClr>
+            </a:pPr>
+            <a:r>
+              <a:rPr lang="en-US" sz="1200" b="1" dirty="0" smtClean="0">
+                <a:solidFill>
+                  <a:schemeClr val="bg1">
+                    <a:lumMod val="85000"/>
+                  </a:schemeClr>
+                </a:solidFill>
+                <a:sym typeface="Arial"/>
+              </a:rPr>
+              <a:t>	List&lt;Person&gt; </a:t>
+            </a:r>
+            <a:r>
+              <a:rPr lang="en-US" sz="1200" b="1" dirty="0" err="1" smtClean="0">
+                <a:solidFill>
+                  <a:schemeClr val="bg1">
+                    <a:lumMod val="85000"/>
+                  </a:schemeClr>
+                </a:solidFill>
+                <a:sym typeface="Arial"/>
+              </a:rPr>
+              <a:t>findByEmailAddressAndLastName</a:t>
+            </a:r>
+            <a:r>
+              <a:rPr lang="en-US" sz="1200" b="1" dirty="0" smtClean="0">
+                <a:solidFill>
+                  <a:schemeClr val="bg1">
+                    <a:lumMod val="85000"/>
+                  </a:schemeClr>
+                </a:solidFill>
+                <a:sym typeface="Arial"/>
+              </a:rPr>
+              <a:t> </a:t>
+            </a:r>
+          </a:p>
+          <a:p>
+            <a:pPr>
+              <a:buClr>
+                <a:srgbClr val="008774"/>
+              </a:buClr>
+            </a:pPr>
+            <a:r>
+              <a:rPr lang="en-US" sz="1200" b="1" dirty="0">
+                <a:solidFill>
+                  <a:schemeClr val="bg1">
+                    <a:lumMod val="85000"/>
+                  </a:schemeClr>
+                </a:solidFill>
+                <a:sym typeface="Arial"/>
+              </a:rPr>
+              <a:t>	</a:t>
+            </a:r>
+            <a:r>
+              <a:rPr lang="en-US" sz="1200" b="1" dirty="0" smtClean="0">
+                <a:solidFill>
+                  <a:schemeClr val="bg1">
+                    <a:lumMod val="85000"/>
+                  </a:schemeClr>
+                </a:solidFill>
+                <a:sym typeface="Arial"/>
+              </a:rPr>
+              <a:t>	(</a:t>
+            </a:r>
+            <a:r>
+              <a:rPr lang="en-US" sz="1200" b="1" dirty="0" err="1" smtClean="0">
+                <a:solidFill>
+                  <a:schemeClr val="bg1">
+                    <a:lumMod val="85000"/>
+                  </a:schemeClr>
+                </a:solidFill>
+                <a:sym typeface="Arial"/>
+              </a:rPr>
+              <a:t>EmailAddress</a:t>
+            </a:r>
+            <a:r>
+              <a:rPr lang="en-US" sz="1200" b="1" dirty="0" smtClean="0">
+                <a:solidFill>
+                  <a:schemeClr val="bg1">
+                    <a:lumMod val="85000"/>
+                  </a:schemeClr>
+                </a:solidFill>
+                <a:sym typeface="Arial"/>
+              </a:rPr>
+              <a:t> </a:t>
+            </a:r>
+            <a:r>
+              <a:rPr lang="en-US" sz="1200" b="1" dirty="0" err="1" smtClean="0">
+                <a:solidFill>
+                  <a:schemeClr val="bg1">
+                    <a:lumMod val="85000"/>
+                  </a:schemeClr>
+                </a:solidFill>
+                <a:sym typeface="Arial"/>
+              </a:rPr>
+              <a:t>emailAddress</a:t>
+            </a:r>
+            <a:r>
+              <a:rPr lang="en-US" sz="1200" b="1" dirty="0" smtClean="0">
+                <a:solidFill>
+                  <a:schemeClr val="bg1">
+                    <a:lumMod val="85000"/>
+                  </a:schemeClr>
+                </a:solidFill>
+                <a:sym typeface="Arial"/>
+              </a:rPr>
+              <a:t>, String </a:t>
+            </a:r>
+            <a:r>
+              <a:rPr lang="en-US" sz="1200" b="1" dirty="0" err="1" smtClean="0">
+                <a:solidFill>
+                  <a:schemeClr val="bg1">
+                    <a:lumMod val="85000"/>
+                  </a:schemeClr>
+                </a:solidFill>
+                <a:sym typeface="Arial"/>
+              </a:rPr>
+              <a:t>lastname</a:t>
+            </a:r>
+            <a:r>
+              <a:rPr lang="en-US" sz="1200" b="1" dirty="0" smtClean="0">
+                <a:solidFill>
+                  <a:schemeClr val="bg1">
+                    <a:lumMod val="85000"/>
+                  </a:schemeClr>
+                </a:solidFill>
+                <a:sym typeface="Arial"/>
+              </a:rPr>
+              <a:t>);</a:t>
+            </a:r>
+          </a:p>
+          <a:p>
+            <a:pPr>
+              <a:buClr>
+                <a:srgbClr val="008774"/>
+              </a:buClr>
+            </a:pPr>
+            <a:endParaRPr lang="en-US" sz="1200" b="1" dirty="0" smtClean="0">
+              <a:solidFill>
+                <a:srgbClr val="7F7F7F"/>
+              </a:solidFill>
+              <a:sym typeface="Arial"/>
+            </a:endParaRPr>
+          </a:p>
+          <a:p>
+            <a:pPr>
+              <a:buClr>
+                <a:srgbClr val="008774"/>
+              </a:buClr>
+            </a:pPr>
+            <a:r>
+              <a:rPr lang="en-US" sz="1200" b="1" dirty="0">
+                <a:solidFill>
+                  <a:srgbClr val="7F7F7F"/>
+                </a:solidFill>
+                <a:sym typeface="Arial"/>
+              </a:rPr>
+              <a:t>	</a:t>
+            </a:r>
+            <a:r>
+              <a:rPr lang="en-US" sz="1200" b="1" dirty="0" smtClean="0">
+                <a:solidFill>
+                  <a:srgbClr val="408000"/>
+                </a:solidFill>
+                <a:sym typeface="Arial"/>
+              </a:rPr>
+              <a:t>// enables the distinct flag for the query</a:t>
+            </a:r>
+            <a:endParaRPr lang="en-US" sz="1200" b="1" dirty="0">
+              <a:solidFill>
+                <a:srgbClr val="408000"/>
+              </a:solidFill>
+              <a:sym typeface="Arial"/>
+            </a:endParaRPr>
+          </a:p>
+          <a:p>
+            <a:pPr>
+              <a:buClr>
+                <a:srgbClr val="008774"/>
+              </a:buClr>
+            </a:pPr>
+            <a:r>
+              <a:rPr lang="en-US" sz="1200" b="1" dirty="0" smtClean="0">
+                <a:solidFill>
+                  <a:srgbClr val="7F7F7F"/>
+                </a:solidFill>
+                <a:sym typeface="Arial"/>
+              </a:rPr>
+              <a:t>	</a:t>
+            </a:r>
+            <a:r>
+              <a:rPr lang="en-US" sz="1200" b="1" dirty="0" smtClean="0">
+                <a:solidFill>
+                  <a:srgbClr val="D9D9D9"/>
+                </a:solidFill>
+                <a:sym typeface="Arial"/>
+              </a:rPr>
+              <a:t>List&lt;Person&gt; </a:t>
+            </a:r>
+            <a:r>
+              <a:rPr lang="en-US" sz="1200" b="1" dirty="0" err="1" smtClean="0">
+                <a:solidFill>
+                  <a:srgbClr val="D9D9D9"/>
+                </a:solidFill>
+                <a:sym typeface="Arial"/>
+              </a:rPr>
+              <a:t>findDistinctPeopleByLastnameorFirstname</a:t>
+            </a:r>
+            <a:r>
+              <a:rPr lang="en-US" sz="1200" b="1" dirty="0" smtClean="0">
+                <a:solidFill>
+                  <a:srgbClr val="D9D9D9"/>
+                </a:solidFill>
+                <a:sym typeface="Arial"/>
+              </a:rPr>
+              <a:t> </a:t>
+            </a:r>
+          </a:p>
+          <a:p>
+            <a:pPr>
+              <a:buClr>
+                <a:srgbClr val="008774"/>
+              </a:buClr>
+            </a:pPr>
+            <a:r>
+              <a:rPr lang="en-US" sz="1200" b="1" dirty="0">
+                <a:solidFill>
+                  <a:srgbClr val="D9D9D9"/>
+                </a:solidFill>
+                <a:sym typeface="Arial"/>
+              </a:rPr>
+              <a:t>	</a:t>
+            </a:r>
+            <a:r>
+              <a:rPr lang="en-US" sz="1200" b="1" dirty="0" smtClean="0">
+                <a:solidFill>
+                  <a:srgbClr val="D9D9D9"/>
+                </a:solidFill>
+                <a:sym typeface="Arial"/>
+              </a:rPr>
+              <a:t>	(String </a:t>
+            </a:r>
+            <a:r>
+              <a:rPr lang="en-US" sz="1200" b="1" dirty="0" err="1" smtClean="0">
+                <a:solidFill>
+                  <a:srgbClr val="D9D9D9"/>
+                </a:solidFill>
+                <a:sym typeface="Arial"/>
+              </a:rPr>
+              <a:t>lastname</a:t>
+            </a:r>
+            <a:r>
+              <a:rPr lang="en-US" sz="1200" b="1" dirty="0" smtClean="0">
+                <a:solidFill>
+                  <a:srgbClr val="D9D9D9"/>
+                </a:solidFill>
+                <a:sym typeface="Arial"/>
+              </a:rPr>
+              <a:t>, String </a:t>
+            </a:r>
+            <a:r>
+              <a:rPr lang="en-US" sz="1200" b="1" dirty="0" err="1" smtClean="0">
+                <a:solidFill>
+                  <a:srgbClr val="D9D9D9"/>
+                </a:solidFill>
+                <a:sym typeface="Arial"/>
+              </a:rPr>
+              <a:t>firstname</a:t>
+            </a:r>
+            <a:r>
+              <a:rPr lang="en-US" sz="1200" b="1" dirty="0" smtClean="0">
+                <a:solidFill>
+                  <a:srgbClr val="D9D9D9"/>
+                </a:solidFill>
+                <a:sym typeface="Arial"/>
+              </a:rPr>
+              <a:t>);</a:t>
+            </a:r>
+          </a:p>
+          <a:p>
+            <a:pPr>
+              <a:buClr>
+                <a:srgbClr val="008774"/>
+              </a:buClr>
+            </a:pPr>
+            <a:endParaRPr lang="en-US" sz="1200" b="1" dirty="0">
+              <a:solidFill>
+                <a:srgbClr val="D9D9D9"/>
+              </a:solidFill>
+              <a:sym typeface="Arial"/>
+            </a:endParaRPr>
+          </a:p>
+          <a:p>
+            <a:pPr>
+              <a:buClr>
+                <a:srgbClr val="008774"/>
+              </a:buClr>
+            </a:pPr>
+            <a:r>
+              <a:rPr lang="en-US" sz="1200" b="1" dirty="0" smtClean="0">
+                <a:solidFill>
+                  <a:srgbClr val="D9D9D9"/>
+                </a:solidFill>
+                <a:sym typeface="Arial"/>
+              </a:rPr>
+              <a:t>	List&lt;Person&gt; </a:t>
+            </a:r>
+            <a:r>
+              <a:rPr lang="en-US" sz="1200" b="1" dirty="0" err="1" smtClean="0">
+                <a:solidFill>
+                  <a:srgbClr val="D9D9D9"/>
+                </a:solidFill>
+                <a:sym typeface="Arial"/>
+              </a:rPr>
+              <a:t>findPeopleDistinctByLastnamefOrFirstname</a:t>
+            </a:r>
+            <a:r>
+              <a:rPr lang="en-US" sz="1200" b="1" dirty="0">
+                <a:solidFill>
+                  <a:srgbClr val="D9D9D9"/>
+                </a:solidFill>
+                <a:sym typeface="Arial"/>
+              </a:rPr>
+              <a:t> </a:t>
+            </a:r>
+            <a:endParaRPr lang="en-US" sz="1200" b="1" dirty="0" smtClean="0">
+              <a:solidFill>
+                <a:srgbClr val="D9D9D9"/>
+              </a:solidFill>
+              <a:sym typeface="Arial"/>
+            </a:endParaRPr>
+          </a:p>
+          <a:p>
+            <a:pPr>
+              <a:buClr>
+                <a:srgbClr val="008774"/>
+              </a:buClr>
+            </a:pPr>
+            <a:r>
+              <a:rPr lang="en-US" sz="1200" b="1" dirty="0">
+                <a:solidFill>
+                  <a:srgbClr val="D9D9D9"/>
+                </a:solidFill>
+                <a:sym typeface="Arial"/>
+              </a:rPr>
+              <a:t>	</a:t>
+            </a:r>
+            <a:r>
+              <a:rPr lang="en-US" sz="1200" b="1" dirty="0" smtClean="0">
+                <a:solidFill>
+                  <a:srgbClr val="D9D9D9"/>
+                </a:solidFill>
+                <a:sym typeface="Arial"/>
+              </a:rPr>
+              <a:t>	(String </a:t>
+            </a:r>
+            <a:r>
+              <a:rPr lang="en-US" sz="1200" b="1" dirty="0" err="1" smtClean="0">
+                <a:solidFill>
+                  <a:srgbClr val="D9D9D9"/>
+                </a:solidFill>
+                <a:sym typeface="Arial"/>
+              </a:rPr>
+              <a:t>lastname</a:t>
+            </a:r>
+            <a:r>
+              <a:rPr lang="en-US" sz="1200" b="1" dirty="0" smtClean="0">
+                <a:solidFill>
+                  <a:srgbClr val="D9D9D9"/>
+                </a:solidFill>
+                <a:sym typeface="Arial"/>
+              </a:rPr>
+              <a:t>, String </a:t>
+            </a:r>
+            <a:r>
+              <a:rPr lang="en-US" sz="1200" b="1" dirty="0" err="1" smtClean="0">
+                <a:solidFill>
+                  <a:srgbClr val="D9D9D9"/>
+                </a:solidFill>
+                <a:sym typeface="Arial"/>
+              </a:rPr>
+              <a:t>firstname</a:t>
+            </a:r>
+            <a:r>
+              <a:rPr lang="en-US" sz="1200" b="1" dirty="0" smtClean="0">
+                <a:solidFill>
+                  <a:srgbClr val="D9D9D9"/>
+                </a:solidFill>
+                <a:sym typeface="Arial"/>
+              </a:rPr>
+              <a:t>);</a:t>
+            </a:r>
+          </a:p>
+          <a:p>
+            <a:pPr>
+              <a:buClr>
+                <a:srgbClr val="008774"/>
+              </a:buClr>
+            </a:pPr>
+            <a:endParaRPr lang="en-US" sz="1200" b="1" dirty="0" smtClean="0">
+              <a:solidFill>
+                <a:srgbClr val="7F7F7F"/>
+              </a:solidFill>
+              <a:sym typeface="Arial"/>
+            </a:endParaRPr>
+          </a:p>
+          <a:p>
+            <a:pPr>
+              <a:buClr>
+                <a:srgbClr val="008774"/>
+              </a:buClr>
+            </a:pPr>
+            <a:r>
+              <a:rPr lang="en-US" sz="1200" b="1" dirty="0">
+                <a:solidFill>
+                  <a:srgbClr val="7F7F7F"/>
+                </a:solidFill>
+                <a:sym typeface="Arial"/>
+              </a:rPr>
+              <a:t>	</a:t>
+            </a:r>
+            <a:r>
+              <a:rPr lang="en-US" sz="1200" b="1" dirty="0" smtClean="0">
+                <a:solidFill>
+                  <a:srgbClr val="408000"/>
+                </a:solidFill>
+                <a:sym typeface="Arial"/>
+              </a:rPr>
+              <a:t>// enabling ignoring case for individual property</a:t>
+            </a:r>
+            <a:endParaRPr lang="en-US" sz="1200" b="1" dirty="0">
+              <a:solidFill>
+                <a:srgbClr val="408000"/>
+              </a:solidFill>
+              <a:sym typeface="Arial"/>
+            </a:endParaRPr>
+          </a:p>
+          <a:p>
+            <a:pPr>
+              <a:buClr>
+                <a:srgbClr val="008774"/>
+              </a:buClr>
+            </a:pPr>
+            <a:r>
+              <a:rPr lang="en-US" sz="1200" b="1" dirty="0" smtClean="0">
+                <a:solidFill>
+                  <a:schemeClr val="bg1">
+                    <a:lumMod val="85000"/>
+                  </a:schemeClr>
+                </a:solidFill>
+                <a:sym typeface="Arial"/>
+              </a:rPr>
+              <a:t>	List&lt;Person&gt; </a:t>
+            </a:r>
+            <a:r>
+              <a:rPr lang="en-US" sz="1200" b="1" dirty="0" err="1" smtClean="0">
+                <a:solidFill>
+                  <a:schemeClr val="bg1">
+                    <a:lumMod val="85000"/>
+                  </a:schemeClr>
+                </a:solidFill>
+                <a:sym typeface="Arial"/>
+              </a:rPr>
+              <a:t>findByLastnameIgnoreCase</a:t>
+            </a:r>
+            <a:r>
+              <a:rPr lang="en-US" sz="1200" b="1" dirty="0" smtClean="0">
+                <a:solidFill>
+                  <a:schemeClr val="bg1">
+                    <a:lumMod val="85000"/>
+                  </a:schemeClr>
+                </a:solidFill>
+                <a:sym typeface="Arial"/>
+              </a:rPr>
+              <a:t>(String </a:t>
+            </a:r>
+            <a:r>
+              <a:rPr lang="en-US" sz="1200" b="1" dirty="0" err="1" smtClean="0">
+                <a:solidFill>
+                  <a:schemeClr val="bg1">
+                    <a:lumMod val="85000"/>
+                  </a:schemeClr>
+                </a:solidFill>
+                <a:sym typeface="Arial"/>
+              </a:rPr>
+              <a:t>lastname</a:t>
+            </a:r>
+            <a:r>
+              <a:rPr lang="en-US" sz="1200" b="1" dirty="0" smtClean="0">
+                <a:solidFill>
+                  <a:schemeClr val="bg1">
+                    <a:lumMod val="85000"/>
+                  </a:schemeClr>
+                </a:solidFill>
+                <a:sym typeface="Arial"/>
+              </a:rPr>
+              <a:t>);</a:t>
+            </a:r>
+          </a:p>
+          <a:p>
+            <a:pPr>
+              <a:buClr>
+                <a:srgbClr val="008774"/>
+              </a:buClr>
+            </a:pPr>
+            <a:r>
+              <a:rPr lang="en-US" sz="1200" b="1" dirty="0" smtClean="0">
+                <a:solidFill>
+                  <a:schemeClr val="bg1">
+                    <a:lumMod val="85000"/>
+                  </a:schemeClr>
+                </a:solidFill>
+                <a:sym typeface="Arial"/>
+              </a:rPr>
+              <a:t>}</a:t>
+            </a:r>
+            <a:endParaRPr lang="en-US" sz="1200" b="1" dirty="0">
+              <a:solidFill>
+                <a:schemeClr val="bg1">
+                  <a:lumMod val="85000"/>
+                </a:schemeClr>
+              </a:solidFill>
+              <a:sym typeface="Arial"/>
+            </a:endParaRPr>
+          </a:p>
+        </p:txBody>
+      </p:sp>
+    </p:spTree>
+    <p:extLst>
+      <p:ext uri="{BB962C8B-B14F-4D97-AF65-F5344CB8AC3E}">
+        <p14:creationId xmlns:p14="http://schemas.microsoft.com/office/powerpoint/2010/main" val="1304414409"/>
+      </p:ext>
+    </p:extLst>
+  </p:cSld>
+  <p:clrMapOvr>
+    <a:masterClrMapping/>
+  </p:clrMapOvr>
+  <p:transition xmlns:p14="http://schemas.microsoft.com/office/powerpoint/2010/main">
+    <p:fade/>
+  </p:transition>
+  <p:timing>
+    <p:tnLst>
+      <p:par>
+        <p:cTn xmlns:p14="http://schemas.microsoft.com/office/powerpoint/2010/main" id="1" dur="indefinite" restart="never" nodeType="tmRoot"/>
+      </p:par>
+    </p:tnLst>
+  </p:timing>
+</p:sld>
+</file>
+
+<file path=ppt/slides/slide8.xml><?xml version="1.0" encoding="utf-8"?>
+<p:sld xmlns:a="http://schemas.openxmlformats.org/drawingml/2006/main" xmlns:r="http://schemas.openxmlformats.org/officeDocument/2006/relationships" xmlns:p="http://schemas.openxmlformats.org/presentationml/2006/main">
+  <p:cSld>
+    <p:spTree>
+      <p:nvGrpSpPr>
+        <p:cNvPr id="1" name="Shape 194"/>
+        <p:cNvGrpSpPr/>
+        <p:nvPr/>
+      </p:nvGrpSpPr>
+      <p:grpSpPr>
+        <a:xfrm>
+          <a:off x="0" y="0"/>
+          <a:ext cx="0" cy="0"/>
+          <a:chOff x="0" y="0"/>
+          <a:chExt cx="0" cy="0"/>
+        </a:xfrm>
+      </p:grpSpPr>
+      <p:sp>
+        <p:nvSpPr>
+          <p:cNvPr id="195" name="Shape 195"/>
+          <p:cNvSpPr txBox="1">
+            <a:spLocks noGrp="1"/>
+          </p:cNvSpPr>
+          <p:nvPr>
+            <p:ph type="title"/>
+          </p:nvPr>
+        </p:nvSpPr>
+        <p:spPr/>
+        <p:txBody>
+          <a:bodyPr/>
+          <a:lstStyle/>
+          <a:p>
+            <a:pPr lvl="0"/>
+            <a:r>
+              <a:rPr lang="en-US" sz="3200" b="0" dirty="0" smtClean="0">
+                <a:solidFill>
+                  <a:schemeClr val="accent1"/>
+                </a:solidFill>
+                <a:sym typeface="Arial"/>
+              </a:rPr>
+              <a:t>@Query as an Alternative to Keywords</a:t>
+            </a:r>
+            <a:endParaRPr lang="en-US" sz="3200" b="0" dirty="0">
+              <a:solidFill>
+                <a:schemeClr val="accent1"/>
+              </a:solidFill>
+              <a:sym typeface="Arial"/>
+            </a:endParaRPr>
+          </a:p>
+        </p:txBody>
+      </p:sp>
+      <p:sp>
+        <p:nvSpPr>
+          <p:cNvPr id="196" name="Shape 196"/>
+          <p:cNvSpPr txBox="1">
+            <a:spLocks noGrp="1"/>
+          </p:cNvSpPr>
+          <p:nvPr>
+            <p:ph type="body" sz="quarter" idx="13"/>
+          </p:nvPr>
+        </p:nvSpPr>
+        <p:spPr>
+          <a:xfrm>
+            <a:off x="431800" y="624363"/>
+            <a:ext cx="8551408" cy="1509238"/>
+          </a:xfrm>
+        </p:spPr>
+        <p:txBody>
+          <a:bodyPr/>
+          <a:lstStyle/>
           <a:p>
             <a:pPr marL="514350" lvl="0" indent="-514350">
               <a:buClr>
@@ -7167,28 +13884,503 @@
               <a:buFont typeface="+mj-lt"/>
               <a:buAutoNum type="arabicPeriod"/>
             </a:pPr>
-            <a:r>
-              <a:rPr lang="en-US" sz="2800" dirty="0" smtClean="0">
-                <a:solidFill>
-                  <a:schemeClr val="accent6"/>
-                </a:solidFill>
-                <a:sym typeface="Arial"/>
-              </a:rPr>
-              <a:t>TBD</a:t>
-            </a:r>
-            <a:endParaRPr lang="en-US" sz="2800" dirty="0">
+            <a:endParaRPr lang="en-US" sz="2800" dirty="0" smtClean="0">
               <a:solidFill>
                 <a:schemeClr val="accent6"/>
               </a:solidFill>
               <a:sym typeface="Arial"/>
             </a:endParaRPr>
           </a:p>
+          <a:p>
+            <a:pPr lvl="0">
+              <a:spcAft>
+                <a:spcPts val="1800"/>
+              </a:spcAft>
+              <a:buClr>
+                <a:srgbClr val="008774"/>
+              </a:buClr>
+            </a:pPr>
+            <a:r>
+              <a:rPr lang="en-US" sz="2400" b="1" dirty="0" smtClean="0">
+                <a:solidFill>
+                  <a:schemeClr val="accent6"/>
+                </a:solidFill>
+                <a:sym typeface="Arial"/>
+              </a:rPr>
+              <a:t>A JPA based repository using the @Query Annotation</a:t>
+            </a:r>
+          </a:p>
+        </p:txBody>
+      </p:sp>
+      <p:sp>
+        <p:nvSpPr>
+          <p:cNvPr id="5" name="Rectangle 4"/>
+          <p:cNvSpPr/>
+          <p:nvPr/>
+        </p:nvSpPr>
+        <p:spPr>
+          <a:xfrm>
+            <a:off x="772160" y="2133601"/>
+            <a:ext cx="6380480" cy="1372450"/>
+          </a:xfrm>
+          <a:prstGeom prst="rect">
+            <a:avLst/>
+          </a:prstGeom>
+          <a:solidFill>
+            <a:srgbClr val="162128"/>
+          </a:solidFill>
+          <a:ln>
+            <a:solidFill>
+              <a:srgbClr val="FFFFCC"/>
+            </a:solidFill>
+            <a:prstDash val="dash"/>
+          </a:ln>
+        </p:spPr>
+        <p:style>
+          <a:lnRef idx="1">
+            <a:schemeClr val="accent1"/>
+          </a:lnRef>
+          <a:fillRef idx="3">
+            <a:schemeClr val="accent1"/>
+          </a:fillRef>
+          <a:effectRef idx="2">
+            <a:schemeClr val="accent1"/>
+          </a:effectRef>
+          <a:fontRef idx="minor">
+            <a:schemeClr val="lt1"/>
+          </a:fontRef>
+        </p:style>
+        <p:txBody>
+          <a:bodyPr rtlCol="0" anchor="ctr"/>
+          <a:lstStyle/>
+          <a:p>
+            <a:pPr>
+              <a:buClr>
+                <a:srgbClr val="008774"/>
+              </a:buClr>
+            </a:pPr>
+            <a:r>
+              <a:rPr lang="en-US" sz="1200" b="1" dirty="0" smtClean="0">
+                <a:solidFill>
+                  <a:srgbClr val="800000"/>
+                </a:solidFill>
+                <a:sym typeface="Arial"/>
+              </a:rPr>
+              <a:t>public interface</a:t>
+            </a:r>
+            <a:r>
+              <a:rPr lang="en-US" sz="1200" b="1" dirty="0" smtClean="0">
+                <a:solidFill>
+                  <a:srgbClr val="7F7F7F"/>
+                </a:solidFill>
+                <a:sym typeface="Arial"/>
+              </a:rPr>
+              <a:t> </a:t>
+            </a:r>
+            <a:r>
+              <a:rPr lang="en-US" sz="1200" b="1" dirty="0" err="1" smtClean="0">
+                <a:solidFill>
+                  <a:schemeClr val="bg1">
+                    <a:lumMod val="85000"/>
+                  </a:schemeClr>
+                </a:solidFill>
+                <a:sym typeface="Arial"/>
+              </a:rPr>
+              <a:t>UserRepository</a:t>
+            </a:r>
+            <a:r>
+              <a:rPr lang="en-US" sz="1200" b="1" dirty="0" smtClean="0">
+                <a:solidFill>
+                  <a:schemeClr val="bg1">
+                    <a:lumMod val="85000"/>
+                  </a:schemeClr>
+                </a:solidFill>
+                <a:sym typeface="Arial"/>
+              </a:rPr>
+              <a:t> extends </a:t>
+            </a:r>
+            <a:r>
+              <a:rPr lang="en-US" sz="1200" b="1" dirty="0" err="1" smtClean="0">
+                <a:solidFill>
+                  <a:schemeClr val="bg1">
+                    <a:lumMod val="85000"/>
+                  </a:schemeClr>
+                </a:solidFill>
+                <a:sym typeface="Arial"/>
+              </a:rPr>
+              <a:t>JpaRepository</a:t>
+            </a:r>
+            <a:r>
+              <a:rPr lang="en-US" sz="1200" b="1" dirty="0" smtClean="0">
+                <a:solidFill>
+                  <a:schemeClr val="bg1">
+                    <a:lumMod val="85000"/>
+                  </a:schemeClr>
+                </a:solidFill>
+                <a:sym typeface="Arial"/>
+              </a:rPr>
+              <a:t>&lt;User, Long&gt; {</a:t>
+            </a:r>
+            <a:endParaRPr lang="en-US" sz="1200" b="1" dirty="0">
+              <a:solidFill>
+                <a:schemeClr val="bg1">
+                  <a:lumMod val="85000"/>
+                </a:schemeClr>
+              </a:solidFill>
+              <a:sym typeface="Arial"/>
+            </a:endParaRPr>
+          </a:p>
+          <a:p>
+            <a:pPr>
+              <a:buClr>
+                <a:srgbClr val="008774"/>
+              </a:buClr>
+            </a:pPr>
+            <a:r>
+              <a:rPr lang="en-US" sz="1200" b="1" dirty="0" smtClean="0">
+                <a:solidFill>
+                  <a:schemeClr val="bg1">
+                    <a:lumMod val="85000"/>
+                  </a:schemeClr>
+                </a:solidFill>
+                <a:sym typeface="Arial"/>
+              </a:rPr>
+              <a:t>	@Query(“select u from User u where </a:t>
+            </a:r>
+            <a:r>
+              <a:rPr lang="en-US" sz="1200" b="1" dirty="0" err="1" smtClean="0">
+                <a:solidFill>
+                  <a:schemeClr val="bg1">
+                    <a:lumMod val="85000"/>
+                  </a:schemeClr>
+                </a:solidFill>
+                <a:sym typeface="Arial"/>
+              </a:rPr>
+              <a:t>u.emailAddress</a:t>
+            </a:r>
+            <a:r>
+              <a:rPr lang="en-US" sz="1200" b="1" dirty="0" smtClean="0">
+                <a:solidFill>
+                  <a:schemeClr val="bg1">
+                    <a:lumMod val="85000"/>
+                  </a:schemeClr>
+                </a:solidFill>
+                <a:sym typeface="Arial"/>
+              </a:rPr>
+              <a:t> = ?1)</a:t>
+            </a:r>
+          </a:p>
+          <a:p>
+            <a:pPr>
+              <a:buClr>
+                <a:srgbClr val="008774"/>
+              </a:buClr>
+            </a:pPr>
+            <a:r>
+              <a:rPr lang="en-US" sz="1200" b="1" dirty="0">
+                <a:solidFill>
+                  <a:schemeClr val="bg1">
+                    <a:lumMod val="85000"/>
+                  </a:schemeClr>
+                </a:solidFill>
+                <a:sym typeface="Arial"/>
+              </a:rPr>
+              <a:t>	</a:t>
+            </a:r>
+            <a:r>
+              <a:rPr lang="en-US" sz="1200" b="1" dirty="0" smtClean="0">
+                <a:solidFill>
+                  <a:schemeClr val="bg1">
+                    <a:lumMod val="85000"/>
+                  </a:schemeClr>
+                </a:solidFill>
+                <a:sym typeface="Arial"/>
+              </a:rPr>
+              <a:t>User </a:t>
+            </a:r>
+            <a:r>
+              <a:rPr lang="en-US" sz="1200" b="1" dirty="0" err="1" smtClean="0">
+                <a:solidFill>
+                  <a:schemeClr val="bg1">
+                    <a:lumMod val="85000"/>
+                  </a:schemeClr>
+                </a:solidFill>
+                <a:sym typeface="Arial"/>
+              </a:rPr>
+              <a:t>findByEmailAddress</a:t>
+            </a:r>
+            <a:r>
+              <a:rPr lang="en-US" sz="1200" b="1" dirty="0" smtClean="0">
+                <a:solidFill>
+                  <a:schemeClr val="bg1">
+                    <a:lumMod val="85000"/>
+                  </a:schemeClr>
+                </a:solidFill>
+                <a:sym typeface="Arial"/>
+              </a:rPr>
+              <a:t>(String </a:t>
+            </a:r>
+            <a:r>
+              <a:rPr lang="en-US" sz="1200" b="1" dirty="0" err="1" smtClean="0">
+                <a:solidFill>
+                  <a:schemeClr val="bg1">
+                    <a:lumMod val="85000"/>
+                  </a:schemeClr>
+                </a:solidFill>
+                <a:sym typeface="Arial"/>
+              </a:rPr>
+              <a:t>emailAddress</a:t>
+            </a:r>
+            <a:r>
+              <a:rPr lang="en-US" sz="1200" b="1" dirty="0" smtClean="0">
+                <a:solidFill>
+                  <a:schemeClr val="bg1">
+                    <a:lumMod val="85000"/>
+                  </a:schemeClr>
+                </a:solidFill>
+                <a:sym typeface="Arial"/>
+              </a:rPr>
+              <a:t>);</a:t>
+            </a:r>
+          </a:p>
+          <a:p>
+            <a:pPr>
+              <a:buClr>
+                <a:srgbClr val="008774"/>
+              </a:buClr>
+            </a:pPr>
+            <a:r>
+              <a:rPr lang="en-US" sz="1200" b="1" dirty="0" smtClean="0">
+                <a:solidFill>
+                  <a:schemeClr val="bg1">
+                    <a:lumMod val="85000"/>
+                  </a:schemeClr>
+                </a:solidFill>
+                <a:sym typeface="Arial"/>
+              </a:rPr>
+              <a:t>}</a:t>
+            </a:r>
+            <a:endParaRPr lang="en-US" sz="1200" b="1" dirty="0">
+              <a:solidFill>
+                <a:schemeClr val="bg1">
+                  <a:lumMod val="85000"/>
+                </a:schemeClr>
+              </a:solidFill>
+              <a:sym typeface="Arial"/>
+            </a:endParaRPr>
+          </a:p>
         </p:txBody>
       </p:sp>
     </p:spTree>
     <p:extLst>
       <p:ext uri="{BB962C8B-B14F-4D97-AF65-F5344CB8AC3E}">
-        <p14:creationId xmlns:p14="http://schemas.microsoft.com/office/powerpoint/2010/main" val="2019503117"/>
+        <p14:creationId xmlns:p14="http://schemas.microsoft.com/office/powerpoint/2010/main" val="1304414409"/>
+      </p:ext>
+    </p:extLst>
+  </p:cSld>
+  <p:clrMapOvr>
+    <a:masterClrMapping/>
+  </p:clrMapOvr>
+  <p:transition xmlns:p14="http://schemas.microsoft.com/office/powerpoint/2010/main">
+    <p:fade/>
+  </p:transition>
+  <p:timing>
+    <p:tnLst>
+      <p:par>
+        <p:cTn xmlns:p14="http://schemas.microsoft.com/office/powerpoint/2010/main" id="1" dur="indefinite" restart="never" nodeType="tmRoot"/>
+      </p:par>
+    </p:tnLst>
+  </p:timing>
+</p:sld>
+</file>
+
+<file path=ppt/slides/slide9.xml><?xml version="1.0" encoding="utf-8"?>
+<p:sld xmlns:a="http://schemas.openxmlformats.org/drawingml/2006/main" xmlns:r="http://schemas.openxmlformats.org/officeDocument/2006/relationships" xmlns:p="http://schemas.openxmlformats.org/presentationml/2006/main">
+  <p:cSld>
+    <p:spTree>
+      <p:nvGrpSpPr>
+        <p:cNvPr id="1" name="Shape 194"/>
+        <p:cNvGrpSpPr/>
+        <p:nvPr/>
+      </p:nvGrpSpPr>
+      <p:grpSpPr>
+        <a:xfrm>
+          <a:off x="0" y="0"/>
+          <a:ext cx="0" cy="0"/>
+          <a:chOff x="0" y="0"/>
+          <a:chExt cx="0" cy="0"/>
+        </a:xfrm>
+      </p:grpSpPr>
+      <p:sp>
+        <p:nvSpPr>
+          <p:cNvPr id="195" name="Shape 195"/>
+          <p:cNvSpPr txBox="1">
+            <a:spLocks noGrp="1"/>
+          </p:cNvSpPr>
+          <p:nvPr>
+            <p:ph type="title"/>
+          </p:nvPr>
+        </p:nvSpPr>
+        <p:spPr/>
+        <p:txBody>
+          <a:bodyPr/>
+          <a:lstStyle/>
+          <a:p>
+            <a:pPr lvl="0"/>
+            <a:r>
+              <a:rPr lang="en-US" sz="3200" b="0" dirty="0" smtClean="0">
+                <a:solidFill>
+                  <a:schemeClr val="accent1"/>
+                </a:solidFill>
+                <a:sym typeface="Arial"/>
+              </a:rPr>
+              <a:t>Workshop Agenda</a:t>
+            </a:r>
+            <a:endParaRPr lang="en-US" sz="3200" b="0" dirty="0">
+              <a:solidFill>
+                <a:schemeClr val="accent1"/>
+              </a:solidFill>
+              <a:sym typeface="Arial"/>
+            </a:endParaRPr>
+          </a:p>
+        </p:txBody>
+      </p:sp>
+      <p:sp>
+        <p:nvSpPr>
+          <p:cNvPr id="196" name="Shape 196"/>
+          <p:cNvSpPr txBox="1">
+            <a:spLocks noGrp="1"/>
+          </p:cNvSpPr>
+          <p:nvPr>
+            <p:ph type="body" sz="quarter" idx="13"/>
+          </p:nvPr>
+        </p:nvSpPr>
+        <p:spPr>
+          <a:xfrm>
+            <a:off x="431800" y="624362"/>
+            <a:ext cx="8551408" cy="3848609"/>
+          </a:xfrm>
+        </p:spPr>
+        <p:txBody>
+          <a:bodyPr/>
+          <a:lstStyle/>
+          <a:p>
+            <a:pPr marL="514350" lvl="0" indent="-514350">
+              <a:buClr>
+                <a:srgbClr val="008774"/>
+              </a:buClr>
+              <a:buFont typeface="+mj-lt"/>
+              <a:buAutoNum type="arabicPeriod"/>
+            </a:pPr>
+            <a:endParaRPr lang="en-US" sz="2800" dirty="0" smtClean="0">
+              <a:solidFill>
+                <a:schemeClr val="accent6"/>
+              </a:solidFill>
+              <a:sym typeface="Arial"/>
+            </a:endParaRPr>
+          </a:p>
+          <a:p>
+            <a:pPr lvl="0">
+              <a:spcAft>
+                <a:spcPts val="1800"/>
+              </a:spcAft>
+              <a:buClr>
+                <a:srgbClr val="008774"/>
+              </a:buClr>
+            </a:pPr>
+            <a:r>
+              <a:rPr lang="en-US" sz="2800" b="1" dirty="0" smtClean="0">
+                <a:solidFill>
+                  <a:schemeClr val="accent6">
+                    <a:lumMod val="20000"/>
+                    <a:lumOff val="80000"/>
+                  </a:schemeClr>
+                </a:solidFill>
+                <a:sym typeface="Arial"/>
+              </a:rPr>
+              <a:t>Spring Data</a:t>
+            </a:r>
+            <a:endParaRPr lang="en-US" sz="2800" b="1" dirty="0" smtClean="0">
+              <a:solidFill>
+                <a:schemeClr val="accent6">
+                  <a:lumMod val="20000"/>
+                  <a:lumOff val="80000"/>
+                </a:schemeClr>
+              </a:solidFill>
+              <a:sym typeface="Arial"/>
+            </a:endParaRPr>
+          </a:p>
+          <a:p>
+            <a:pPr lvl="0">
+              <a:spcAft>
+                <a:spcPts val="1800"/>
+              </a:spcAft>
+              <a:buClr>
+                <a:srgbClr val="008774"/>
+              </a:buClr>
+            </a:pPr>
+            <a:r>
+              <a:rPr lang="en-US" sz="2800" b="1" dirty="0">
+                <a:solidFill>
+                  <a:schemeClr val="accent6"/>
+                </a:solidFill>
+                <a:sym typeface="Arial"/>
+              </a:rPr>
+              <a:t>Spring </a:t>
+            </a:r>
+            <a:r>
+              <a:rPr lang="en-US" sz="2800" b="1" dirty="0" smtClean="0">
+                <a:solidFill>
+                  <a:schemeClr val="accent6"/>
+                </a:solidFill>
+                <a:sym typeface="Arial"/>
+              </a:rPr>
+              <a:t>Data REST</a:t>
+            </a:r>
+            <a:endParaRPr lang="en-US" sz="2800" b="1" dirty="0">
+              <a:solidFill>
+                <a:schemeClr val="accent6"/>
+              </a:solidFill>
+              <a:sym typeface="Arial"/>
+            </a:endParaRPr>
+          </a:p>
+          <a:p>
+            <a:pPr lvl="0">
+              <a:spcAft>
+                <a:spcPts val="1800"/>
+              </a:spcAft>
+              <a:buClr>
+                <a:srgbClr val="008774"/>
+              </a:buClr>
+            </a:pPr>
+            <a:r>
+              <a:rPr lang="en-US" sz="2800" dirty="0" smtClean="0">
+                <a:solidFill>
+                  <a:schemeClr val="accent6">
+                    <a:lumMod val="20000"/>
+                    <a:lumOff val="80000"/>
+                  </a:schemeClr>
+                </a:solidFill>
+                <a:sym typeface="Arial"/>
+              </a:rPr>
+              <a:t>Polyglot Persistence</a:t>
+            </a:r>
+            <a:endParaRPr lang="en-US" sz="2800" dirty="0">
+              <a:solidFill>
+                <a:schemeClr val="accent6">
+                  <a:lumMod val="20000"/>
+                  <a:lumOff val="80000"/>
+                </a:schemeClr>
+              </a:solidFill>
+              <a:sym typeface="Arial"/>
+            </a:endParaRPr>
+          </a:p>
+        </p:txBody>
+      </p:sp>
+    </p:spTree>
+    <p:extLst>
+      <p:ext uri="{BB962C8B-B14F-4D97-AF65-F5344CB8AC3E}">
+        <p14:creationId xmlns:p14="http://schemas.microsoft.com/office/powerpoint/2010/main" val="3507741761"/>
       </p:ext>
     </p:extLst>
   </p:cSld>

--- a/presentations/Session_3_Polyglot_Persist.pptx
+++ b/presentations/Session_3_Polyglot_Persist.pptx
@@ -249,7 +249,7 @@
           <a:p>
             <a:fld id="{372E5B6B-8713-8747-AE5B-F1241B2BF5F0}" type="datetimeFigureOut">
               <a:rPr lang="en-US" smtClean="0"/>
-              <a:t>3/26/16</a:t>
+              <a:t>4/14/16</a:t>
             </a:fld>
             <a:endParaRPr lang="en-US"/>
           </a:p>
@@ -415,7 +415,7 @@
           <a:p>
             <a:fld id="{7E7B7340-DDD5-1B49-81AA-25BC4050C073}" type="datetimeFigureOut">
               <a:rPr lang="en-US" smtClean="0"/>
-              <a:t>3/26/16</a:t>
+              <a:t>4/14/16</a:t>
             </a:fld>
             <a:endParaRPr lang="en-US"/>
           </a:p>
@@ -8438,26 +8438,35 @@
       </p:sp>
       <p:pic>
         <p:nvPicPr>
-          <p:cNvPr id="7" name="Picture 6"/>
+          <p:cNvPr id="9" name="Picture 8" descr="1280px-Boeing-Logo.svg.png"/>
           <p:cNvPicPr>
             <a:picLocks noChangeAspect="1"/>
           </p:cNvPicPr>
           <p:nvPr/>
         </p:nvPicPr>
         <p:blipFill>
-          <a:blip r:embed="rId5"/>
+          <a:blip r:embed="rId5">
+            <a:extLst>
+              <a:ext uri="{28A0092B-C50C-407E-A947-70E740481C1C}">
+                <a14:useLocalDpi xmlns:a14="http://schemas.microsoft.com/office/drawing/2010/main" val="0"/>
+              </a:ext>
+            </a:extLst>
+          </a:blip>
           <a:stretch>
             <a:fillRect/>
           </a:stretch>
         </p:blipFill>
         <p:spPr>
           <a:xfrm>
-            <a:off x="8196204" y="1558"/>
-            <a:ext cx="947796" cy="947796"/>
+            <a:off x="7826822" y="162560"/>
+            <a:ext cx="1053018" cy="660400"/>
           </a:xfrm>
           <a:prstGeom prst="rect">
             <a:avLst/>
           </a:prstGeom>
+          <a:solidFill>
+            <a:schemeClr val="bg1"/>
+          </a:solidFill>
         </p:spPr>
       </p:pic>
     </p:spTree>
@@ -9674,12 +9683,6 @@
               </a:rPr>
               <a:t>Spring Data</a:t>
             </a:r>
-            <a:endParaRPr lang="en-US" sz="2800" dirty="0" smtClean="0">
-              <a:solidFill>
-                <a:srgbClr val="FDEADA"/>
-              </a:solidFill>
-              <a:sym typeface="Arial"/>
-            </a:endParaRPr>
           </a:p>
           <a:p>
             <a:pPr lvl="0">
@@ -9700,29 +9703,8 @@
                 </a:solidFill>
                 <a:sym typeface="Arial"/>
               </a:rPr>
-              <a:t>Spring Dat</a:t>
-            </a:r>
-            <a:r>
-              <a:rPr lang="en-US" sz="2800" dirty="0" smtClean="0">
-                <a:solidFill>
-                  <a:schemeClr val="accent6">
-                    <a:lumMod val="20000"/>
-                    <a:lumOff val="80000"/>
-                  </a:schemeClr>
-                </a:solidFill>
-                <a:sym typeface="Arial"/>
-              </a:rPr>
-              <a:t>a REST</a:t>
-            </a:r>
-            <a:endParaRPr lang="en-US" sz="2800" dirty="0" smtClean="0">
-              <a:solidFill>
-                <a:schemeClr val="accent6">
-                  <a:lumMod val="20000"/>
-                  <a:lumOff val="80000"/>
-                </a:schemeClr>
-              </a:solidFill>
-              <a:sym typeface="Arial"/>
-            </a:endParaRPr>
+              <a:t>Spring Data REST</a:t>
+            </a:r>
           </a:p>
           <a:p>
             <a:pPr lvl="0">
@@ -9996,12 +9978,6 @@
               </a:rPr>
               <a:t>&lt;Book&gt; {</a:t>
             </a:r>
-            <a:endParaRPr lang="en-US" sz="1200" b="1" dirty="0" smtClean="0">
-              <a:solidFill>
-                <a:srgbClr val="D9D9D9"/>
-              </a:solidFill>
-              <a:sym typeface="Arial"/>
-            </a:endParaRPr>
           </a:p>
           <a:p>
             <a:pPr>
@@ -10274,12 +10250,6 @@
               </a:rPr>
               <a:t>  {</a:t>
             </a:r>
-            <a:endParaRPr lang="en-US" sz="1200" b="1" dirty="0" smtClean="0">
-              <a:solidFill>
-                <a:srgbClr val="D9D9D9"/>
-              </a:solidFill>
-              <a:sym typeface="Arial"/>
-            </a:endParaRPr>
           </a:p>
           <a:p>
             <a:pPr>
@@ -10365,12 +10335,6 @@
               </a:rPr>
               <a:t>…</a:t>
             </a:r>
-            <a:endParaRPr lang="en-US" sz="1200" b="1" dirty="0" smtClean="0">
-              <a:solidFill>
-                <a:srgbClr val="D9D9D9"/>
-              </a:solidFill>
-              <a:sym typeface="Arial"/>
-            </a:endParaRPr>
           </a:p>
           <a:p>
             <a:pPr>
@@ -11087,12 +11051,6 @@
               </a:rPr>
               <a:t>Spring Data</a:t>
             </a:r>
-            <a:endParaRPr lang="en-US" sz="2800" dirty="0" smtClean="0">
-              <a:solidFill>
-                <a:schemeClr val="accent6"/>
-              </a:solidFill>
-              <a:sym typeface="Arial"/>
-            </a:endParaRPr>
           </a:p>
           <a:p>
             <a:pPr lvl="0">
@@ -11110,23 +11068,8 @@
                 </a:solidFill>
                 <a:sym typeface="Arial"/>
               </a:rPr>
-              <a:t>Spring Dat</a:t>
-            </a:r>
-            <a:r>
-              <a:rPr lang="en-US" sz="2800" dirty="0" smtClean="0">
-                <a:solidFill>
-                  <a:schemeClr val="accent6"/>
-                </a:solidFill>
-                <a:sym typeface="Arial"/>
-              </a:rPr>
-              <a:t>a REST</a:t>
-            </a:r>
-            <a:endParaRPr lang="en-US" sz="2800" dirty="0" smtClean="0">
-              <a:solidFill>
-                <a:schemeClr val="accent6"/>
-              </a:solidFill>
-              <a:sym typeface="Arial"/>
-            </a:endParaRPr>
+              <a:t>Spring Data REST</a:t>
+            </a:r>
           </a:p>
           <a:p>
             <a:pPr lvl="0">
@@ -11281,12 +11224,6 @@
               </a:rPr>
               <a:t>Spring Data</a:t>
             </a:r>
-            <a:endParaRPr lang="en-US" sz="2800" b="1" dirty="0" smtClean="0">
-              <a:solidFill>
-                <a:schemeClr val="accent6"/>
-              </a:solidFill>
-              <a:sym typeface="Arial"/>
-            </a:endParaRPr>
           </a:p>
           <a:p>
             <a:pPr lvl="0">
@@ -11307,29 +11244,8 @@
                 </a:solidFill>
                 <a:sym typeface="Arial"/>
               </a:rPr>
-              <a:t>Spring Dat</a:t>
-            </a:r>
-            <a:r>
-              <a:rPr lang="en-US" sz="2800" dirty="0" smtClean="0">
-                <a:solidFill>
-                  <a:schemeClr val="accent6">
-                    <a:lumMod val="20000"/>
-                    <a:lumOff val="80000"/>
-                  </a:schemeClr>
-                </a:solidFill>
-                <a:sym typeface="Arial"/>
-              </a:rPr>
-              <a:t>a REST</a:t>
-            </a:r>
-            <a:endParaRPr lang="en-US" sz="2800" dirty="0" smtClean="0">
-              <a:solidFill>
-                <a:schemeClr val="accent6">
-                  <a:lumMod val="20000"/>
-                  <a:lumOff val="80000"/>
-                </a:schemeClr>
-              </a:solidFill>
-              <a:sym typeface="Arial"/>
-            </a:endParaRPr>
+              <a:t>Spring Data REST</a:t>
+            </a:r>
           </a:p>
           <a:p>
             <a:pPr lvl="0">
@@ -11982,12 +11898,6 @@
               </a:rPr>
               <a:t>Neo4J</a:t>
             </a:r>
-            <a:endParaRPr lang="en-US" sz="2400" b="1" dirty="0" smtClean="0">
-              <a:solidFill>
-                <a:schemeClr val="accent6"/>
-              </a:solidFill>
-              <a:sym typeface="Arial"/>
-            </a:endParaRPr>
           </a:p>
         </p:txBody>
       </p:sp>
@@ -14300,15 +14210,6 @@
               </a:rPr>
               <a:t>Spring Data</a:t>
             </a:r>
-            <a:endParaRPr lang="en-US" sz="2800" b="1" dirty="0" smtClean="0">
-              <a:solidFill>
-                <a:schemeClr val="accent6">
-                  <a:lumMod val="20000"/>
-                  <a:lumOff val="80000"/>
-                </a:schemeClr>
-              </a:solidFill>
-              <a:sym typeface="Arial"/>
-            </a:endParaRPr>
           </a:p>
           <a:p>
             <a:pPr lvl="0">
